--- a/introduction-to-r/src/v02-slides-and-speaker-notes.pptx
+++ b/introduction-to-r/src/v02-slides-and-speaker-notes.pptx
@@ -5,7 +5,7 @@
     <p:sldMasterId id="2147483648" r:id="rId1"/>
   </p:sldMasterIdLst>
   <p:notesMasterIdLst>
-    <p:NotesMasterId r:id="rId68"/>
+    <p:NotesMasterId r:id="rId67"/>
   </p:notesMasterIdLst>
   <p:sldIdLst>
     <p:sldId id="256" r:id="rId2"/>
@@ -73,7 +73,6 @@
     <p:sldId id="318" r:id="rId64"/>
     <p:sldId id="319" r:id="rId65"/>
     <p:sldId id="320" r:id="rId66"/>
-    <p:sldId id="321" r:id="rId67"/>
   </p:sldIdLst>
   <p:sldSz cx="9144000" cy="6858000" type="screen4x3"/>
   <p:notesSz cx="6858000" cy="9144000"/>
@@ -6966,23 +6965,31 @@
             </a:pPr>
             <a:r>
               <a:rPr/>
-              <a:t>If</a:t>
-            </a:r>
-            <a:r>
-              <a:rPr/>
-              <a:t> </a:t>
-            </a:r>
-            <a:r>
-              <a:rPr/>
-              <a:t>you</a:t>
-            </a:r>
-            <a:r>
-              <a:rPr/>
-              <a:t> </a:t>
-            </a:r>
-            <a:r>
-              <a:rPr/>
-              <a:t>want</a:t>
+              <a:t>A</a:t>
+            </a:r>
+            <a:r>
+              <a:rPr/>
+              <a:t> </a:t>
+            </a:r>
+            <a:r>
+              <a:rPr b="1"/>
+              <a:t>categorical</a:t>
+            </a:r>
+            <a:r>
+              <a:rPr b="1"/>
+              <a:t> </a:t>
+            </a:r>
+            <a:r>
+              <a:rPr b="1"/>
+              <a:t>variable</a:t>
+            </a:r>
+            <a:r>
+              <a:rPr/>
+              <a:t> </a:t>
+            </a:r>
+            <a:r>
+              <a:rPr/>
+              <a:t>is</a:t>
             </a:r>
             <a:r>
               <a:rPr/>
@@ -6998,7 +7005,7 @@
             </a:r>
             <a:r>
               <a:rPr/>
-              <a:t>format</a:t>
+              <a:t>variable</a:t>
             </a:r>
             <a:r>
               <a:rPr/>
@@ -7014,6 +7021,94 @@
             </a:r>
             <a:r>
               <a:rPr/>
+              <a:t>can</a:t>
+            </a:r>
+            <a:r>
+              <a:rPr/>
+              <a:t> </a:t>
+            </a:r>
+            <a:r>
+              <a:rPr/>
+              <a:t>only</a:t>
+            </a:r>
+            <a:r>
+              <a:rPr/>
+              <a:t> </a:t>
+            </a:r>
+            <a:r>
+              <a:rPr/>
+              <a:t>take</a:t>
+            </a:r>
+            <a:r>
+              <a:rPr/>
+              <a:t> </a:t>
+            </a:r>
+            <a:r>
+              <a:rPr/>
+              <a:t>on</a:t>
+            </a:r>
+            <a:r>
+              <a:rPr/>
+              <a:t> </a:t>
+            </a:r>
+            <a:r>
+              <a:rPr/>
+              <a:t>a</a:t>
+            </a:r>
+            <a:r>
+              <a:rPr/>
+              <a:t> </a:t>
+            </a:r>
+            <a:r>
+              <a:rPr/>
+              <a:t>small</a:t>
+            </a:r>
+            <a:r>
+              <a:rPr/>
+              <a:t> </a:t>
+            </a:r>
+            <a:r>
+              <a:rPr/>
+              <a:t>number</a:t>
+            </a:r>
+            <a:r>
+              <a:rPr/>
+              <a:t> </a:t>
+            </a:r>
+            <a:r>
+              <a:rPr/>
+              <a:t>of</a:t>
+            </a:r>
+            <a:r>
+              <a:rPr/>
+              <a:t> </a:t>
+            </a:r>
+            <a:r>
+              <a:rPr/>
+              <a:t>values.</a:t>
+            </a:r>
+            <a:r>
+              <a:rPr/>
+              <a:t> </a:t>
+            </a:r>
+            <a:r>
+              <a:rPr/>
+              <a:t>Each</a:t>
+            </a:r>
+            <a:r>
+              <a:rPr/>
+              <a:t> </a:t>
+            </a:r>
+            <a:r>
+              <a:rPr/>
+              <a:t>value</a:t>
+            </a:r>
+            <a:r>
+              <a:rPr/>
+              <a:t> </a:t>
+            </a:r>
+            <a:r>
+              <a:rPr/>
               <a:t>is</a:t>
             </a:r>
             <a:r>
@@ -7022,6 +7117,30 @@
             </a:r>
             <a:r>
               <a:rPr/>
+              <a:t>usually</a:t>
+            </a:r>
+            <a:r>
+              <a:rPr/>
+              <a:t> </a:t>
+            </a:r>
+            <a:r>
+              <a:rPr/>
+              <a:t>associated</a:t>
+            </a:r>
+            <a:r>
+              <a:rPr/>
+              <a:t> </a:t>
+            </a:r>
+            <a:r>
+              <a:rPr/>
+              <a:t>with</a:t>
+            </a:r>
+            <a:r>
+              <a:rPr/>
+              <a:t> </a:t>
+            </a:r>
+            <a:r>
+              <a:rPr/>
               <a:t>a</a:t>
             </a:r>
             <a:r>
@@ -7030,319 +7149,15 @@
             </a:r>
             <a:r>
               <a:rPr/>
-              <a:t>bit</a:t>
-            </a:r>
-            <a:r>
-              <a:rPr/>
-              <a:t> </a:t>
-            </a:r>
-            <a:r>
-              <a:rPr/>
-              <a:t>closer</a:t>
-            </a:r>
-            <a:r>
-              <a:rPr/>
-              <a:t> </a:t>
-            </a:r>
-            <a:r>
-              <a:rPr/>
-              <a:t>to</a:t>
-            </a:r>
-            <a:r>
-              <a:rPr/>
-              <a:t> </a:t>
-            </a:r>
-            <a:r>
-              <a:rPr/>
-              <a:t>publication</a:t>
-            </a:r>
-            <a:r>
-              <a:rPr/>
-              <a:t> </a:t>
-            </a:r>
-            <a:r>
-              <a:rPr/>
-              <a:t>quality,</a:t>
-            </a:r>
-            <a:r>
-              <a:rPr/>
-              <a:t> </a:t>
-            </a:r>
-            <a:r>
-              <a:rPr/>
-              <a:t>the</a:t>
-            </a:r>
-            <a:r>
-              <a:rPr/>
-              <a:t> </a:t>
-            </a:r>
-            <a:r>
-              <a:rPr/>
-              <a:t>kable</a:t>
-            </a:r>
-            <a:r>
-              <a:rPr/>
-              <a:t> </a:t>
-            </a:r>
-            <a:r>
-              <a:rPr/>
-              <a:t>function</a:t>
-            </a:r>
-            <a:r>
-              <a:rPr/>
-              <a:t> </a:t>
-            </a:r>
-            <a:r>
-              <a:rPr/>
-              <a:t>(in</a:t>
-            </a:r>
-            <a:r>
-              <a:rPr/>
-              <a:t> </a:t>
-            </a:r>
-            <a:r>
-              <a:rPr/>
-              <a:t>the</a:t>
-            </a:r>
-            <a:r>
-              <a:rPr/>
-              <a:t> </a:t>
-            </a:r>
-            <a:r>
-              <a:rPr/>
-              <a:t>knitr</a:t>
-            </a:r>
-            <a:r>
-              <a:rPr/>
-              <a:t> </a:t>
-            </a:r>
-            <a:r>
-              <a:rPr/>
-              <a:t>package)</a:t>
-            </a:r>
-            <a:r>
-              <a:rPr/>
-              <a:t> </a:t>
-            </a:r>
-            <a:r>
-              <a:rPr/>
-              <a:t>is</a:t>
-            </a:r>
-            <a:r>
-              <a:rPr/>
-              <a:t> </a:t>
-            </a:r>
-            <a:r>
-              <a:rPr/>
-              <a:t>often</a:t>
-            </a:r>
-            <a:r>
-              <a:rPr/>
-              <a:t> </a:t>
-            </a:r>
-            <a:r>
-              <a:rPr/>
-              <a:t>a</a:t>
-            </a:r>
-            <a:r>
-              <a:rPr/>
-              <a:t> </a:t>
-            </a:r>
-            <a:r>
-              <a:rPr/>
-              <a:t>good</a:t>
-            </a:r>
-            <a:r>
-              <a:rPr/>
-              <a:t> </a:t>
-            </a:r>
-            <a:r>
-              <a:rPr/>
-              <a:t>start.</a:t>
-            </a:r>
-            <a:r>
-              <a:rPr/>
-              <a:t> </a:t>
-            </a:r>
-            <a:r>
-              <a:rPr/>
-              <a:t>I</a:t>
-            </a:r>
-            <a:r>
-              <a:rPr/>
-              <a:t> </a:t>
-            </a:r>
-            <a:r>
-              <a:rPr/>
-              <a:t>could</a:t>
-            </a:r>
-            <a:r>
-              <a:rPr/>
-              <a:t> </a:t>
-            </a:r>
-            <a:r>
-              <a:rPr/>
-              <a:t>spend</a:t>
-            </a:r>
-            <a:r>
-              <a:rPr/>
-              <a:t> </a:t>
-            </a:r>
-            <a:r>
-              <a:rPr/>
-              <a:t>a</a:t>
-            </a:r>
-            <a:r>
-              <a:rPr/>
-              <a:t> </a:t>
-            </a:r>
-            <a:r>
-              <a:rPr/>
-              <a:t>whole</a:t>
-            </a:r>
-            <a:r>
-              <a:rPr/>
-              <a:t> </a:t>
-            </a:r>
-            <a:r>
-              <a:rPr/>
-              <a:t>lecture</a:t>
-            </a:r>
-            <a:r>
-              <a:rPr/>
-              <a:t> </a:t>
-            </a:r>
-            <a:r>
-              <a:rPr/>
-              <a:t>on</a:t>
-            </a:r>
-            <a:r>
-              <a:rPr/>
-              <a:t> </a:t>
-            </a:r>
-            <a:r>
-              <a:rPr/>
-              <a:t>kable</a:t>
-            </a:r>
-            <a:r>
-              <a:rPr/>
-              <a:t> </a:t>
-            </a:r>
-            <a:r>
-              <a:rPr/>
-              <a:t>and</a:t>
-            </a:r>
-            <a:r>
-              <a:rPr/>
-              <a:t> </a:t>
-            </a:r>
-            <a:r>
-              <a:rPr/>
-              <a:t>other</a:t>
-            </a:r>
-            <a:r>
-              <a:rPr/>
-              <a:t> </a:t>
-            </a:r>
-            <a:r>
-              <a:rPr/>
-              <a:t>methods</a:t>
-            </a:r>
-            <a:r>
-              <a:rPr/>
-              <a:t> </a:t>
-            </a:r>
-            <a:r>
-              <a:rPr/>
-              <a:t>for</a:t>
-            </a:r>
-            <a:r>
-              <a:rPr/>
-              <a:t> </a:t>
-            </a:r>
-            <a:r>
-              <a:rPr/>
-              <a:t>printing</a:t>
-            </a:r>
-            <a:r>
-              <a:rPr/>
-              <a:t> </a:t>
-            </a:r>
-            <a:r>
-              <a:rPr/>
-              <a:t>nicely,</a:t>
-            </a:r>
-            <a:r>
-              <a:rPr/>
-              <a:t> </a:t>
-            </a:r>
-            <a:r>
-              <a:rPr/>
-              <a:t>but</a:t>
-            </a:r>
-            <a:r>
-              <a:rPr/>
-              <a:t> </a:t>
-            </a:r>
-            <a:r>
-              <a:rPr/>
-              <a:t>it</a:t>
-            </a:r>
-            <a:r>
-              <a:rPr/>
-              <a:t> </a:t>
-            </a:r>
-            <a:r>
-              <a:rPr/>
-              <a:t>is</a:t>
-            </a:r>
-            <a:r>
-              <a:rPr/>
-              <a:t> </a:t>
-            </a:r>
-            <a:r>
-              <a:rPr/>
-              <a:t>beyond</a:t>
-            </a:r>
-            <a:r>
-              <a:rPr/>
-              <a:t> </a:t>
-            </a:r>
-            <a:r>
-              <a:rPr/>
-              <a:t>the</a:t>
-            </a:r>
-            <a:r>
-              <a:rPr/>
-              <a:t> </a:t>
-            </a:r>
-            <a:r>
-              <a:rPr/>
-              <a:t>scope</a:t>
-            </a:r>
-            <a:r>
-              <a:rPr/>
-              <a:t> </a:t>
-            </a:r>
-            <a:r>
-              <a:rPr/>
-              <a:t>of</a:t>
-            </a:r>
-            <a:r>
-              <a:rPr/>
-              <a:t> </a:t>
-            </a:r>
-            <a:r>
-              <a:rPr/>
-              <a:t>this</a:t>
-            </a:r>
-            <a:r>
-              <a:rPr/>
-              <a:t> </a:t>
-            </a:r>
-            <a:r>
-              <a:rPr/>
-              <a:t>class.</a:t>
+              <a:t>particular</a:t>
+            </a:r>
+            <a:r>
+              <a:rPr/>
+              <a:t> </a:t>
+            </a:r>
+            <a:r>
+              <a:rPr/>
+              <a:t>category.</a:t>
             </a:r>
           </a:p>
         </p:txBody>
@@ -7432,7 +7247,7 @@
             </a:r>
             <a:r>
               <a:rPr b="1"/>
-              <a:t>categorical</a:t>
+              <a:t>continuous</a:t>
             </a:r>
             <a:r>
               <a:rPr b="1"/>
@@ -7488,14 +7303,6 @@
             </a:r>
             <a:r>
               <a:rPr/>
-              <a:t>only</a:t>
-            </a:r>
-            <a:r>
-              <a:rPr/>
-              <a:t> </a:t>
-            </a:r>
-            <a:r>
-              <a:rPr/>
               <a:t>take</a:t>
             </a:r>
             <a:r>
@@ -7520,7 +7327,7 @@
             </a:r>
             <a:r>
               <a:rPr/>
-              <a:t>small</a:t>
+              <a:t>large</a:t>
             </a:r>
             <a:r>
               <a:rPr/>
@@ -7544,15 +7351,31 @@
             </a:r>
             <a:r>
               <a:rPr/>
-              <a:t>values.</a:t>
-            </a:r>
-            <a:r>
-              <a:rPr/>
-              <a:t> </a:t>
-            </a:r>
-            <a:r>
-              <a:rPr/>
-              <a:t>Each</a:t>
+              <a:t>possible</a:t>
+            </a:r>
+            <a:r>
+              <a:rPr/>
+              <a:t> </a:t>
+            </a:r>
+            <a:r>
+              <a:rPr/>
+              <a:t>values,</a:t>
+            </a:r>
+            <a:r>
+              <a:rPr/>
+              <a:t> </a:t>
+            </a:r>
+            <a:r>
+              <a:rPr/>
+              <a:t>potentially</a:t>
+            </a:r>
+            <a:r>
+              <a:rPr/>
+              <a:t> </a:t>
+            </a:r>
+            <a:r>
+              <a:rPr/>
+              <a:t>any</a:t>
             </a:r>
             <a:r>
               <a:rPr/>
@@ -7568,6 +7391,156 @@
             </a:r>
             <a:r>
               <a:rPr/>
+              <a:t>in</a:t>
+            </a:r>
+            <a:r>
+              <a:rPr/>
+              <a:t> </a:t>
+            </a:r>
+            <a:r>
+              <a:rPr/>
+              <a:t>some</a:t>
+            </a:r>
+            <a:r>
+              <a:rPr/>
+              <a:t> </a:t>
+            </a:r>
+            <a:r>
+              <a:rPr/>
+              <a:t>interval.</a:t>
+            </a:r>
+          </a:p>
+          <a:p>
+            <a:pPr lvl="0" marL="0" indent="0">
+              <a:buNone/>
+            </a:pPr>
+          </a:p>
+          <a:p>
+            <a:pPr lvl="0" marL="0" indent="0">
+              <a:buNone/>
+            </a:pPr>
+            <a:r>
+              <a:rPr/>
+              <a:t>There</a:t>
+            </a:r>
+            <a:r>
+              <a:rPr/>
+              <a:t> </a:t>
+            </a:r>
+            <a:r>
+              <a:rPr/>
+              <a:t>are</a:t>
+            </a:r>
+            <a:r>
+              <a:rPr/>
+              <a:t> </a:t>
+            </a:r>
+            <a:r>
+              <a:rPr/>
+              <a:t>some</a:t>
+            </a:r>
+            <a:r>
+              <a:rPr/>
+              <a:t> </a:t>
+            </a:r>
+            <a:r>
+              <a:rPr/>
+              <a:t>variables</a:t>
+            </a:r>
+            <a:r>
+              <a:rPr/>
+              <a:t> </a:t>
+            </a:r>
+            <a:r>
+              <a:rPr/>
+              <a:t>that</a:t>
+            </a:r>
+            <a:r>
+              <a:rPr/>
+              <a:t> </a:t>
+            </a:r>
+            <a:r>
+              <a:rPr/>
+              <a:t>are</a:t>
+            </a:r>
+            <a:r>
+              <a:rPr/>
+              <a:t> </a:t>
+            </a:r>
+            <a:r>
+              <a:rPr/>
+              <a:t>on</a:t>
+            </a:r>
+            <a:r>
+              <a:rPr/>
+              <a:t> </a:t>
+            </a:r>
+            <a:r>
+              <a:rPr/>
+              <a:t>the</a:t>
+            </a:r>
+            <a:r>
+              <a:rPr/>
+              <a:t> </a:t>
+            </a:r>
+            <a:r>
+              <a:rPr/>
+              <a:t>boundary</a:t>
+            </a:r>
+            <a:r>
+              <a:rPr/>
+              <a:t> </a:t>
+            </a:r>
+            <a:r>
+              <a:rPr/>
+              <a:t>between</a:t>
+            </a:r>
+            <a:r>
+              <a:rPr/>
+              <a:t> </a:t>
+            </a:r>
+            <a:r>
+              <a:rPr/>
+              <a:t>categorical</a:t>
+            </a:r>
+            <a:r>
+              <a:rPr/>
+              <a:t> </a:t>
+            </a:r>
+            <a:r>
+              <a:rPr/>
+              <a:t>and</a:t>
+            </a:r>
+            <a:r>
+              <a:rPr/>
+              <a:t> </a:t>
+            </a:r>
+            <a:r>
+              <a:rPr/>
+              <a:t>continuous,</a:t>
+            </a:r>
+            <a:r>
+              <a:rPr/>
+              <a:t> </a:t>
+            </a:r>
+            <a:r>
+              <a:rPr/>
+              <a:t>but</a:t>
+            </a:r>
+            <a:r>
+              <a:rPr/>
+              <a:t> </a:t>
+            </a:r>
+            <a:r>
+              <a:rPr/>
+              <a:t>it</a:t>
+            </a:r>
+            <a:r>
+              <a:rPr/>
+              <a:t> </a:t>
+            </a:r>
+            <a:r>
+              <a:rPr/>
               <a:t>is</a:t>
             </a:r>
             <a:r>
@@ -7576,23 +7549,349 @@
             </a:r>
             <a:r>
               <a:rPr/>
-              <a:t>usually</a:t>
-            </a:r>
-            <a:r>
-              <a:rPr/>
-              <a:t> </a:t>
-            </a:r>
-            <a:r>
-              <a:rPr/>
-              <a:t>associated</a:t>
-            </a:r>
-            <a:r>
-              <a:rPr/>
-              <a:t> </a:t>
-            </a:r>
-            <a:r>
-              <a:rPr/>
-              <a:t>with</a:t>
+              <a:t>not</a:t>
+            </a:r>
+            <a:r>
+              <a:rPr/>
+              <a:t> </a:t>
+            </a:r>
+            <a:r>
+              <a:rPr/>
+              <a:t>worth</a:t>
+            </a:r>
+            <a:r>
+              <a:rPr/>
+              <a:t> </a:t>
+            </a:r>
+            <a:r>
+              <a:rPr/>
+              <a:t>quibbling</a:t>
+            </a:r>
+            <a:r>
+              <a:rPr/>
+              <a:t> </a:t>
+            </a:r>
+            <a:r>
+              <a:rPr/>
+              <a:t>about</a:t>
+            </a:r>
+            <a:r>
+              <a:rPr/>
+              <a:t> </a:t>
+            </a:r>
+            <a:r>
+              <a:rPr/>
+              <a:t>here.</a:t>
+            </a:r>
+          </a:p>
+          <a:p>
+            <a:pPr lvl="0" marL="0" indent="0">
+              <a:buNone/>
+            </a:pPr>
+          </a:p>
+          <a:p>
+            <a:pPr lvl="0" marL="0" indent="0">
+              <a:buNone/>
+            </a:pPr>
+            <a:r>
+              <a:rPr/>
+              <a:t>The</a:t>
+            </a:r>
+            <a:r>
+              <a:rPr/>
+              <a:t> </a:t>
+            </a:r>
+            <a:r>
+              <a:rPr/>
+              <a:t>point</a:t>
+            </a:r>
+            <a:r>
+              <a:rPr/>
+              <a:t> </a:t>
+            </a:r>
+            <a:r>
+              <a:rPr/>
+              <a:t>to</a:t>
+            </a:r>
+            <a:r>
+              <a:rPr/>
+              <a:t> </a:t>
+            </a:r>
+            <a:r>
+              <a:rPr/>
+              <a:t>remember</a:t>
+            </a:r>
+            <a:r>
+              <a:rPr/>
+              <a:t> </a:t>
+            </a:r>
+            <a:r>
+              <a:rPr/>
+              <a:t>is</a:t>
+            </a:r>
+            <a:r>
+              <a:rPr/>
+              <a:t> </a:t>
+            </a:r>
+            <a:r>
+              <a:rPr/>
+              <a:t>that</a:t>
+            </a:r>
+            <a:r>
+              <a:rPr/>
+              <a:t> </a:t>
+            </a:r>
+            <a:r>
+              <a:rPr/>
+              <a:t>the</a:t>
+            </a:r>
+            <a:r>
+              <a:rPr/>
+              <a:t> </a:t>
+            </a:r>
+            <a:r>
+              <a:rPr/>
+              <a:t>types</a:t>
+            </a:r>
+            <a:r>
+              <a:rPr/>
+              <a:t> </a:t>
+            </a:r>
+            <a:r>
+              <a:rPr/>
+              <a:t>of</a:t>
+            </a:r>
+            <a:r>
+              <a:rPr/>
+              <a:t> </a:t>
+            </a:r>
+            <a:r>
+              <a:rPr/>
+              <a:t>graphs</a:t>
+            </a:r>
+            <a:r>
+              <a:rPr/>
+              <a:t> </a:t>
+            </a:r>
+            <a:r>
+              <a:rPr/>
+              <a:t>that</a:t>
+            </a:r>
+            <a:r>
+              <a:rPr/>
+              <a:t> </a:t>
+            </a:r>
+            <a:r>
+              <a:rPr/>
+              <a:t>you</a:t>
+            </a:r>
+            <a:r>
+              <a:rPr/>
+              <a:t> </a:t>
+            </a:r>
+            <a:r>
+              <a:rPr/>
+              <a:t>use</a:t>
+            </a:r>
+            <a:r>
+              <a:rPr/>
+              <a:t> </a:t>
+            </a:r>
+            <a:r>
+              <a:rPr/>
+              <a:t>and</a:t>
+            </a:r>
+            <a:r>
+              <a:rPr/>
+              <a:t> </a:t>
+            </a:r>
+            <a:r>
+              <a:rPr/>
+              <a:t>the</a:t>
+            </a:r>
+            <a:r>
+              <a:rPr/>
+              <a:t> </a:t>
+            </a:r>
+            <a:r>
+              <a:rPr/>
+              <a:t>types</a:t>
+            </a:r>
+            <a:r>
+              <a:rPr/>
+              <a:t> </a:t>
+            </a:r>
+            <a:r>
+              <a:rPr/>
+              <a:t>of</a:t>
+            </a:r>
+            <a:r>
+              <a:rPr/>
+              <a:t> </a:t>
+            </a:r>
+            <a:r>
+              <a:rPr/>
+              <a:t>statistics</a:t>
+            </a:r>
+            <a:r>
+              <a:rPr/>
+              <a:t> </a:t>
+            </a:r>
+            <a:r>
+              <a:rPr/>
+              <a:t>that</a:t>
+            </a:r>
+            <a:r>
+              <a:rPr/>
+              <a:t> </a:t>
+            </a:r>
+            <a:r>
+              <a:rPr/>
+              <a:t>you</a:t>
+            </a:r>
+            <a:r>
+              <a:rPr/>
+              <a:t> </a:t>
+            </a:r>
+            <a:r>
+              <a:rPr/>
+              <a:t>compute</a:t>
+            </a:r>
+            <a:r>
+              <a:rPr/>
+              <a:t> </a:t>
+            </a:r>
+            <a:r>
+              <a:rPr/>
+              <a:t>are</a:t>
+            </a:r>
+            <a:r>
+              <a:rPr/>
+              <a:t> </a:t>
+            </a:r>
+            <a:r>
+              <a:rPr/>
+              <a:t>dependent</a:t>
+            </a:r>
+            <a:r>
+              <a:rPr/>
+              <a:t> </a:t>
+            </a:r>
+            <a:r>
+              <a:rPr/>
+              <a:t>on</a:t>
+            </a:r>
+            <a:r>
+              <a:rPr/>
+              <a:t> </a:t>
+            </a:r>
+            <a:r>
+              <a:rPr/>
+              <a:t>many</a:t>
+            </a:r>
+            <a:r>
+              <a:rPr/>
+              <a:t> </a:t>
+            </a:r>
+            <a:r>
+              <a:rPr/>
+              <a:t>things,</a:t>
+            </a:r>
+            <a:r>
+              <a:rPr/>
+              <a:t> </a:t>
+            </a:r>
+            <a:r>
+              <a:rPr/>
+              <a:t>but</a:t>
+            </a:r>
+            <a:r>
+              <a:rPr/>
+              <a:t> </a:t>
+            </a:r>
+            <a:r>
+              <a:rPr/>
+              <a:t>first</a:t>
+            </a:r>
+            <a:r>
+              <a:rPr/>
+              <a:t> </a:t>
+            </a:r>
+            <a:r>
+              <a:rPr/>
+              <a:t>and</a:t>
+            </a:r>
+            <a:r>
+              <a:rPr/>
+              <a:t> </a:t>
+            </a:r>
+            <a:r>
+              <a:rPr/>
+              <a:t>foremost</a:t>
+            </a:r>
+            <a:r>
+              <a:rPr/>
+              <a:t> </a:t>
+            </a:r>
+            <a:r>
+              <a:rPr/>
+              <a:t>on</a:t>
+            </a:r>
+            <a:r>
+              <a:rPr/>
+              <a:t> </a:t>
+            </a:r>
+            <a:r>
+              <a:rPr/>
+              <a:t>whether</a:t>
+            </a:r>
+            <a:r>
+              <a:rPr/>
+              <a:t> </a:t>
+            </a:r>
+            <a:r>
+              <a:rPr/>
+              <a:t>the</a:t>
+            </a:r>
+            <a:r>
+              <a:rPr/>
+              <a:t> </a:t>
+            </a:r>
+            <a:r>
+              <a:rPr/>
+              <a:t>variables</a:t>
+            </a:r>
+            <a:r>
+              <a:rPr/>
+              <a:t> </a:t>
+            </a:r>
+            <a:r>
+              <a:rPr/>
+              <a:t>are</a:t>
+            </a:r>
+            <a:r>
+              <a:rPr/>
+              <a:t> </a:t>
+            </a:r>
+            <a:r>
+              <a:rPr/>
+              <a:t>categorical,</a:t>
+            </a:r>
+            <a:r>
+              <a:rPr/>
+              <a:t> </a:t>
+            </a:r>
+            <a:r>
+              <a:rPr/>
+              <a:t>continuous,</a:t>
+            </a:r>
+            <a:r>
+              <a:rPr/>
+              <a:t> </a:t>
+            </a:r>
+            <a:r>
+              <a:rPr/>
+              <a:t>or</a:t>
             </a:r>
             <a:r>
               <a:rPr/>
@@ -7608,15 +7907,85 @@
             </a:r>
             <a:r>
               <a:rPr/>
-              <a:t>particular</a:t>
-            </a:r>
-            <a:r>
-              <a:rPr/>
-              <a:t> </a:t>
-            </a:r>
-            <a:r>
-              <a:rPr/>
-              <a:t>category.</a:t>
+              <a:t>mixture.</a:t>
+            </a:r>
+          </a:p>
+          <a:p>
+            <a:pPr lvl="0" marL="0" indent="0">
+              <a:buNone/>
+            </a:pPr>
+          </a:p>
+          <a:p>
+            <a:pPr lvl="0" marL="0" indent="0">
+              <a:buNone/>
+            </a:pPr>
+            <a:r>
+              <a:rPr/>
+              <a:t>Today,</a:t>
+            </a:r>
+            <a:r>
+              <a:rPr/>
+              <a:t> </a:t>
+            </a:r>
+            <a:r>
+              <a:rPr/>
+              <a:t>you</a:t>
+            </a:r>
+            <a:r>
+              <a:rPr/>
+              <a:t> </a:t>
+            </a:r>
+            <a:r>
+              <a:rPr/>
+              <a:t>will</a:t>
+            </a:r>
+            <a:r>
+              <a:rPr/>
+              <a:t> </a:t>
+            </a:r>
+            <a:r>
+              <a:rPr/>
+              <a:t>see</a:t>
+            </a:r>
+            <a:r>
+              <a:rPr/>
+              <a:t> </a:t>
+            </a:r>
+            <a:r>
+              <a:rPr/>
+              <a:t>examples</a:t>
+            </a:r>
+            <a:r>
+              <a:rPr/>
+              <a:t> </a:t>
+            </a:r>
+            <a:r>
+              <a:rPr/>
+              <a:t>involving</a:t>
+            </a:r>
+            <a:r>
+              <a:rPr/>
+              <a:t> </a:t>
+            </a:r>
+            <a:r>
+              <a:rPr/>
+              <a:t>mostly</a:t>
+            </a:r>
+            <a:r>
+              <a:rPr/>
+              <a:t> </a:t>
+            </a:r>
+            <a:r>
+              <a:rPr/>
+              <a:t>continuous</a:t>
+            </a:r>
+            <a:r>
+              <a:rPr/>
+              <a:t> </a:t>
+            </a:r>
+            <a:r>
+              <a:rPr/>
+              <a:t>variables.</a:t>
             </a:r>
           </a:p>
         </p:txBody>
@@ -7638,7 +8007,7 @@
           <a:p>
             <a:fld id="{18BDFEC3-8487-43E8-A154-7C12CBC1FFF2}" type="slidenum">
               <a:rPr lang="en-US"/>
-              <a:t>32</a:t>
+              <a:t>31</a:t>
             </a:fld>
             <a:endParaRPr lang="en-US"/>
           </a:p>
@@ -7698,23 +8067,7 @@
             </a:pPr>
             <a:r>
               <a:rPr/>
-              <a:t>A</a:t>
-            </a:r>
-            <a:r>
-              <a:rPr/>
-              <a:t> </a:t>
-            </a:r>
-            <a:r>
-              <a:rPr b="1"/>
-              <a:t>continuous</a:t>
-            </a:r>
-            <a:r>
-              <a:rPr b="1"/>
-              <a:t> </a:t>
-            </a:r>
-            <a:r>
-              <a:rPr b="1"/>
-              <a:t>variable</a:t>
+              <a:t>Here</a:t>
             </a:r>
             <a:r>
               <a:rPr/>
@@ -7730,212 +8083,6 @@
             </a:r>
             <a:r>
               <a:rPr/>
-              <a:t>a</a:t>
-            </a:r>
-            <a:r>
-              <a:rPr/>
-              <a:t> </a:t>
-            </a:r>
-            <a:r>
-              <a:rPr/>
-              <a:t>variable</a:t>
-            </a:r>
-            <a:r>
-              <a:rPr/>
-              <a:t> </a:t>
-            </a:r>
-            <a:r>
-              <a:rPr/>
-              <a:t>that</a:t>
-            </a:r>
-            <a:r>
-              <a:rPr/>
-              <a:t> </a:t>
-            </a:r>
-            <a:r>
-              <a:rPr/>
-              <a:t>can</a:t>
-            </a:r>
-            <a:r>
-              <a:rPr/>
-              <a:t> </a:t>
-            </a:r>
-            <a:r>
-              <a:rPr/>
-              <a:t>take</a:t>
-            </a:r>
-            <a:r>
-              <a:rPr/>
-              <a:t> </a:t>
-            </a:r>
-            <a:r>
-              <a:rPr/>
-              <a:t>on</a:t>
-            </a:r>
-            <a:r>
-              <a:rPr/>
-              <a:t> </a:t>
-            </a:r>
-            <a:r>
-              <a:rPr/>
-              <a:t>a</a:t>
-            </a:r>
-            <a:r>
-              <a:rPr/>
-              <a:t> </a:t>
-            </a:r>
-            <a:r>
-              <a:rPr/>
-              <a:t>large</a:t>
-            </a:r>
-            <a:r>
-              <a:rPr/>
-              <a:t> </a:t>
-            </a:r>
-            <a:r>
-              <a:rPr/>
-              <a:t>number</a:t>
-            </a:r>
-            <a:r>
-              <a:rPr/>
-              <a:t> </a:t>
-            </a:r>
-            <a:r>
-              <a:rPr/>
-              <a:t>of</a:t>
-            </a:r>
-            <a:r>
-              <a:rPr/>
-              <a:t> </a:t>
-            </a:r>
-            <a:r>
-              <a:rPr/>
-              <a:t>possible</a:t>
-            </a:r>
-            <a:r>
-              <a:rPr/>
-              <a:t> </a:t>
-            </a:r>
-            <a:r>
-              <a:rPr/>
-              <a:t>values,</a:t>
-            </a:r>
-            <a:r>
-              <a:rPr/>
-              <a:t> </a:t>
-            </a:r>
-            <a:r>
-              <a:rPr/>
-              <a:t>potentially</a:t>
-            </a:r>
-            <a:r>
-              <a:rPr/>
-              <a:t> </a:t>
-            </a:r>
-            <a:r>
-              <a:rPr/>
-              <a:t>any</a:t>
-            </a:r>
-            <a:r>
-              <a:rPr/>
-              <a:t> </a:t>
-            </a:r>
-            <a:r>
-              <a:rPr/>
-              <a:t>value</a:t>
-            </a:r>
-            <a:r>
-              <a:rPr/>
-              <a:t> </a:t>
-            </a:r>
-            <a:r>
-              <a:rPr/>
-              <a:t>in</a:t>
-            </a:r>
-            <a:r>
-              <a:rPr/>
-              <a:t> </a:t>
-            </a:r>
-            <a:r>
-              <a:rPr/>
-              <a:t>some</a:t>
-            </a:r>
-            <a:r>
-              <a:rPr/>
-              <a:t> </a:t>
-            </a:r>
-            <a:r>
-              <a:rPr/>
-              <a:t>interval.</a:t>
-            </a:r>
-          </a:p>
-          <a:p>
-            <a:pPr lvl="0" marL="0" indent="0">
-              <a:buNone/>
-            </a:pPr>
-          </a:p>
-          <a:p>
-            <a:pPr lvl="0" marL="0" indent="0">
-              <a:buNone/>
-            </a:pPr>
-            <a:r>
-              <a:rPr/>
-              <a:t>There</a:t>
-            </a:r>
-            <a:r>
-              <a:rPr/>
-              <a:t> </a:t>
-            </a:r>
-            <a:r>
-              <a:rPr/>
-              <a:t>are</a:t>
-            </a:r>
-            <a:r>
-              <a:rPr/>
-              <a:t> </a:t>
-            </a:r>
-            <a:r>
-              <a:rPr/>
-              <a:t>some</a:t>
-            </a:r>
-            <a:r>
-              <a:rPr/>
-              <a:t> </a:t>
-            </a:r>
-            <a:r>
-              <a:rPr/>
-              <a:t>variables</a:t>
-            </a:r>
-            <a:r>
-              <a:rPr/>
-              <a:t> </a:t>
-            </a:r>
-            <a:r>
-              <a:rPr/>
-              <a:t>that</a:t>
-            </a:r>
-            <a:r>
-              <a:rPr/>
-              <a:t> </a:t>
-            </a:r>
-            <a:r>
-              <a:rPr/>
-              <a:t>are</a:t>
-            </a:r>
-            <a:r>
-              <a:rPr/>
-              <a:t> </a:t>
-            </a:r>
-            <a:r>
-              <a:rPr/>
-              <a:t>on</a:t>
-            </a:r>
-            <a:r>
-              <a:rPr/>
-              <a:t> </a:t>
-            </a:r>
-            <a:r>
-              <a:rPr/>
               <a:t>the</a:t>
             </a:r>
             <a:r>
@@ -7944,157 +8091,23 @@
             </a:r>
             <a:r>
               <a:rPr/>
-              <a:t>boundary</a:t>
-            </a:r>
-            <a:r>
-              <a:rPr/>
-              <a:t> </a:t>
-            </a:r>
-            <a:r>
-              <a:rPr/>
-              <a:t>between</a:t>
-            </a:r>
-            <a:r>
-              <a:rPr/>
-              <a:t> </a:t>
-            </a:r>
-            <a:r>
-              <a:rPr/>
-              <a:t>categorical</a:t>
-            </a:r>
-            <a:r>
-              <a:rPr/>
-              <a:t> </a:t>
-            </a:r>
-            <a:r>
-              <a:rPr/>
-              <a:t>and</a:t>
-            </a:r>
-            <a:r>
-              <a:rPr/>
-              <a:t> </a:t>
-            </a:r>
-            <a:r>
-              <a:rPr/>
-              <a:t>continuous,</a:t>
-            </a:r>
-            <a:r>
-              <a:rPr/>
-              <a:t> </a:t>
-            </a:r>
-            <a:r>
-              <a:rPr/>
-              <a:t>but</a:t>
-            </a:r>
-            <a:r>
-              <a:rPr/>
-              <a:t> </a:t>
-            </a:r>
-            <a:r>
-              <a:rPr/>
-              <a:t>it</a:t>
-            </a:r>
-            <a:r>
-              <a:rPr/>
-              <a:t> </a:t>
-            </a:r>
-            <a:r>
-              <a:rPr/>
-              <a:t>is</a:t>
-            </a:r>
-            <a:r>
-              <a:rPr/>
-              <a:t> </a:t>
-            </a:r>
-            <a:r>
-              <a:rPr/>
-              <a:t>not</a:t>
-            </a:r>
-            <a:r>
-              <a:rPr/>
-              <a:t> </a:t>
-            </a:r>
-            <a:r>
-              <a:rPr/>
-              <a:t>worth</a:t>
-            </a:r>
-            <a:r>
-              <a:rPr/>
-              <a:t> </a:t>
-            </a:r>
-            <a:r>
-              <a:rPr/>
-              <a:t>quibbling</a:t>
-            </a:r>
-            <a:r>
-              <a:rPr/>
-              <a:t> </a:t>
-            </a:r>
-            <a:r>
-              <a:rPr/>
-              <a:t>about</a:t>
-            </a:r>
-            <a:r>
-              <a:rPr/>
-              <a:t> </a:t>
-            </a:r>
-            <a:r>
-              <a:rPr/>
-              <a:t>here.</a:t>
-            </a:r>
-          </a:p>
-          <a:p>
-            <a:pPr lvl="0" marL="0" indent="0">
-              <a:buNone/>
-            </a:pPr>
-          </a:p>
-          <a:p>
-            <a:pPr lvl="0" marL="0" indent="0">
-              <a:buNone/>
-            </a:pPr>
-            <a:r>
-              <a:rPr/>
-              <a:t>The</a:t>
-            </a:r>
-            <a:r>
-              <a:rPr/>
-              <a:t> </a:t>
-            </a:r>
-            <a:r>
-              <a:rPr/>
-              <a:t>point</a:t>
-            </a:r>
-            <a:r>
-              <a:rPr/>
-              <a:t> </a:t>
-            </a:r>
-            <a:r>
-              <a:rPr/>
-              <a:t>to</a:t>
-            </a:r>
-            <a:r>
-              <a:rPr/>
-              <a:t> </a:t>
-            </a:r>
-            <a:r>
-              <a:rPr/>
-              <a:t>remember</a:t>
-            </a:r>
-            <a:r>
-              <a:rPr/>
-              <a:t> </a:t>
-            </a:r>
-            <a:r>
-              <a:rPr/>
-              <a:t>is</a:t>
-            </a:r>
-            <a:r>
-              <a:rPr/>
-              <a:t> </a:t>
-            </a:r>
-            <a:r>
-              <a:rPr/>
-              <a:t>that</a:t>
+              <a:t>first</a:t>
+            </a:r>
+            <a:r>
+              <a:rPr/>
+              <a:t> </a:t>
+            </a:r>
+            <a:r>
+              <a:rPr/>
+              <a:t>paragraph</a:t>
+            </a:r>
+            <a:r>
+              <a:rPr/>
+              <a:t> </a:t>
+            </a:r>
+            <a:r>
+              <a:rPr/>
+              <a:t>from</a:t>
             </a:r>
             <a:r>
               <a:rPr/>
@@ -8110,341 +8123,15 @@
             </a:r>
             <a:r>
               <a:rPr/>
-              <a:t>types</a:t>
-            </a:r>
-            <a:r>
-              <a:rPr/>
-              <a:t> </a:t>
-            </a:r>
-            <a:r>
-              <a:rPr/>
-              <a:t>of</a:t>
-            </a:r>
-            <a:r>
-              <a:rPr/>
-              <a:t> </a:t>
-            </a:r>
-            <a:r>
-              <a:rPr/>
-              <a:t>graphs</a:t>
-            </a:r>
-            <a:r>
-              <a:rPr/>
-              <a:t> </a:t>
-            </a:r>
-            <a:r>
-              <a:rPr/>
-              <a:t>that</a:t>
-            </a:r>
-            <a:r>
-              <a:rPr/>
-              <a:t> </a:t>
-            </a:r>
-            <a:r>
-              <a:rPr/>
-              <a:t>you</a:t>
-            </a:r>
-            <a:r>
-              <a:rPr/>
-              <a:t> </a:t>
-            </a:r>
-            <a:r>
-              <a:rPr/>
-              <a:t>use</a:t>
-            </a:r>
-            <a:r>
-              <a:rPr/>
-              <a:t> </a:t>
-            </a:r>
-            <a:r>
-              <a:rPr/>
-              <a:t>and</a:t>
-            </a:r>
-            <a:r>
-              <a:rPr/>
-              <a:t> </a:t>
-            </a:r>
-            <a:r>
-              <a:rPr/>
-              <a:t>the</a:t>
-            </a:r>
-            <a:r>
-              <a:rPr/>
-              <a:t> </a:t>
-            </a:r>
-            <a:r>
-              <a:rPr/>
-              <a:t>types</a:t>
-            </a:r>
-            <a:r>
-              <a:rPr/>
-              <a:t> </a:t>
-            </a:r>
-            <a:r>
-              <a:rPr/>
-              <a:t>of</a:t>
-            </a:r>
-            <a:r>
-              <a:rPr/>
-              <a:t> </a:t>
-            </a:r>
-            <a:r>
-              <a:rPr/>
-              <a:t>statistics</a:t>
-            </a:r>
-            <a:r>
-              <a:rPr/>
-              <a:t> </a:t>
-            </a:r>
-            <a:r>
-              <a:rPr/>
-              <a:t>that</a:t>
-            </a:r>
-            <a:r>
-              <a:rPr/>
-              <a:t> </a:t>
-            </a:r>
-            <a:r>
-              <a:rPr/>
-              <a:t>you</a:t>
-            </a:r>
-            <a:r>
-              <a:rPr/>
-              <a:t> </a:t>
-            </a:r>
-            <a:r>
-              <a:rPr/>
-              <a:t>compute</a:t>
-            </a:r>
-            <a:r>
-              <a:rPr/>
-              <a:t> </a:t>
-            </a:r>
-            <a:r>
-              <a:rPr/>
-              <a:t>are</a:t>
-            </a:r>
-            <a:r>
-              <a:rPr/>
-              <a:t> </a:t>
-            </a:r>
-            <a:r>
-              <a:rPr/>
-              <a:t>dependent</a:t>
-            </a:r>
-            <a:r>
-              <a:rPr/>
-              <a:t> </a:t>
-            </a:r>
-            <a:r>
-              <a:rPr/>
-              <a:t>on</a:t>
-            </a:r>
-            <a:r>
-              <a:rPr/>
-              <a:t> </a:t>
-            </a:r>
-            <a:r>
-              <a:rPr/>
-              <a:t>many</a:t>
-            </a:r>
-            <a:r>
-              <a:rPr/>
-              <a:t> </a:t>
-            </a:r>
-            <a:r>
-              <a:rPr/>
-              <a:t>things,</a:t>
-            </a:r>
-            <a:r>
-              <a:rPr/>
-              <a:t> </a:t>
-            </a:r>
-            <a:r>
-              <a:rPr/>
-              <a:t>but</a:t>
-            </a:r>
-            <a:r>
-              <a:rPr/>
-              <a:t> </a:t>
-            </a:r>
-            <a:r>
-              <a:rPr/>
-              <a:t>first</a:t>
-            </a:r>
-            <a:r>
-              <a:rPr/>
-              <a:t> </a:t>
-            </a:r>
-            <a:r>
-              <a:rPr/>
-              <a:t>and</a:t>
-            </a:r>
-            <a:r>
-              <a:rPr/>
-              <a:t> </a:t>
-            </a:r>
-            <a:r>
-              <a:rPr/>
-              <a:t>foremost</a:t>
-            </a:r>
-            <a:r>
-              <a:rPr/>
-              <a:t> </a:t>
-            </a:r>
-            <a:r>
-              <a:rPr/>
-              <a:t>on</a:t>
-            </a:r>
-            <a:r>
-              <a:rPr/>
-              <a:t> </a:t>
-            </a:r>
-            <a:r>
-              <a:rPr/>
-              <a:t>whether</a:t>
-            </a:r>
-            <a:r>
-              <a:rPr/>
-              <a:t> </a:t>
-            </a:r>
-            <a:r>
-              <a:rPr/>
-              <a:t>the</a:t>
-            </a:r>
-            <a:r>
-              <a:rPr/>
-              <a:t> </a:t>
-            </a:r>
-            <a:r>
-              <a:rPr/>
-              <a:t>variables</a:t>
-            </a:r>
-            <a:r>
-              <a:rPr/>
-              <a:t> </a:t>
-            </a:r>
-            <a:r>
-              <a:rPr/>
-              <a:t>are</a:t>
-            </a:r>
-            <a:r>
-              <a:rPr/>
-              <a:t> </a:t>
-            </a:r>
-            <a:r>
-              <a:rPr/>
-              <a:t>categorical,</a:t>
-            </a:r>
-            <a:r>
-              <a:rPr/>
-              <a:t> </a:t>
-            </a:r>
-            <a:r>
-              <a:rPr/>
-              <a:t>continuous,</a:t>
-            </a:r>
-            <a:r>
-              <a:rPr/>
-              <a:t> </a:t>
-            </a:r>
-            <a:r>
-              <a:rPr/>
-              <a:t>or</a:t>
-            </a:r>
-            <a:r>
-              <a:rPr/>
-              <a:t> </a:t>
-            </a:r>
-            <a:r>
-              <a:rPr/>
-              <a:t>a</a:t>
-            </a:r>
-            <a:r>
-              <a:rPr/>
-              <a:t> </a:t>
-            </a:r>
-            <a:r>
-              <a:rPr/>
-              <a:t>mixture.</a:t>
-            </a:r>
-          </a:p>
-          <a:p>
-            <a:pPr lvl="0" marL="0" indent="0">
-              <a:buNone/>
-            </a:pPr>
-          </a:p>
-          <a:p>
-            <a:pPr lvl="0" marL="0" indent="0">
-              <a:buNone/>
-            </a:pPr>
-            <a:r>
-              <a:rPr/>
-              <a:t>Today,</a:t>
-            </a:r>
-            <a:r>
-              <a:rPr/>
-              <a:t> </a:t>
-            </a:r>
-            <a:r>
-              <a:rPr/>
-              <a:t>you</a:t>
-            </a:r>
-            <a:r>
-              <a:rPr/>
-              <a:t> </a:t>
-            </a:r>
-            <a:r>
-              <a:rPr/>
-              <a:t>will</a:t>
-            </a:r>
-            <a:r>
-              <a:rPr/>
-              <a:t> </a:t>
-            </a:r>
-            <a:r>
-              <a:rPr/>
-              <a:t>see</a:t>
-            </a:r>
-            <a:r>
-              <a:rPr/>
-              <a:t> </a:t>
-            </a:r>
-            <a:r>
-              <a:rPr/>
-              <a:t>examples</a:t>
-            </a:r>
-            <a:r>
-              <a:rPr/>
-              <a:t> </a:t>
-            </a:r>
-            <a:r>
-              <a:rPr/>
-              <a:t>involving</a:t>
-            </a:r>
-            <a:r>
-              <a:rPr/>
-              <a:t> </a:t>
-            </a:r>
-            <a:r>
-              <a:rPr/>
-              <a:t>mostly</a:t>
-            </a:r>
-            <a:r>
-              <a:rPr/>
-              <a:t> </a:t>
-            </a:r>
-            <a:r>
-              <a:rPr/>
-              <a:t>continuous</a:t>
-            </a:r>
-            <a:r>
-              <a:rPr/>
-              <a:t> </a:t>
-            </a:r>
-            <a:r>
-              <a:rPr/>
-              <a:t>variables.</a:t>
+              <a:t>data</a:t>
+            </a:r>
+            <a:r>
+              <a:rPr/>
+              <a:t> </a:t>
+            </a:r>
+            <a:r>
+              <a:rPr/>
+              <a:t>dictionary.</a:t>
             </a:r>
           </a:p>
         </p:txBody>
@@ -8466,7 +8153,7 @@
           <a:p>
             <a:fld id="{18BDFEC3-8487-43E8-A154-7C12CBC1FFF2}" type="slidenum">
               <a:rPr lang="en-US"/>
-              <a:t>33</a:t>
+              <a:t>32</a:t>
             </a:fld>
             <a:endParaRPr lang="en-US"/>
           </a:p>
@@ -9016,7 +8703,7 @@
             </a:r>
             <a:r>
               <a:rPr/>
-              <a:t>is</a:t>
+              <a:t>are</a:t>
             </a:r>
             <a:r>
               <a:rPr/>
@@ -9040,15 +8727,23 @@
             </a:r>
             <a:r>
               <a:rPr/>
-              <a:t>paragraph</a:t>
-            </a:r>
-            <a:r>
-              <a:rPr/>
-              <a:t> </a:t>
-            </a:r>
-            <a:r>
-              <a:rPr/>
-              <a:t>from</a:t>
+              <a:t>few</a:t>
+            </a:r>
+            <a:r>
+              <a:rPr/>
+              <a:t> </a:t>
+            </a:r>
+            <a:r>
+              <a:rPr/>
+              <a:t>lines</a:t>
+            </a:r>
+            <a:r>
+              <a:rPr/>
+              <a:t> </a:t>
+            </a:r>
+            <a:r>
+              <a:rPr/>
+              <a:t>of</a:t>
             </a:r>
             <a:r>
               <a:rPr/>
@@ -9072,7 +8767,7 @@
             </a:r>
             <a:r>
               <a:rPr/>
-              <a:t>dictionary.</a:t>
+              <a:t>set.</a:t>
             </a:r>
           </a:p>
         </p:txBody>
@@ -9094,7 +8789,7 @@
           <a:p>
             <a:fld id="{18BDFEC3-8487-43E8-A154-7C12CBC1FFF2}" type="slidenum">
               <a:rPr lang="en-US"/>
-              <a:t>34</a:t>
+              <a:t>33</a:t>
             </a:fld>
             <a:endParaRPr lang="en-US"/>
           </a:p>
@@ -9162,7 +8857,31 @@
             </a:r>
             <a:r>
               <a:rPr/>
-              <a:t>are</a:t>
+              <a:t>is</a:t>
+            </a:r>
+            <a:r>
+              <a:rPr/>
+              <a:t> </a:t>
+            </a:r>
+            <a:r>
+              <a:rPr/>
+              <a:t>a</a:t>
+            </a:r>
+            <a:r>
+              <a:rPr/>
+              <a:t> </a:t>
+            </a:r>
+            <a:r>
+              <a:rPr/>
+              <a:t>glimpse</a:t>
+            </a:r>
+            <a:r>
+              <a:rPr/>
+              <a:t> </a:t>
+            </a:r>
+            <a:r>
+              <a:rPr/>
+              <a:t>at</a:t>
             </a:r>
             <a:r>
               <a:rPr/>
@@ -9178,23 +8897,7 @@
             </a:r>
             <a:r>
               <a:rPr/>
-              <a:t>first</a:t>
-            </a:r>
-            <a:r>
-              <a:rPr/>
-              <a:t> </a:t>
-            </a:r>
-            <a:r>
-              <a:rPr/>
-              <a:t>few</a:t>
-            </a:r>
-            <a:r>
-              <a:rPr/>
-              <a:t> </a:t>
-            </a:r>
-            <a:r>
-              <a:rPr/>
-              <a:t>lines</a:t>
+              <a:t>structure</a:t>
             </a:r>
             <a:r>
               <a:rPr/>
@@ -9218,15 +8921,7 @@
             </a:r>
             <a:r>
               <a:rPr/>
-              <a:t>data</a:t>
-            </a:r>
-            <a:r>
-              <a:rPr/>
-              <a:t> </a:t>
-            </a:r>
-            <a:r>
-              <a:rPr/>
-              <a:t>set.</a:t>
+              <a:t>data.</a:t>
             </a:r>
           </a:p>
         </p:txBody>
@@ -9248,7 +8943,7 @@
           <a:p>
             <a:fld id="{18BDFEC3-8487-43E8-A154-7C12CBC1FFF2}" type="slidenum">
               <a:rPr lang="en-US"/>
-              <a:t>35</a:t>
+              <a:t>34</a:t>
             </a:fld>
             <a:endParaRPr lang="en-US"/>
           </a:p>
@@ -11106,7 +10801,7 @@
           <a:p>
             <a:fld id="{18BDFEC3-8487-43E8-A154-7C12CBC1FFF2}" type="slidenum">
               <a:rPr lang="en-US"/>
-              <a:t>36</a:t>
+              <a:t>35</a:t>
             </a:fld>
             <a:endParaRPr lang="en-US"/>
           </a:p>
@@ -13036,7 +12731,7 @@
           <a:p>
             <a:fld id="{18BDFEC3-8487-43E8-A154-7C12CBC1FFF2}" type="slidenum">
               <a:rPr lang="en-US"/>
-              <a:t>37</a:t>
+              <a:t>36</a:t>
             </a:fld>
             <a:endParaRPr lang="en-US"/>
           </a:p>
@@ -14048,7 +13743,7 @@
           <a:p>
             <a:fld id="{18BDFEC3-8487-43E8-A154-7C12CBC1FFF2}" type="slidenum">
               <a:rPr lang="en-US"/>
-              <a:t>38</a:t>
+              <a:t>37</a:t>
             </a:fld>
             <a:endParaRPr lang="en-US"/>
           </a:p>
@@ -14546,7 +14241,7 @@
           <a:p>
             <a:fld id="{18BDFEC3-8487-43E8-A154-7C12CBC1FFF2}" type="slidenum">
               <a:rPr lang="en-US"/>
-              <a:t>39</a:t>
+              <a:t>38</a:t>
             </a:fld>
             <a:endParaRPr lang="en-US"/>
           </a:p>
@@ -14780,7 +14475,7 @@
           <a:p>
             <a:fld id="{18BDFEC3-8487-43E8-A154-7C12CBC1FFF2}" type="slidenum">
               <a:rPr lang="en-US"/>
-              <a:t>40</a:t>
+              <a:t>39</a:t>
             </a:fld>
             <a:endParaRPr lang="en-US"/>
           </a:p>
@@ -17044,7 +16739,7 @@
           <a:p>
             <a:fld id="{18BDFEC3-8487-43E8-A154-7C12CBC1FFF2}" type="slidenum">
               <a:rPr lang="en-US"/>
-              <a:t>41</a:t>
+              <a:t>40</a:t>
             </a:fld>
             <a:endParaRPr lang="en-US"/>
           </a:p>
@@ -18338,7 +18033,7 @@
           <a:p>
             <a:fld id="{18BDFEC3-8487-43E8-A154-7C12CBC1FFF2}" type="slidenum">
               <a:rPr lang="en-US"/>
-              <a:t>43</a:t>
+              <a:t>42</a:t>
             </a:fld>
             <a:endParaRPr lang="en-US"/>
           </a:p>
@@ -19890,7 +19585,7 @@
           <a:p>
             <a:fld id="{18BDFEC3-8487-43E8-A154-7C12CBC1FFF2}" type="slidenum">
               <a:rPr lang="en-US"/>
-              <a:t>44</a:t>
+              <a:t>43</a:t>
             </a:fld>
             <a:endParaRPr lang="en-US"/>
           </a:p>
@@ -21036,7 +20731,7 @@
           <a:p>
             <a:fld id="{18BDFEC3-8487-43E8-A154-7C12CBC1FFF2}" type="slidenum">
               <a:rPr lang="en-US"/>
-              <a:t>45</a:t>
+              <a:t>44</a:t>
             </a:fld>
             <a:endParaRPr lang="en-US"/>
           </a:p>
@@ -21284,7 +20979,7 @@
           <a:p>
             <a:fld id="{18BDFEC3-8487-43E8-A154-7C12CBC1FFF2}" type="slidenum">
               <a:rPr lang="en-US"/>
-              <a:t>46</a:t>
+              <a:t>45</a:t>
             </a:fld>
             <a:endParaRPr lang="en-US"/>
           </a:p>
@@ -21414,7 +21109,7 @@
           <a:p>
             <a:fld id="{18BDFEC3-8487-43E8-A154-7C12CBC1FFF2}" type="slidenum">
               <a:rPr lang="en-US"/>
-              <a:t>47</a:t>
+              <a:t>46</a:t>
             </a:fld>
             <a:endParaRPr lang="en-US"/>
           </a:p>
@@ -21792,7 +21487,7 @@
           <a:p>
             <a:fld id="{18BDFEC3-8487-43E8-A154-7C12CBC1FFF2}" type="slidenum">
               <a:rPr lang="en-US"/>
-              <a:t>48</a:t>
+              <a:t>47</a:t>
             </a:fld>
             <a:endParaRPr lang="en-US"/>
           </a:p>
@@ -21922,7 +21617,7 @@
           <a:p>
             <a:fld id="{18BDFEC3-8487-43E8-A154-7C12CBC1FFF2}" type="slidenum">
               <a:rPr lang="en-US"/>
-              <a:t>49</a:t>
+              <a:t>48</a:t>
             </a:fld>
             <a:endParaRPr lang="en-US"/>
           </a:p>
@@ -23058,7 +22753,7 @@
           <a:p>
             <a:fld id="{18BDFEC3-8487-43E8-A154-7C12CBC1FFF2}" type="slidenum">
               <a:rPr lang="en-US"/>
-              <a:t>51</a:t>
+              <a:t>50</a:t>
             </a:fld>
             <a:endParaRPr lang="en-US"/>
           </a:p>
@@ -23724,7 +23419,7 @@
           <a:p>
             <a:fld id="{18BDFEC3-8487-43E8-A154-7C12CBC1FFF2}" type="slidenum">
               <a:rPr lang="en-US"/>
-              <a:t>52</a:t>
+              <a:t>51</a:t>
             </a:fld>
             <a:endParaRPr lang="en-US"/>
           </a:p>
@@ -24412,7 +24107,7 @@
           <a:p>
             <a:fld id="{18BDFEC3-8487-43E8-A154-7C12CBC1FFF2}" type="slidenum">
               <a:rPr lang="en-US"/>
-              <a:t>53</a:t>
+              <a:t>52</a:t>
             </a:fld>
             <a:endParaRPr lang="en-US"/>
           </a:p>
@@ -25268,7 +24963,7 @@
           <a:p>
             <a:fld id="{18BDFEC3-8487-43E8-A154-7C12CBC1FFF2}" type="slidenum">
               <a:rPr lang="en-US"/>
-              <a:t>54</a:t>
+              <a:t>53</a:t>
             </a:fld>
             <a:endParaRPr lang="en-US"/>
           </a:p>
@@ -25818,7 +25513,7 @@
           <a:p>
             <a:fld id="{18BDFEC3-8487-43E8-A154-7C12CBC1FFF2}" type="slidenum">
               <a:rPr lang="en-US"/>
-              <a:t>55</a:t>
+              <a:t>54</a:t>
             </a:fld>
             <a:endParaRPr lang="en-US"/>
           </a:p>
@@ -26718,7 +26413,7 @@
           <a:p>
             <a:fld id="{18BDFEC3-8487-43E8-A154-7C12CBC1FFF2}" type="slidenum">
               <a:rPr lang="en-US"/>
-              <a:t>56</a:t>
+              <a:t>55</a:t>
             </a:fld>
             <a:endParaRPr lang="en-US"/>
           </a:p>
@@ -27140,7 +26835,7 @@
           <a:p>
             <a:fld id="{18BDFEC3-8487-43E8-A154-7C12CBC1FFF2}" type="slidenum">
               <a:rPr lang="en-US"/>
-              <a:t>57</a:t>
+              <a:t>56</a:t>
             </a:fld>
             <a:endParaRPr lang="en-US"/>
           </a:p>
@@ -27358,7 +27053,7 @@
           <a:p>
             <a:fld id="{18BDFEC3-8487-43E8-A154-7C12CBC1FFF2}" type="slidenum">
               <a:rPr lang="en-US"/>
-              <a:t>58</a:t>
+              <a:t>57</a:t>
             </a:fld>
             <a:endParaRPr lang="en-US"/>
           </a:p>
@@ -27808,7 +27503,7 @@
           <a:p>
             <a:fld id="{18BDFEC3-8487-43E8-A154-7C12CBC1FFF2}" type="slidenum">
               <a:rPr lang="en-US"/>
-              <a:t>59</a:t>
+              <a:t>58</a:t>
             </a:fld>
             <a:endParaRPr lang="en-US"/>
           </a:p>
@@ -27938,7 +27633,7 @@
           <a:p>
             <a:fld id="{18BDFEC3-8487-43E8-A154-7C12CBC1FFF2}" type="slidenum">
               <a:rPr lang="en-US"/>
-              <a:t>60</a:t>
+              <a:t>59</a:t>
             </a:fld>
             <a:endParaRPr lang="en-US"/>
           </a:p>
@@ -28068,7 +27763,7 @@
           <a:p>
             <a:fld id="{18BDFEC3-8487-43E8-A154-7C12CBC1FFF2}" type="slidenum">
               <a:rPr lang="en-US"/>
-              <a:t>61</a:t>
+              <a:t>60</a:t>
             </a:fld>
             <a:endParaRPr lang="en-US"/>
           </a:p>
@@ -28254,7 +27949,7 @@
           <a:p>
             <a:fld id="{18BDFEC3-8487-43E8-A154-7C12CBC1FFF2}" type="slidenum">
               <a:rPr lang="en-US"/>
-              <a:t>62</a:t>
+              <a:t>61</a:t>
             </a:fld>
             <a:endParaRPr lang="en-US"/>
           </a:p>
@@ -28384,7 +28079,7 @@
           <a:p>
             <a:fld id="{18BDFEC3-8487-43E8-A154-7C12CBC1FFF2}" type="slidenum">
               <a:rPr lang="en-US"/>
-              <a:t>63</a:t>
+              <a:t>62</a:t>
             </a:fld>
             <a:endParaRPr lang="en-US"/>
           </a:p>
@@ -28760,7 +28455,7 @@
           <a:p>
             <a:fld id="{18BDFEC3-8487-43E8-A154-7C12CBC1FFF2}" type="slidenum">
               <a:rPr lang="en-US"/>
-              <a:t>65</a:t>
+              <a:t>64</a:t>
             </a:fld>
             <a:endParaRPr lang="en-US"/>
           </a:p>
@@ -28898,7 +28593,7 @@
           <a:p>
             <a:fld id="{18BDFEC3-8487-43E8-A154-7C12CBC1FFF2}" type="slidenum">
               <a:rPr lang="en-US"/>
-              <a:t>66</a:t>
+              <a:t>65</a:t>
             </a:fld>
             <a:endParaRPr lang="en-US"/>
           </a:p>
@@ -33721,66 +33416,6 @@
                 </a:solidFill>
                 <a:latin typeface="Courier"/>
               </a:rPr>
-              <a:t>suppressMessages</a:t>
-            </a:r>
-            <a:r>
-              <a:rPr>
-                <a:latin typeface="Courier"/>
-              </a:rPr>
-              <a:t>(</a:t>
-            </a:r>
-            <a:br/>
-            <a:r>
-              <a:rPr>
-                <a:latin typeface="Courier"/>
-              </a:rPr>
-              <a:t>  </a:t>
-            </a:r>
-            <a:r>
-              <a:rPr>
-                <a:solidFill>
-                  <a:srgbClr val="06287E"/>
-                </a:solidFill>
-                <a:latin typeface="Courier"/>
-              </a:rPr>
-              <a:t>suppressWarnings</a:t>
-            </a:r>
-            <a:r>
-              <a:rPr>
-                <a:latin typeface="Courier"/>
-              </a:rPr>
-              <a:t>(</a:t>
-            </a:r>
-            <a:br/>
-            <a:r>
-              <a:rPr>
-                <a:latin typeface="Courier"/>
-              </a:rPr>
-              <a:t>    </a:t>
-            </a:r>
-            <a:r>
-              <a:rPr>
-                <a:solidFill>
-                  <a:srgbClr val="06287E"/>
-                </a:solidFill>
-                <a:latin typeface="Courier"/>
-              </a:rPr>
-              <a:t>library</a:t>
-            </a:r>
-            <a:r>
-              <a:rPr>
-                <a:latin typeface="Courier"/>
-              </a:rPr>
-              <a:t>(yaml)))</a:t>
-            </a:r>
-            <a:br/>
-            <a:r>
-              <a:rPr>
-                <a:solidFill>
-                  <a:srgbClr val="06287E"/>
-                </a:solidFill>
-                <a:latin typeface="Courier"/>
-              </a:rPr>
               <a:t>options</a:t>
             </a:r>
             <a:r>
@@ -33805,7 +33440,7 @@
                 </a:solidFill>
                 <a:latin typeface="Courier"/>
               </a:rPr>
-              <a:t>30</a:t>
+              <a:t>29</a:t>
             </a:r>
             <a:r>
               <a:rPr>
@@ -34658,9 +34293,9 @@
               </a:rPr>
               <a:t>Rows: 12
 Columns: 3
-$ airline &lt;chr&gt; "DELTA", "VI~
-$ r2017   &lt;dbl&gt; 0.07, 0.27, ~
-$ r2016   &lt;dbl&gt; 0.09, 0.13, ~</a:t>
+$ airline &lt;chr&gt; "DELTA", "V~
+$ r2017   &lt;dbl&gt; 0.07, 0.27,~
+$ r2016   &lt;dbl&gt; 0.09, 0.13,~</a:t>
             </a:r>
           </a:p>
         </p:txBody>
@@ -35283,12 +34918,18 @@
               <a:rPr>
                 <a:latin typeface="Courier"/>
               </a:rPr>
-              <a:t> [1] "DELTA"      "VIRGIN"    
- [3] "JETBLUE"    "UNITED"    
- [5] "HAWAIIAN"   "EXPRESSJET"
- [7] "SKYWEST"    "AMERICAN"  
- [9] "ALASKA"     "SOUTHWEST" 
-[11] "FRONTIER"   "SPIRIT"    </a:t>
+              <a:t> [1] "DELTA"     
+ [2] "VIRGIN"    
+ [3] "JETBLUE"   
+ [4] "UNITED"    
+ [5] "HAWAIIAN"  
+ [6] "EXPRESSJET"
+ [7] "SKYWEST"   
+ [8] "AMERICAN"  
+ [9] "ALASKA"    
+[10] "SOUTHWEST" 
+[11] "FRONTIER"  
+[12] "SPIRIT"    </a:t>
             </a:r>
           </a:p>
         </p:txBody>
@@ -35538,12 +35179,18 @@
               <a:rPr>
                 <a:latin typeface="Courier"/>
               </a:rPr>
-              <a:t> [1] "DELTA"      "VIRGIN"    
- [3] "JETBLUE"    "UNITED"    
- [5] "HAWAIIAN"   "EXPRESSJET"
- [7] "SKYWEST"    "AMERICAN"  
- [9] "ALASKA"     "SOUTHWEST" 
-[11] "FRONTIER"   "SPIRIT"    </a:t>
+              <a:t> [1] "DELTA"     
+ [2] "VIRGIN"    
+ [3] "JETBLUE"   
+ [4] "UNITED"    
+ [5] "HAWAIIAN"  
+ [6] "EXPRESSJET"
+ [7] "SKYWEST"   
+ [8] "AMERICAN"  
+ [9] "ALASKA"    
+[10] "SOUTHWEST" 
+[11] "FRONTIER"  
+[12] "SPIRIT"    </a:t>
             </a:r>
           </a:p>
         </p:txBody>
@@ -36304,31 +35951,15 @@
             </a:pPr>
             <a:r>
               <a:rPr/>
-              <a:t>Nice</a:t>
-            </a:r>
-            <a:r>
-              <a:rPr/>
-              <a:t> </a:t>
-            </a:r>
-            <a:r>
-              <a:rPr/>
-              <a:t>display</a:t>
-            </a:r>
-            <a:r>
-              <a:rPr/>
-              <a:t> </a:t>
-            </a:r>
-            <a:r>
-              <a:rPr/>
-              <a:t>of</a:t>
-            </a:r>
-            <a:r>
-              <a:rPr/>
-              <a:t> </a:t>
-            </a:r>
-            <a:r>
-              <a:rPr/>
-              <a:t>data</a:t>
+              <a:t>Break</a:t>
+            </a:r>
+            <a:r>
+              <a:rPr/>
+              <a:t> </a:t>
+            </a:r>
+            <a:r>
+              <a:rPr/>
+              <a:t>#2</a:t>
             </a:r>
           </a:p>
         </p:txBody>
@@ -36348,38 +35979,52 @@
           <a:bodyPr/>
           <a:lstStyle/>
           <a:p>
-            <a:pPr lvl="0" indent="0">
-              <a:buNone/>
-            </a:pPr>
-            <a:r>
-              <a:rPr>
-                <a:latin typeface="Courier"/>
-              </a:rPr>
-              <a:t>knitr</a:t>
-            </a:r>
-            <a:r>
-              <a:rPr>
-                <a:solidFill>
-                  <a:srgbClr val="4070A0"/>
-                </a:solidFill>
-                <a:latin typeface="Courier"/>
-              </a:rPr>
-              <a:t>::</a:t>
-            </a:r>
-            <a:r>
-              <a:rPr>
-                <a:solidFill>
-                  <a:srgbClr val="06287E"/>
-                </a:solidFill>
-                <a:latin typeface="Courier"/>
-              </a:rPr>
-              <a:t>kable</a:t>
-            </a:r>
-            <a:r>
-              <a:rPr>
-                <a:latin typeface="Courier"/>
-              </a:rPr>
-              <a:t>(bump)</a:t>
+            <a:pPr lvl="1"/>
+            <a:r>
+              <a:rPr/>
+              <a:t>What have you learned</a:t>
+            </a:r>
+          </a:p>
+          <a:p>
+            <a:pPr lvl="2"/>
+            <a:r>
+              <a:rPr/>
+              <a:t>Printing a data frame</a:t>
+            </a:r>
+          </a:p>
+          <a:p>
+            <a:pPr lvl="2"/>
+            <a:r>
+              <a:rPr/>
+              <a:t>Printing pieces of a data frame</a:t>
+            </a:r>
+          </a:p>
+          <a:p>
+            <a:pPr lvl="1"/>
+            <a:r>
+              <a:rPr/>
+              <a:t>What is coming next</a:t>
+            </a:r>
+          </a:p>
+          <a:p>
+            <a:pPr lvl="2"/>
+            <a:r>
+              <a:rPr/>
+              <a:t>Definitions of categorical and continuous data</a:t>
+            </a:r>
+          </a:p>
+          <a:p>
+            <a:pPr lvl="2"/>
+            <a:r>
+              <a:rPr/>
+              <a:t>The “fat” data set</a:t>
+            </a:r>
+          </a:p>
+          <a:p>
+            <a:pPr lvl="2"/>
+            <a:r>
+              <a:rPr/>
+              <a:t>Outliers and missing values</a:t>
             </a:r>
           </a:p>
         </p:txBody>
@@ -36537,649 +36182,97 @@
           <a:chExt cx="0" cy="0"/>
         </a:xfrm>
       </p:grpSpPr>
-      <p:graphicFrame>
-        <p:nvGraphicFramePr>
-          <p:cNvPr id="6" name="Content Placeholder 5"/>
-          <p:cNvGraphicFramePr>
-            <a:graphicFrameLocks noGrp="1"/>
-          </p:cNvGraphicFramePr>
+      <p:sp>
+        <p:nvSpPr>
+          <p:cNvPr id="2" name="Title 1"/>
+          <p:cNvSpPr>
+            <a:spLocks noGrp="1"/>
+          </p:cNvSpPr>
+          <p:nvPr>
+            <p:ph type="title"/>
+          </p:nvPr>
+        </p:nvSpPr>
+        <p:spPr/>
+        <p:txBody>
+          <a:bodyPr/>
+          <a:lstStyle/>
+          <a:p>
+            <a:pPr lvl="0" marL="0" indent="0">
+              <a:buNone/>
+            </a:pPr>
+            <a:r>
+              <a:rPr/>
+              <a:t>Some</a:t>
+            </a:r>
+            <a:r>
+              <a:rPr/>
+              <a:t> </a:t>
+            </a:r>
+            <a:r>
+              <a:rPr/>
+              <a:t>definitions</a:t>
+            </a:r>
+          </a:p>
+        </p:txBody>
+      </p:sp>
+      <p:sp>
+        <p:nvSpPr>
+          <p:cNvPr id="3" name="Content Placeholder 2"/>
+          <p:cNvSpPr>
+            <a:spLocks noGrp="1"/>
+          </p:cNvSpPr>
           <p:nvPr>
             <p:ph idx="1"/>
           </p:nvPr>
-        </p:nvGraphicFramePr>
-        <p:xfrm>
-          <a:off x="457200" y="1600200"/>
-          <a:ext cx="8229600" cy="4521200"/>
-        </p:xfrm>
-        <a:graphic>
-          <a:graphicData uri="http://schemas.openxmlformats.org/drawingml/2006/table">
-            <a:tbl>
-              <a:tblPr firstRow="1" bandRow="1">
-                <a:tableStyleId>{5C22544A-7EE6-4342-B048-85BDC9FD1C3A}</a:tableStyleId>
-              </a:tblPr>
-              <a:tblGrid>
-                <a:gridCol w="2743200"/>
-                <a:gridCol w="2743200"/>
-                <a:gridCol w="2743200"/>
-              </a:tblGrid>
-              <a:tr h="0">
-                <a:tc>
-                  <a:txBody>
-                    <a:bodyPr/>
-                    <a:lstStyle/>
-                    <a:p>
-                      <a:pPr lvl="0" marL="0" indent="0" algn="l">
-                        <a:buNone/>
-                      </a:pPr>
-                      <a:r>
-                        <a:rPr/>
-                        <a:t>airline</a:t>
-                      </a:r>
-                    </a:p>
-                  </a:txBody>
-                  <a:tcPr/>
-                </a:tc>
-                <a:tc>
-                  <a:txBody>
-                    <a:bodyPr/>
-                    <a:lstStyle/>
-                    <a:p>
-                      <a:pPr lvl="0" marL="0" indent="0" algn="r">
-                        <a:buNone/>
-                      </a:pPr>
-                      <a:r>
-                        <a:rPr/>
-                        <a:t>r2017</a:t>
-                      </a:r>
-                    </a:p>
-                  </a:txBody>
-                  <a:tcPr/>
-                </a:tc>
-                <a:tc>
-                  <a:txBody>
-                    <a:bodyPr/>
-                    <a:lstStyle/>
-                    <a:p>
-                      <a:pPr lvl="0" marL="0" indent="0" algn="r">
-                        <a:buNone/>
-                      </a:pPr>
-                      <a:r>
-                        <a:rPr/>
-                        <a:t>r2016</a:t>
-                      </a:r>
-                    </a:p>
-                  </a:txBody>
-                  <a:tcPr/>
-                </a:tc>
-              </a:tr>
-              <a:tr h="0">
-                <a:tc>
-                  <a:txBody>
-                    <a:bodyPr/>
-                    <a:lstStyle/>
-                    <a:p>
-                      <a:pPr lvl="0" marL="0" indent="0" algn="l">
-                        <a:buNone/>
-                      </a:pPr>
-                      <a:r>
-                        <a:rPr/>
-                        <a:t>DELTA</a:t>
-                      </a:r>
-                    </a:p>
-                  </a:txBody>
-                </a:tc>
-                <a:tc>
-                  <a:txBody>
-                    <a:bodyPr/>
-                    <a:lstStyle/>
-                    <a:p>
-                      <a:pPr lvl="0" marL="0" indent="0" algn="r">
-                        <a:buNone/>
-                      </a:pPr>
-                      <a:r>
-                        <a:rPr/>
-                        <a:t>0.07</a:t>
-                      </a:r>
-                    </a:p>
-                  </a:txBody>
-                </a:tc>
-                <a:tc>
-                  <a:txBody>
-                    <a:bodyPr/>
-                    <a:lstStyle/>
-                    <a:p>
-                      <a:pPr lvl="0" marL="0" indent="0" algn="r">
-                        <a:buNone/>
-                      </a:pPr>
-                      <a:r>
-                        <a:rPr/>
-                        <a:t>0.09</a:t>
-                      </a:r>
-                    </a:p>
-                  </a:txBody>
-                </a:tc>
-              </a:tr>
-              <a:tr h="0">
-                <a:tc>
-                  <a:txBody>
-                    <a:bodyPr/>
-                    <a:lstStyle/>
-                    <a:p>
-                      <a:pPr lvl="0" marL="0" indent="0" algn="l">
-                        <a:buNone/>
-                      </a:pPr>
-                      <a:r>
-                        <a:rPr/>
-                        <a:t>VIRGIN</a:t>
-                      </a:r>
-                    </a:p>
-                  </a:txBody>
-                </a:tc>
-                <a:tc>
-                  <a:txBody>
-                    <a:bodyPr/>
-                    <a:lstStyle/>
-                    <a:p>
-                      <a:pPr lvl="0" marL="0" indent="0" algn="r">
-                        <a:buNone/>
-                      </a:pPr>
-                      <a:r>
-                        <a:rPr/>
-                        <a:t>0.27</a:t>
-                      </a:r>
-                    </a:p>
-                  </a:txBody>
-                </a:tc>
-                <a:tc>
-                  <a:txBody>
-                    <a:bodyPr/>
-                    <a:lstStyle/>
-                    <a:p>
-                      <a:pPr lvl="0" marL="0" indent="0" algn="r">
-                        <a:buNone/>
-                      </a:pPr>
-                      <a:r>
-                        <a:rPr/>
-                        <a:t>0.13</a:t>
-                      </a:r>
-                    </a:p>
-                  </a:txBody>
-                </a:tc>
-              </a:tr>
-              <a:tr h="0">
-                <a:tc>
-                  <a:txBody>
-                    <a:bodyPr/>
-                    <a:lstStyle/>
-                    <a:p>
-                      <a:pPr lvl="0" marL="0" indent="0" algn="l">
-                        <a:buNone/>
-                      </a:pPr>
-                      <a:r>
-                        <a:rPr/>
-                        <a:t>JETBLUE</a:t>
-                      </a:r>
-                    </a:p>
-                  </a:txBody>
-                </a:tc>
-                <a:tc>
-                  <a:txBody>
-                    <a:bodyPr/>
-                    <a:lstStyle/>
-                    <a:p>
-                      <a:pPr lvl="0" marL="0" indent="0" algn="r">
-                        <a:buNone/>
-                      </a:pPr>
-                      <a:r>
-                        <a:rPr/>
-                        <a:t>0.54</a:t>
-                      </a:r>
-                    </a:p>
-                  </a:txBody>
-                </a:tc>
-                <a:tc>
-                  <a:txBody>
-                    <a:bodyPr/>
-                    <a:lstStyle/>
-                    <a:p>
-                      <a:pPr lvl="0" marL="0" indent="0" algn="r">
-                        <a:buNone/>
-                      </a:pPr>
-                      <a:r>
-                        <a:rPr/>
-                        <a:t>0.82</a:t>
-                      </a:r>
-                    </a:p>
-                  </a:txBody>
-                </a:tc>
-              </a:tr>
-              <a:tr h="0">
-                <a:tc>
-                  <a:txBody>
-                    <a:bodyPr/>
-                    <a:lstStyle/>
-                    <a:p>
-                      <a:pPr lvl="0" marL="0" indent="0" algn="l">
-                        <a:buNone/>
-                      </a:pPr>
-                      <a:r>
-                        <a:rPr/>
-                        <a:t>UNITED</a:t>
-                      </a:r>
-                    </a:p>
-                  </a:txBody>
-                </a:tc>
-                <a:tc>
-                  <a:txBody>
-                    <a:bodyPr/>
-                    <a:lstStyle/>
-                    <a:p>
-                      <a:pPr lvl="0" marL="0" indent="0" algn="r">
-                        <a:buNone/>
-                      </a:pPr>
-                      <a:r>
-                        <a:rPr/>
-                        <a:t>0.30</a:t>
-                      </a:r>
-                    </a:p>
-                  </a:txBody>
-                </a:tc>
-                <a:tc>
-                  <a:txBody>
-                    <a:bodyPr/>
-                    <a:lstStyle/>
-                    <a:p>
-                      <a:pPr lvl="0" marL="0" indent="0" algn="r">
-                        <a:buNone/>
-                      </a:pPr>
-                      <a:r>
-                        <a:rPr/>
-                        <a:t>0.45</a:t>
-                      </a:r>
-                    </a:p>
-                  </a:txBody>
-                </a:tc>
-              </a:tr>
-              <a:tr h="0">
-                <a:tc>
-                  <a:txBody>
-                    <a:bodyPr/>
-                    <a:lstStyle/>
-                    <a:p>
-                      <a:pPr lvl="0" marL="0" indent="0" algn="l">
-                        <a:buNone/>
-                      </a:pPr>
-                      <a:r>
-                        <a:rPr/>
-                        <a:t>HAWAIIAN</a:t>
-                      </a:r>
-                    </a:p>
-                  </a:txBody>
-                </a:tc>
-                <a:tc>
-                  <a:txBody>
-                    <a:bodyPr/>
-                    <a:lstStyle/>
-                    <a:p>
-                      <a:pPr lvl="0" marL="0" indent="0" algn="r">
-                        <a:buNone/>
-                      </a:pPr>
-                      <a:r>
-                        <a:rPr/>
-                        <a:t>0.11</a:t>
-                      </a:r>
-                    </a:p>
-                  </a:txBody>
-                </a:tc>
-                <a:tc>
-                  <a:txBody>
-                    <a:bodyPr/>
-                    <a:lstStyle/>
-                    <a:p>
-                      <a:pPr lvl="0" marL="0" indent="0" algn="r">
-                        <a:buNone/>
-                      </a:pPr>
-                      <a:r>
-                        <a:rPr/>
-                        <a:t>0.04</a:t>
-                      </a:r>
-                    </a:p>
-                  </a:txBody>
-                </a:tc>
-              </a:tr>
-              <a:tr h="0">
-                <a:tc>
-                  <a:txBody>
-                    <a:bodyPr/>
-                    <a:lstStyle/>
-                    <a:p>
-                      <a:pPr lvl="0" marL="0" indent="0" algn="l">
-                        <a:buNone/>
-                      </a:pPr>
-                      <a:r>
-                        <a:rPr/>
-                        <a:t>EXPRESSJET</a:t>
-                      </a:r>
-                    </a:p>
-                  </a:txBody>
-                </a:tc>
-                <a:tc>
-                  <a:txBody>
-                    <a:bodyPr/>
-                    <a:lstStyle/>
-                    <a:p>
-                      <a:pPr lvl="0" marL="0" indent="0" algn="r">
-                        <a:buNone/>
-                      </a:pPr>
-                      <a:r>
-                        <a:rPr/>
-                        <a:t>0.67</a:t>
-                      </a:r>
-                    </a:p>
-                  </a:txBody>
-                </a:tc>
-                <a:tc>
-                  <a:txBody>
-                    <a:bodyPr/>
-                    <a:lstStyle/>
-                    <a:p>
-                      <a:pPr lvl="0" marL="0" indent="0" algn="r">
-                        <a:buNone/>
-                      </a:pPr>
-                      <a:r>
-                        <a:rPr/>
-                        <a:t>1.58</a:t>
-                      </a:r>
-                    </a:p>
-                  </a:txBody>
-                </a:tc>
-              </a:tr>
-              <a:tr h="0">
-                <a:tc>
-                  <a:txBody>
-                    <a:bodyPr/>
-                    <a:lstStyle/>
-                    <a:p>
-                      <a:pPr lvl="0" marL="0" indent="0" algn="l">
-                        <a:buNone/>
-                      </a:pPr>
-                      <a:r>
-                        <a:rPr/>
-                        <a:t>SKYWEST</a:t>
-                      </a:r>
-                    </a:p>
-                  </a:txBody>
-                </a:tc>
-                <a:tc>
-                  <a:txBody>
-                    <a:bodyPr/>
-                    <a:lstStyle/>
-                    <a:p>
-                      <a:pPr lvl="0" marL="0" indent="0" algn="r">
-                        <a:buNone/>
-                      </a:pPr>
-                      <a:r>
-                        <a:rPr/>
-                        <a:t>0.37</a:t>
-                      </a:r>
-                    </a:p>
-                  </a:txBody>
-                </a:tc>
-                <a:tc>
-                  <a:txBody>
-                    <a:bodyPr/>
-                    <a:lstStyle/>
-                    <a:p>
-                      <a:pPr lvl="0" marL="0" indent="0" algn="r">
-                        <a:buNone/>
-                      </a:pPr>
-                      <a:r>
-                        <a:rPr/>
-                        <a:t>0.96</a:t>
-                      </a:r>
-                    </a:p>
-                  </a:txBody>
-                </a:tc>
-              </a:tr>
-              <a:tr h="0">
-                <a:tc>
-                  <a:txBody>
-                    <a:bodyPr/>
-                    <a:lstStyle/>
-                    <a:p>
-                      <a:pPr lvl="0" marL="0" indent="0" algn="l">
-                        <a:buNone/>
-                      </a:pPr>
-                      <a:r>
-                        <a:rPr/>
-                        <a:t>AMERICAN</a:t>
-                      </a:r>
-                    </a:p>
-                  </a:txBody>
-                </a:tc>
-                <a:tc>
-                  <a:txBody>
-                    <a:bodyPr/>
-                    <a:lstStyle/>
-                    <a:p>
-                      <a:pPr lvl="0" marL="0" indent="0" algn="r">
-                        <a:buNone/>
-                      </a:pPr>
-                      <a:r>
-                        <a:rPr/>
-                        <a:t>0.46</a:t>
-                      </a:r>
-                    </a:p>
-                  </a:txBody>
-                </a:tc>
-                <a:tc>
-                  <a:txBody>
-                    <a:bodyPr/>
-                    <a:lstStyle/>
-                    <a:p>
-                      <a:pPr lvl="0" marL="0" indent="0" algn="r">
-                        <a:buNone/>
-                      </a:pPr>
-                      <a:r>
-                        <a:rPr/>
-                        <a:t>0.66</a:t>
-                      </a:r>
-                    </a:p>
-                  </a:txBody>
-                </a:tc>
-              </a:tr>
-              <a:tr h="0">
-                <a:tc>
-                  <a:txBody>
-                    <a:bodyPr/>
-                    <a:lstStyle/>
-                    <a:p>
-                      <a:pPr lvl="0" marL="0" indent="0" algn="l">
-                        <a:buNone/>
-                      </a:pPr>
-                      <a:r>
-                        <a:rPr/>
-                        <a:t>ALASKA</a:t>
-                      </a:r>
-                    </a:p>
-                  </a:txBody>
-                </a:tc>
-                <a:tc>
-                  <a:txBody>
-                    <a:bodyPr/>
-                    <a:lstStyle/>
-                    <a:p>
-                      <a:pPr lvl="0" marL="0" indent="0" algn="r">
-                        <a:buNone/>
-                      </a:pPr>
-                      <a:r>
-                        <a:rPr/>
-                        <a:t>0.35</a:t>
-                      </a:r>
-                    </a:p>
-                  </a:txBody>
-                </a:tc>
-                <a:tc>
-                  <a:txBody>
-                    <a:bodyPr/>
-                    <a:lstStyle/>
-                    <a:p>
-                      <a:pPr lvl="0" marL="0" indent="0" algn="r">
-                        <a:buNone/>
-                      </a:pPr>
-                      <a:r>
-                        <a:rPr/>
-                        <a:t>0.41</a:t>
-                      </a:r>
-                    </a:p>
-                  </a:txBody>
-                </a:tc>
-              </a:tr>
-              <a:tr h="0">
-                <a:tc>
-                  <a:txBody>
-                    <a:bodyPr/>
-                    <a:lstStyle/>
-                    <a:p>
-                      <a:pPr lvl="0" marL="0" indent="0" algn="l">
-                        <a:buNone/>
-                      </a:pPr>
-                      <a:r>
-                        <a:rPr/>
-                        <a:t>SOUTHWEST</a:t>
-                      </a:r>
-                    </a:p>
-                  </a:txBody>
-                </a:tc>
-                <a:tc>
-                  <a:txBody>
-                    <a:bodyPr/>
-                    <a:lstStyle/>
-                    <a:p>
-                      <a:pPr lvl="0" marL="0" indent="0" algn="r">
-                        <a:buNone/>
-                      </a:pPr>
-                      <a:r>
-                        <a:rPr/>
-                        <a:t>0.58</a:t>
-                      </a:r>
-                    </a:p>
-                  </a:txBody>
-                </a:tc>
-                <a:tc>
-                  <a:txBody>
-                    <a:bodyPr/>
-                    <a:lstStyle/>
-                    <a:p>
-                      <a:pPr lvl="0" marL="0" indent="0" algn="r">
-                        <a:buNone/>
-                      </a:pPr>
-                      <a:r>
-                        <a:rPr/>
-                        <a:t>1.06</a:t>
-                      </a:r>
-                    </a:p>
-                  </a:txBody>
-                </a:tc>
-              </a:tr>
-              <a:tr h="0">
-                <a:tc>
-                  <a:txBody>
-                    <a:bodyPr/>
-                    <a:lstStyle/>
-                    <a:p>
-                      <a:pPr lvl="0" marL="0" indent="0" algn="l">
-                        <a:buNone/>
-                      </a:pPr>
-                      <a:r>
-                        <a:rPr/>
-                        <a:t>FRONTIER</a:t>
-                      </a:r>
-                    </a:p>
-                  </a:txBody>
-                </a:tc>
-                <a:tc>
-                  <a:txBody>
-                    <a:bodyPr/>
-                    <a:lstStyle/>
-                    <a:p>
-                      <a:pPr lvl="0" marL="0" indent="0" algn="r">
-                        <a:buNone/>
-                      </a:pPr>
-                      <a:r>
-                        <a:rPr/>
-                        <a:t>0.45</a:t>
-                      </a:r>
-                    </a:p>
-                  </a:txBody>
-                </a:tc>
-                <a:tc>
-                  <a:txBody>
-                    <a:bodyPr/>
-                    <a:lstStyle/>
-                    <a:p>
-                      <a:pPr lvl="0" marL="0" indent="0" algn="r">
-                        <a:buNone/>
-                      </a:pPr>
-                      <a:r>
-                        <a:rPr/>
-                        <a:t>0.63</a:t>
-                      </a:r>
-                    </a:p>
-                  </a:txBody>
-                </a:tc>
-              </a:tr>
-              <a:tr h="0">
-                <a:tc>
-                  <a:txBody>
-                    <a:bodyPr/>
-                    <a:lstStyle/>
-                    <a:p>
-                      <a:pPr lvl="0" marL="0" indent="0" algn="l">
-                        <a:buNone/>
-                      </a:pPr>
-                      <a:r>
-                        <a:rPr/>
-                        <a:t>SPIRIT</a:t>
-                      </a:r>
-                    </a:p>
-                  </a:txBody>
-                </a:tc>
-                <a:tc>
-                  <a:txBody>
-                    <a:bodyPr/>
-                    <a:lstStyle/>
-                    <a:p>
-                      <a:pPr lvl="0" marL="0" indent="0" algn="r">
-                        <a:buNone/>
-                      </a:pPr>
-                      <a:r>
-                        <a:rPr/>
-                        <a:t>0.88</a:t>
-                      </a:r>
-                    </a:p>
-                  </a:txBody>
-                </a:tc>
-                <a:tc>
-                  <a:txBody>
-                    <a:bodyPr/>
-                    <a:lstStyle/>
-                    <a:p>
-                      <a:pPr lvl="0" marL="0" indent="0" algn="r">
-                        <a:buNone/>
-                      </a:pPr>
-                      <a:r>
-                        <a:rPr/>
-                        <a:t>0.93</a:t>
-                      </a:r>
-                    </a:p>
-                  </a:txBody>
-                </a:tc>
-              </a:tr>
-            </a:tbl>
-          </a:graphicData>
-        </a:graphic>
-      </p:graphicFrame>
+        </p:nvSpPr>
+        <p:spPr/>
+        <p:txBody>
+          <a:bodyPr/>
+          <a:lstStyle/>
+          <a:p>
+            <a:pPr lvl="1"/>
+            <a:r>
+              <a:rPr/>
+              <a:t>Categorical = small number of possible values</a:t>
+            </a:r>
+          </a:p>
+          <a:p>
+            <a:pPr lvl="1"/>
+            <a:r>
+              <a:rPr/>
+              <a:t>Examples</a:t>
+            </a:r>
+          </a:p>
+          <a:p>
+            <a:pPr lvl="2"/>
+            <a:r>
+              <a:rPr/>
+              <a:t>Sex (Male or Female),</a:t>
+            </a:r>
+          </a:p>
+          <a:p>
+            <a:pPr lvl="2"/>
+            <a:r>
+              <a:rPr/>
+              <a:t>Race/ethnicity (Caucasian, African American, Hispanic, etc.),</a:t>
+            </a:r>
+          </a:p>
+          <a:p>
+            <a:pPr lvl="2"/>
+            <a:r>
+              <a:rPr/>
+              <a:t>Cancer stage (I, II, III, or IV),</a:t>
+            </a:r>
+          </a:p>
+          <a:p>
+            <a:pPr lvl="2"/>
+            <a:r>
+              <a:rPr/>
+              <a:t>Birth delivery type (Vaginal, C-section).</a:t>
+            </a:r>
+          </a:p>
+        </p:txBody>
+      </p:sp>
     </p:spTree>
   </p:cSld>
 </p:sld>
@@ -37222,15 +36315,15 @@
             </a:pPr>
             <a:r>
               <a:rPr/>
-              <a:t>Break</a:t>
-            </a:r>
-            <a:r>
-              <a:rPr/>
-              <a:t> </a:t>
-            </a:r>
-            <a:r>
-              <a:rPr/>
-              <a:t>#2</a:t>
+              <a:t>Some</a:t>
+            </a:r>
+            <a:r>
+              <a:rPr/>
+              <a:t> </a:t>
+            </a:r>
+            <a:r>
+              <a:rPr/>
+              <a:t>definitions</a:t>
             </a:r>
           </a:p>
         </p:txBody>
@@ -37253,49 +36346,35 @@
             <a:pPr lvl="1"/>
             <a:r>
               <a:rPr/>
-              <a:t>What have you learned</a:t>
+              <a:t>Continuous variable = large number of possible values</a:t>
+            </a:r>
+          </a:p>
+          <a:p>
+            <a:pPr lvl="1"/>
+            <a:r>
+              <a:rPr/>
+              <a:t>Examples of continuous variables are</a:t>
             </a:r>
           </a:p>
           <a:p>
             <a:pPr lvl="2"/>
             <a:r>
               <a:rPr/>
-              <a:t>Printing a data frame</a:t>
+              <a:t>Birth weight in grams,</a:t>
             </a:r>
           </a:p>
           <a:p>
             <a:pPr lvl="2"/>
             <a:r>
               <a:rPr/>
-              <a:t>Printing pieces of a data frame</a:t>
-            </a:r>
-          </a:p>
-          <a:p>
-            <a:pPr lvl="1"/>
-            <a:r>
-              <a:rPr/>
-              <a:t>What is coming next</a:t>
+              <a:t>Gestational age,</a:t>
             </a:r>
           </a:p>
           <a:p>
             <a:pPr lvl="2"/>
             <a:r>
               <a:rPr/>
-              <a:t>Definitions of categorical and continuous data</a:t>
-            </a:r>
-          </a:p>
-          <a:p>
-            <a:pPr lvl="2"/>
-            <a:r>
-              <a:rPr/>
-              <a:t>The “fat” data set</a:t>
-            </a:r>
-          </a:p>
-          <a:p>
-            <a:pPr lvl="2"/>
-            <a:r>
-              <a:rPr/>
-              <a:t>Outliers and missing values</a:t>
+              <a:t>Fasting LDL level.</a:t>
             </a:r>
           </a:p>
         </p:txBody>
@@ -37342,15 +36421,15 @@
             </a:pPr>
             <a:r>
               <a:rPr/>
-              <a:t>Some</a:t>
-            </a:r>
-            <a:r>
-              <a:rPr/>
-              <a:t> </a:t>
-            </a:r>
-            <a:r>
-              <a:rPr/>
-              <a:t>definitions</a:t>
+              <a:t>From</a:t>
+            </a:r>
+            <a:r>
+              <a:rPr/>
+              <a:t> </a:t>
+            </a:r>
+            <a:r>
+              <a:rPr/>
+              <a:t>fat-data-dictionary.yaml</a:t>
             </a:r>
           </a:p>
         </p:txBody>
@@ -37370,45 +36449,12 @@
           <a:bodyPr/>
           <a:lstStyle/>
           <a:p>
-            <a:pPr lvl="1"/>
-            <a:r>
-              <a:rPr/>
-              <a:t>Categorical = small number of possible values</a:t>
-            </a:r>
-          </a:p>
-          <a:p>
-            <a:pPr lvl="1"/>
-            <a:r>
-              <a:rPr/>
-              <a:t>Examples</a:t>
-            </a:r>
-          </a:p>
-          <a:p>
-            <a:pPr lvl="2"/>
-            <a:r>
-              <a:rPr/>
-              <a:t>Sex (Male or Female),</a:t>
-            </a:r>
-          </a:p>
-          <a:p>
-            <a:pPr lvl="2"/>
-            <a:r>
-              <a:rPr/>
-              <a:t>Race/ethnicity (Caucasian, African American, Hispanic, etc.),</a:t>
-            </a:r>
-          </a:p>
-          <a:p>
-            <a:pPr lvl="2"/>
-            <a:r>
-              <a:rPr/>
-              <a:t>Cancer stage (I, II, III, or IV),</a:t>
-            </a:r>
-          </a:p>
-          <a:p>
-            <a:pPr lvl="2"/>
-            <a:r>
-              <a:rPr/>
-              <a:t>Birth delivery type (Vaginal, C-section).</a:t>
+            <a:pPr lvl="0" marL="0" indent="0">
+              <a:buNone/>
+            </a:pPr>
+            <a:r>
+              <a:rPr/>
+              <a:t>This dataset includes two measures of body fat (a quantity that is normally quite difficult to measure) along with some simpler measures of body size that could be used to predict body fat.</a:t>
             </a:r>
           </a:p>
         </p:txBody>
@@ -37455,15 +36501,39 @@
             </a:pPr>
             <a:r>
               <a:rPr/>
-              <a:t>Some</a:t>
-            </a:r>
-            <a:r>
-              <a:rPr/>
-              <a:t> </a:t>
-            </a:r>
-            <a:r>
-              <a:rPr/>
-              <a:t>definitions</a:t>
+              <a:t>First</a:t>
+            </a:r>
+            <a:r>
+              <a:rPr/>
+              <a:t> </a:t>
+            </a:r>
+            <a:r>
+              <a:rPr/>
+              <a:t>few</a:t>
+            </a:r>
+            <a:r>
+              <a:rPr/>
+              <a:t> </a:t>
+            </a:r>
+            <a:r>
+              <a:rPr/>
+              <a:t>lines</a:t>
+            </a:r>
+            <a:r>
+              <a:rPr/>
+              <a:t> </a:t>
+            </a:r>
+            <a:r>
+              <a:rPr/>
+              <a:t>of</a:t>
+            </a:r>
+            <a:r>
+              <a:rPr/>
+              <a:t> </a:t>
+            </a:r>
+            <a:r>
+              <a:rPr/>
+              <a:t>data</a:t>
             </a:r>
           </a:p>
         </p:txBody>
@@ -37483,38 +36553,96 @@
           <a:bodyPr/>
           <a:lstStyle/>
           <a:p>
-            <a:pPr lvl="1"/>
-            <a:r>
-              <a:rPr/>
-              <a:t>Continuous variable = large number of possible values</a:t>
-            </a:r>
-          </a:p>
-          <a:p>
-            <a:pPr lvl="1"/>
-            <a:r>
-              <a:rPr/>
-              <a:t>Examples of continuous variables are</a:t>
-            </a:r>
-          </a:p>
-          <a:p>
-            <a:pPr lvl="2"/>
-            <a:r>
-              <a:rPr/>
-              <a:t>Birth weight in grams,</a:t>
-            </a:r>
-          </a:p>
-          <a:p>
-            <a:pPr lvl="2"/>
-            <a:r>
-              <a:rPr/>
-              <a:t>Gestational age,</a:t>
-            </a:r>
-          </a:p>
-          <a:p>
-            <a:pPr lvl="2"/>
-            <a:r>
-              <a:rPr/>
-              <a:t>Fasting LDL level.</a:t>
+            <a:pPr lvl="0" indent="0">
+              <a:buNone/>
+            </a:pPr>
+            <a:r>
+              <a:rPr>
+                <a:latin typeface="Courier"/>
+              </a:rPr>
+              <a:t>fd[</a:t>
+            </a:r>
+            <a:r>
+              <a:rPr>
+                <a:solidFill>
+                  <a:srgbClr val="40A070"/>
+                </a:solidFill>
+                <a:latin typeface="Courier"/>
+              </a:rPr>
+              <a:t>1</a:t>
+            </a:r>
+            <a:r>
+              <a:rPr>
+                <a:solidFill>
+                  <a:srgbClr val="4070A0"/>
+                </a:solidFill>
+                <a:latin typeface="Courier"/>
+              </a:rPr>
+              <a:t>:</a:t>
+            </a:r>
+            <a:r>
+              <a:rPr>
+                <a:solidFill>
+                  <a:srgbClr val="40A070"/>
+                </a:solidFill>
+                <a:latin typeface="Courier"/>
+              </a:rPr>
+              <a:t>5</a:t>
+            </a:r>
+            <a:r>
+              <a:rPr>
+                <a:latin typeface="Courier"/>
+              </a:rPr>
+              <a:t>, </a:t>
+            </a:r>
+            <a:r>
+              <a:rPr>
+                <a:solidFill>
+                  <a:srgbClr val="40A070"/>
+                </a:solidFill>
+                <a:latin typeface="Courier"/>
+              </a:rPr>
+              <a:t>1</a:t>
+            </a:r>
+            <a:r>
+              <a:rPr>
+                <a:solidFill>
+                  <a:srgbClr val="4070A0"/>
+                </a:solidFill>
+                <a:latin typeface="Courier"/>
+              </a:rPr>
+              <a:t>:</a:t>
+            </a:r>
+            <a:r>
+              <a:rPr>
+                <a:solidFill>
+                  <a:srgbClr val="40A070"/>
+                </a:solidFill>
+                <a:latin typeface="Courier"/>
+              </a:rPr>
+              <a:t>4</a:t>
+            </a:r>
+            <a:r>
+              <a:rPr>
+                <a:latin typeface="Courier"/>
+              </a:rPr>
+              <a:t>]</a:t>
+            </a:r>
+          </a:p>
+          <a:p>
+            <a:pPr lvl="0" indent="0">
+              <a:buNone/>
+            </a:pPr>
+            <a:r>
+              <a:rPr>
+                <a:latin typeface="Courier"/>
+              </a:rPr>
+              <a:t>##   case fat_b fat_s density
+## 1    1  12.6  12.3  1.0708
+## 2    2   6.9   6.1  1.0853
+## 3    3  24.6  25.3  1.0414
+## 4    4  10.9  10.4  1.0751
+## 5    5  27.8  28.7  1.0340</a:t>
             </a:r>
           </a:p>
         </p:txBody>
@@ -37561,15 +36689,31 @@
             </a:pPr>
             <a:r>
               <a:rPr/>
-              <a:t>From</a:t>
-            </a:r>
-            <a:r>
-              <a:rPr/>
-              <a:t> </a:t>
-            </a:r>
-            <a:r>
-              <a:rPr/>
-              <a:t>fat-data-dictionary.yaml</a:t>
+              <a:t>Glimpse</a:t>
+            </a:r>
+            <a:r>
+              <a:rPr/>
+              <a:t> </a:t>
+            </a:r>
+            <a:r>
+              <a:rPr/>
+              <a:t>of</a:t>
+            </a:r>
+            <a:r>
+              <a:rPr/>
+              <a:t> </a:t>
+            </a:r>
+            <a:r>
+              <a:rPr/>
+              <a:t>the</a:t>
+            </a:r>
+            <a:r>
+              <a:rPr/>
+              <a:t> </a:t>
+            </a:r>
+            <a:r>
+              <a:rPr/>
+              <a:t>data</a:t>
             </a:r>
           </a:p>
         </p:txBody>
@@ -37589,12 +36733,54 @@
           <a:bodyPr/>
           <a:lstStyle/>
           <a:p>
-            <a:pPr lvl="0" marL="0" indent="0">
+            <a:pPr lvl="0" indent="0">
               <a:buNone/>
             </a:pPr>
             <a:r>
-              <a:rPr/>
-              <a:t>This dataset includes two measures of body fat (a quantity that is normally quite difficult to measure) along with some simpler measures of body size that could be used to predict body fat.</a:t>
+              <a:rPr>
+                <a:solidFill>
+                  <a:srgbClr val="06287E"/>
+                </a:solidFill>
+                <a:latin typeface="Courier"/>
+              </a:rPr>
+              <a:t>glimpse</a:t>
+            </a:r>
+            <a:r>
+              <a:rPr>
+                <a:latin typeface="Courier"/>
+              </a:rPr>
+              <a:t>(fd)</a:t>
+            </a:r>
+          </a:p>
+          <a:p>
+            <a:pPr lvl="0" indent="0">
+              <a:buNone/>
+            </a:pPr>
+            <a:r>
+              <a:rPr>
+                <a:latin typeface="Courier"/>
+              </a:rPr>
+              <a:t>## Rows: 252
+## Columns: 19
+## $ case    &lt;int&gt; 1, 2, 3, 4,~
+## $ fat_b   &lt;dbl&gt; 12.6, 6.9, ~
+## $ fat_s   &lt;dbl&gt; 12.3, 6.1, ~
+## $ density &lt;dbl&gt; 1.0708, 1.0~
+## $ age     &lt;int&gt; 23, 22, 22,~
+## $ wt      &lt;dbl&gt; 154.25, 173~
+## $ ht      &lt;dbl&gt; 67.75, 72.2~
+## $ bmi     &lt;dbl&gt; 23.7, 23.4,~
+## $ ffw     &lt;dbl&gt; 134.9, 161.~
+## $ neck    &lt;dbl&gt; 36.2, 38.5,~
+## $ chest   &lt;dbl&gt; 93.1, 93.6,~
+## $ abdomen &lt;dbl&gt; 85.2, 83.0,~
+## $ hip     &lt;dbl&gt; 94.5, 98.7,~
+## $ thigh   &lt;dbl&gt; 59.0, 58.7,~
+## $ knee    &lt;dbl&gt; 37.3, 37.3,~
+## $ ankle   &lt;dbl&gt; 21.9, 23.4,~
+## $ biceps  &lt;dbl&gt; 32.0, 30.5,~
+## $ forearm &lt;dbl&gt; 27.4, 28.9,~
+## $ wrist   &lt;dbl&gt; 17.1, 18.2,~</a:t>
             </a:r>
           </a:p>
         </p:txBody>
@@ -37641,31 +36827,31 @@
             </a:pPr>
             <a:r>
               <a:rPr/>
-              <a:t>First</a:t>
-            </a:r>
-            <a:r>
-              <a:rPr/>
-              <a:t> </a:t>
-            </a:r>
-            <a:r>
-              <a:rPr/>
-              <a:t>few</a:t>
-            </a:r>
-            <a:r>
-              <a:rPr/>
-              <a:t> </a:t>
-            </a:r>
-            <a:r>
-              <a:rPr/>
-              <a:t>lines</a:t>
-            </a:r>
-            <a:r>
-              <a:rPr/>
-              <a:t> </a:t>
-            </a:r>
-            <a:r>
-              <a:rPr/>
-              <a:t>of</a:t>
+              <a:t>Some</a:t>
+            </a:r>
+            <a:r>
+              <a:rPr/>
+              <a:t> </a:t>
+            </a:r>
+            <a:r>
+              <a:rPr/>
+              <a:t>simple</a:t>
+            </a:r>
+            <a:r>
+              <a:rPr/>
+              <a:t> </a:t>
+            </a:r>
+            <a:r>
+              <a:rPr/>
+              <a:t>rules</a:t>
+            </a:r>
+            <a:r>
+              <a:rPr/>
+              <a:t> </a:t>
+            </a:r>
+            <a:r>
+              <a:rPr/>
+              <a:t>for</a:t>
             </a:r>
             <a:r>
               <a:rPr/>
@@ -37674,6 +36860,14 @@
             <a:r>
               <a:rPr/>
               <a:t>data</a:t>
+            </a:r>
+            <a:r>
+              <a:rPr/>
+              <a:t> </a:t>
+            </a:r>
+            <a:r>
+              <a:rPr/>
+              <a:t>frames</a:t>
             </a:r>
           </a:p>
         </p:txBody>
@@ -37693,60 +36887,59 @@
           <a:bodyPr/>
           <a:lstStyle/>
           <a:p>
-            <a:pPr lvl="0" indent="0">
-              <a:buNone/>
-            </a:pPr>
-            <a:r>
-              <a:rPr>
-                <a:solidFill>
-                  <a:srgbClr val="06287E"/>
-                </a:solidFill>
-                <a:latin typeface="Courier"/>
-              </a:rPr>
-              <a:t>head</a:t>
-            </a:r>
-            <a:r>
-              <a:rPr>
-                <a:latin typeface="Courier"/>
-              </a:rPr>
-              <a:t>(fd, </a:t>
-            </a:r>
-            <a:r>
-              <a:rPr>
-                <a:solidFill>
-                  <a:srgbClr val="40A070"/>
-                </a:solidFill>
-                <a:latin typeface="Courier"/>
-              </a:rPr>
-              <a:t>2</a:t>
-            </a:r>
-            <a:r>
-              <a:rPr>
-                <a:latin typeface="Courier"/>
-              </a:rPr>
-              <a:t>)</a:t>
-            </a:r>
-          </a:p>
-          <a:p>
-            <a:pPr lvl="0" indent="0">
-              <a:buNone/>
-            </a:pPr>
-            <a:r>
-              <a:rPr>
-                <a:latin typeface="Courier"/>
-              </a:rPr>
-              <a:t>##   case fat_b fat_s density age     wt
-## 1    1  12.6  12.3  1.0708  23 154.25
-## 2    2   6.9   6.1  1.0853  22 173.25
-##      ht  bmi   ffw neck chest abdomen
-## 1 67.75 23.7 134.9 36.2  93.1    85.2
-## 2 72.25 23.4 161.3 38.5  93.6    83.0
-##    hip thigh knee ankle biceps forearm
-## 1 94.5  59.0 37.3  21.9   32.0    27.4
-## 2 98.7  58.7 37.3  23.4   30.5    28.9
-##   wrist
-## 1  17.1
-## 2  18.2</a:t>
+            <a:pPr lvl="1"/>
+            <a:r>
+              <a:rPr/>
+              <a:t>Rectangular grid</a:t>
+            </a:r>
+          </a:p>
+          <a:p>
+            <a:pPr lvl="1"/>
+            <a:r>
+              <a:rPr/>
+              <a:t>Different types across columns</a:t>
+            </a:r>
+          </a:p>
+          <a:p>
+            <a:pPr lvl="1"/>
+            <a:r>
+              <a:rPr/>
+              <a:t>Single type within a column</a:t>
+            </a:r>
+          </a:p>
+          <a:p>
+            <a:pPr lvl="1"/>
+            <a:r>
+              <a:rPr/>
+              <a:t>Alternative ways to store data</a:t>
+            </a:r>
+          </a:p>
+          <a:p>
+            <a:pPr lvl="2"/>
+            <a:r>
+              <a:rPr/>
+              <a:t>Vector</a:t>
+            </a:r>
+          </a:p>
+          <a:p>
+            <a:pPr lvl="2"/>
+            <a:r>
+              <a:rPr/>
+              <a:t>Matrix</a:t>
+            </a:r>
+          </a:p>
+          <a:p>
+            <a:pPr lvl="2"/>
+            <a:r>
+              <a:rPr/>
+              <a:t>Array</a:t>
+            </a:r>
+          </a:p>
+          <a:p>
+            <a:pPr lvl="2"/>
+            <a:r>
+              <a:rPr/>
+              <a:t>List</a:t>
             </a:r>
           </a:p>
         </p:txBody>
@@ -37793,47 +36986,15 @@
             </a:pPr>
             <a:r>
               <a:rPr/>
-              <a:t>Some</a:t>
-            </a:r>
-            <a:r>
-              <a:rPr/>
-              <a:t> </a:t>
-            </a:r>
-            <a:r>
-              <a:rPr/>
-              <a:t>simple</a:t>
-            </a:r>
-            <a:r>
-              <a:rPr/>
-              <a:t> </a:t>
-            </a:r>
-            <a:r>
-              <a:rPr/>
-              <a:t>rules</a:t>
-            </a:r>
-            <a:r>
-              <a:rPr/>
-              <a:t> </a:t>
-            </a:r>
-            <a:r>
-              <a:rPr/>
-              <a:t>for</a:t>
-            </a:r>
-            <a:r>
-              <a:rPr/>
-              <a:t> </a:t>
-            </a:r>
-            <a:r>
-              <a:rPr/>
-              <a:t>data</a:t>
-            </a:r>
-            <a:r>
-              <a:rPr/>
-              <a:t> </a:t>
-            </a:r>
-            <a:r>
-              <a:rPr/>
-              <a:t>frames</a:t>
+              <a:t>Variable</a:t>
+            </a:r>
+            <a:r>
+              <a:rPr/>
+              <a:t> </a:t>
+            </a:r>
+            <a:r>
+              <a:rPr/>
+              <a:t>names</a:t>
             </a:r>
           </a:p>
         </p:txBody>
@@ -37856,56 +37017,56 @@
             <a:pPr lvl="1"/>
             <a:r>
               <a:rPr/>
-              <a:t>Rectangular grid</a:t>
+              <a:t>Short but descriptive</a:t>
             </a:r>
           </a:p>
           <a:p>
             <a:pPr lvl="1"/>
             <a:r>
               <a:rPr/>
-              <a:t>Different types across columns</a:t>
+              <a:t>Mix of letters and numbers</a:t>
+            </a:r>
+          </a:p>
+          <a:p>
+            <a:pPr lvl="2"/>
+            <a:r>
+              <a:rPr/>
+              <a:t>Must start with a letter</a:t>
+            </a:r>
+          </a:p>
+          <a:p>
+            <a:pPr lvl="2"/>
+            <a:r>
+              <a:rPr/>
+              <a:t>Avoid most symbols</a:t>
             </a:r>
           </a:p>
           <a:p>
             <a:pPr lvl="1"/>
             <a:r>
               <a:rPr/>
-              <a:t>Single type within a column</a:t>
-            </a:r>
-          </a:p>
-          <a:p>
-            <a:pPr lvl="1"/>
-            <a:r>
-              <a:rPr/>
-              <a:t>Alternative ways to store data</a:t>
+              <a:t>No blanks</a:t>
             </a:r>
           </a:p>
           <a:p>
             <a:pPr lvl="2"/>
             <a:r>
               <a:rPr/>
-              <a:t>Vector</a:t>
+              <a:t>CamelCase</a:t>
             </a:r>
           </a:p>
           <a:p>
             <a:pPr lvl="2"/>
             <a:r>
               <a:rPr/>
-              <a:t>Matrix</a:t>
+              <a:t>dot.delimited.names</a:t>
             </a:r>
           </a:p>
           <a:p>
             <a:pPr lvl="2"/>
             <a:r>
               <a:rPr/>
-              <a:t>Array</a:t>
-            </a:r>
-          </a:p>
-          <a:p>
-            <a:pPr lvl="2"/>
-            <a:r>
-              <a:rPr/>
-              <a:t>List</a:t>
+              <a:t>underscore_delimited_names</a:t>
             </a:r>
           </a:p>
         </p:txBody>
@@ -37952,15 +37113,23 @@
             </a:pPr>
             <a:r>
               <a:rPr/>
-              <a:t>Variable</a:t>
-            </a:r>
-            <a:r>
-              <a:rPr/>
-              <a:t> </a:t>
-            </a:r>
-            <a:r>
-              <a:rPr/>
-              <a:t>names</a:t>
+              <a:t>Unusual</a:t>
+            </a:r>
+            <a:r>
+              <a:rPr/>
+              <a:t> </a:t>
+            </a:r>
+            <a:r>
+              <a:rPr/>
+              <a:t>data</a:t>
+            </a:r>
+            <a:r>
+              <a:rPr/>
+              <a:t> </a:t>
+            </a:r>
+            <a:r>
+              <a:rPr/>
+              <a:t>value</a:t>
             </a:r>
           </a:p>
         </p:txBody>
@@ -37980,59 +37149,52 @@
           <a:bodyPr/>
           <a:lstStyle/>
           <a:p>
-            <a:pPr lvl="1"/>
-            <a:r>
-              <a:rPr/>
-              <a:t>Short but descriptive</a:t>
-            </a:r>
-          </a:p>
-          <a:p>
-            <a:pPr lvl="1"/>
-            <a:r>
-              <a:rPr/>
-              <a:t>Mix of letters and numbers</a:t>
-            </a:r>
-          </a:p>
-          <a:p>
-            <a:pPr lvl="2"/>
-            <a:r>
-              <a:rPr/>
-              <a:t>Must start with a letter</a:t>
-            </a:r>
-          </a:p>
-          <a:p>
-            <a:pPr lvl="2"/>
-            <a:r>
-              <a:rPr/>
-              <a:t>Avoid most symbols</a:t>
-            </a:r>
-          </a:p>
-          <a:p>
-            <a:pPr lvl="1"/>
-            <a:r>
-              <a:rPr/>
-              <a:t>No blanks</a:t>
-            </a:r>
-          </a:p>
-          <a:p>
-            <a:pPr lvl="2"/>
-            <a:r>
-              <a:rPr/>
-              <a:t>CamelCase</a:t>
-            </a:r>
-          </a:p>
-          <a:p>
-            <a:pPr lvl="2"/>
-            <a:r>
-              <a:rPr/>
-              <a:t>dot.delimited.names</a:t>
-            </a:r>
-          </a:p>
-          <a:p>
-            <a:pPr lvl="2"/>
-            <a:r>
-              <a:rPr/>
-              <a:t>underscore_delimited_names</a:t>
+            <a:pPr lvl="0" indent="0">
+              <a:buNone/>
+            </a:pPr>
+            <a:r>
+              <a:rPr>
+                <a:solidFill>
+                  <a:srgbClr val="06287E"/>
+                </a:solidFill>
+                <a:latin typeface="Courier"/>
+              </a:rPr>
+              <a:t>summary</a:t>
+            </a:r>
+            <a:r>
+              <a:rPr>
+                <a:latin typeface="Courier"/>
+              </a:rPr>
+              <a:t>(fd</a:t>
+            </a:r>
+            <a:r>
+              <a:rPr>
+                <a:solidFill>
+                  <a:srgbClr val="4070A0"/>
+                </a:solidFill>
+                <a:latin typeface="Courier"/>
+              </a:rPr>
+              <a:t>$</a:t>
+            </a:r>
+            <a:r>
+              <a:rPr>
+                <a:latin typeface="Courier"/>
+              </a:rPr>
+              <a:t>ht)</a:t>
+            </a:r>
+          </a:p>
+          <a:p>
+            <a:pPr lvl="0" indent="0">
+              <a:buNone/>
+            </a:pPr>
+            <a:r>
+              <a:rPr>
+                <a:latin typeface="Courier"/>
+              </a:rPr>
+              <a:t>##    Min. 1st Qu.  Median 
+##   29.50   68.25   70.00 
+##    Mean 3rd Qu.    Max. 
+##   70.15   72.25   77.75</a:t>
             </a:r>
           </a:p>
         </p:txBody>
@@ -38079,23 +37241,15 @@
             </a:pPr>
             <a:r>
               <a:rPr/>
-              <a:t>Unusual</a:t>
-            </a:r>
-            <a:r>
-              <a:rPr/>
-              <a:t> </a:t>
-            </a:r>
-            <a:r>
-              <a:rPr/>
-              <a:t>data</a:t>
-            </a:r>
-            <a:r>
-              <a:rPr/>
-              <a:t> </a:t>
-            </a:r>
-            <a:r>
-              <a:rPr/>
-              <a:t>value</a:t>
+              <a:t>Which</a:t>
+            </a:r>
+            <a:r>
+              <a:rPr/>
+              <a:t> </a:t>
+            </a:r>
+            <a:r>
+              <a:rPr/>
+              <a:t>function</a:t>
             </a:r>
           </a:p>
         </p:txBody>
@@ -38120,12 +37274,33 @@
             </a:pPr>
             <a:r>
               <a:rPr>
+                <a:latin typeface="Courier"/>
+              </a:rPr>
+              <a:t>short_row </a:t>
+            </a:r>
+            <a:r>
+              <a:rPr>
+                <a:solidFill>
+                  <a:srgbClr val="007020"/>
+                </a:solidFill>
+                <a:latin typeface="Courier"/>
+              </a:rPr>
+              <a:t>&lt;-</a:t>
+            </a:r>
+            <a:r>
+              <a:rPr>
+                <a:latin typeface="Courier"/>
+              </a:rPr>
+              <a:t> </a:t>
+            </a:r>
+            <a:r>
+              <a:rPr>
                 <a:solidFill>
                   <a:srgbClr val="06287E"/>
                 </a:solidFill>
                 <a:latin typeface="Courier"/>
               </a:rPr>
-              <a:t>summary</a:t>
+              <a:t>which</a:t>
             </a:r>
             <a:r>
               <a:rPr>
@@ -38146,7 +37321,38 @@
               <a:rPr>
                 <a:latin typeface="Courier"/>
               </a:rPr>
-              <a:t>ht)</a:t>
+              <a:t>ht</a:t>
+            </a:r>
+            <a:r>
+              <a:rPr>
+                <a:solidFill>
+                  <a:srgbClr val="4070A0"/>
+                </a:solidFill>
+                <a:latin typeface="Courier"/>
+              </a:rPr>
+              <a:t>==</a:t>
+            </a:r>
+            <a:r>
+              <a:rPr>
+                <a:solidFill>
+                  <a:srgbClr val="40A070"/>
+                </a:solidFill>
+                <a:latin typeface="Courier"/>
+              </a:rPr>
+              <a:t>29.5</a:t>
+            </a:r>
+            <a:r>
+              <a:rPr>
+                <a:latin typeface="Courier"/>
+              </a:rPr>
+              <a:t>)</a:t>
+            </a:r>
+            <a:br/>
+            <a:r>
+              <a:rPr>
+                <a:latin typeface="Courier"/>
+              </a:rPr>
+              <a:t>short_row</a:t>
             </a:r>
           </a:p>
           <a:p>
@@ -38157,10 +37363,38 @@
               <a:rPr>
                 <a:latin typeface="Courier"/>
               </a:rPr>
-              <a:t>##    Min. 1st Qu.  Median    Mean 3rd Qu. 
-##   29.50   68.25   70.00   70.15   72.25 
-##    Max. 
-##   77.75</a:t>
+              <a:t>## [1] 42</a:t>
+            </a:r>
+          </a:p>
+          <a:p>
+            <a:pPr lvl="0" indent="0">
+              <a:buNone/>
+            </a:pPr>
+            <a:r>
+              <a:rPr>
+                <a:latin typeface="Courier"/>
+              </a:rPr>
+              <a:t>fd[short_row, ]</a:t>
+            </a:r>
+          </a:p>
+          <a:p>
+            <a:pPr lvl="0" indent="0">
+              <a:buNone/>
+            </a:pPr>
+            <a:r>
+              <a:rPr>
+                <a:latin typeface="Courier"/>
+              </a:rPr>
+              <a:t>##    case fat_b fat_s density
+## 42   42  31.7  32.9   1.025
+##    age  wt   ht  bmi   ffw
+## 42  44 205 29.5 29.9 140.1
+##    neck chest abdomen   hip
+## 42 36.6   106   104.3 115.5
+##    thigh knee ankle biceps
+## 42  70.6 42.5  23.7   33.6
+##    forearm wrist
+## 42    28.7  17.4</a:t>
             </a:r>
           </a:p>
         </p:txBody>
@@ -38207,15 +37441,23 @@
             </a:pPr>
             <a:r>
               <a:rPr/>
-              <a:t>Which</a:t>
-            </a:r>
-            <a:r>
-              <a:rPr/>
-              <a:t> </a:t>
-            </a:r>
-            <a:r>
-              <a:rPr/>
-              <a:t>function</a:t>
+              <a:t>Remove</a:t>
+            </a:r>
+            <a:r>
+              <a:rPr/>
+              <a:t> </a:t>
+            </a:r>
+            <a:r>
+              <a:rPr/>
+              <a:t>the</a:t>
+            </a:r>
+            <a:r>
+              <a:rPr/>
+              <a:t> </a:t>
+            </a:r>
+            <a:r>
+              <a:rPr/>
+              <a:t>outlier</a:t>
             </a:r>
           </a:p>
         </p:txBody>
@@ -38242,7 +37484,7 @@
               <a:rPr>
                 <a:latin typeface="Courier"/>
               </a:rPr>
-              <a:t>short_row </a:t>
+              <a:t>fd1 </a:t>
             </a:r>
             <a:r>
               <a:rPr>
@@ -38257,8 +37499,24 @@
               <a:rPr>
                 <a:latin typeface="Courier"/>
               </a:rPr>
-              <a:t> </a:t>
-            </a:r>
+              <a:t> fd[</a:t>
+            </a:r>
+            <a:r>
+              <a:rPr>
+                <a:solidFill>
+                  <a:srgbClr val="4070A0"/>
+                </a:solidFill>
+                <a:latin typeface="Courier"/>
+              </a:rPr>
+              <a:t>-</a:t>
+            </a:r>
+            <a:r>
+              <a:rPr>
+                <a:latin typeface="Courier"/>
+              </a:rPr>
+              <a:t>short_row, ]</a:t>
+            </a:r>
+            <a:br/>
             <a:r>
               <a:rPr>
                 <a:solidFill>
@@ -38266,13 +37524,13 @@
                 </a:solidFill>
                 <a:latin typeface="Courier"/>
               </a:rPr>
-              <a:t>which</a:t>
-            </a:r>
-            <a:r>
-              <a:rPr>
-                <a:latin typeface="Courier"/>
-              </a:rPr>
-              <a:t>(fd</a:t>
+              <a:t>summary</a:t>
+            </a:r>
+            <a:r>
+              <a:rPr>
+                <a:latin typeface="Courier"/>
+              </a:rPr>
+              <a:t>(fd1</a:t>
             </a:r>
             <a:r>
               <a:rPr>
@@ -38287,38 +37545,7 @@
               <a:rPr>
                 <a:latin typeface="Courier"/>
               </a:rPr>
-              <a:t>ht</a:t>
-            </a:r>
-            <a:r>
-              <a:rPr>
-                <a:solidFill>
-                  <a:srgbClr val="4070A0"/>
-                </a:solidFill>
-                <a:latin typeface="Courier"/>
-              </a:rPr>
-              <a:t>==</a:t>
-            </a:r>
-            <a:r>
-              <a:rPr>
-                <a:solidFill>
-                  <a:srgbClr val="40A070"/>
-                </a:solidFill>
-                <a:latin typeface="Courier"/>
-              </a:rPr>
-              <a:t>29.5</a:t>
-            </a:r>
-            <a:r>
-              <a:rPr>
-                <a:latin typeface="Courier"/>
-              </a:rPr>
-              <a:t>)</a:t>
-            </a:r>
-            <a:br/>
-            <a:r>
-              <a:rPr>
-                <a:latin typeface="Courier"/>
-              </a:rPr>
-              <a:t>short_row</a:t>
+              <a:t>ht)</a:t>
             </a:r>
           </a:p>
           <a:p>
@@ -38329,36 +37556,10 @@
               <a:rPr>
                 <a:latin typeface="Courier"/>
               </a:rPr>
-              <a:t>## [1] 42</a:t>
-            </a:r>
-          </a:p>
-          <a:p>
-            <a:pPr lvl="0" indent="0">
-              <a:buNone/>
-            </a:pPr>
-            <a:r>
-              <a:rPr>
-                <a:latin typeface="Courier"/>
-              </a:rPr>
-              <a:t>fd[short_row, ]</a:t>
-            </a:r>
-          </a:p>
-          <a:p>
-            <a:pPr lvl="0" indent="0">
-              <a:buNone/>
-            </a:pPr>
-            <a:r>
-              <a:rPr>
-                <a:latin typeface="Courier"/>
-              </a:rPr>
-              <a:t>##    case fat_b fat_s density age  wt
-## 42   42  31.7  32.9   1.025  44 205
-##      ht  bmi   ffw neck chest abdomen
-## 42 29.5 29.9 140.1 36.6   106   104.3
-##      hip thigh knee ankle biceps
-## 42 115.5  70.6 42.5  23.7   33.6
-##    forearm wrist
-## 42    28.7  17.4</a:t>
+              <a:t>##    Min. 1st Qu.  Median 
+##   64.00   68.25   70.00 
+##    Mean 3rd Qu.    Max. 
+##   70.31   72.25   77.75</a:t>
             </a:r>
           </a:p>
         </p:txBody>
@@ -38536,23 +37737,23 @@
             </a:pPr>
             <a:r>
               <a:rPr/>
-              <a:t>Remove</a:t>
-            </a:r>
-            <a:r>
-              <a:rPr/>
-              <a:t> </a:t>
-            </a:r>
-            <a:r>
-              <a:rPr/>
-              <a:t>the</a:t>
-            </a:r>
-            <a:r>
-              <a:rPr/>
-              <a:t> </a:t>
-            </a:r>
-            <a:r>
-              <a:rPr/>
-              <a:t>outlier</a:t>
+              <a:t>Set</a:t>
+            </a:r>
+            <a:r>
+              <a:rPr/>
+              <a:t> </a:t>
+            </a:r>
+            <a:r>
+              <a:rPr/>
+              <a:t>to</a:t>
+            </a:r>
+            <a:r>
+              <a:rPr/>
+              <a:t> </a:t>
+            </a:r>
+            <a:r>
+              <a:rPr/>
+              <a:t>missing</a:t>
             </a:r>
           </a:p>
         </p:txBody>
@@ -38579,7 +37780,7 @@
               <a:rPr>
                 <a:latin typeface="Courier"/>
               </a:rPr>
-              <a:t>fd1 </a:t>
+              <a:t>fd2 </a:t>
             </a:r>
             <a:r>
               <a:rPr>
@@ -38594,7 +37795,14 @@
               <a:rPr>
                 <a:latin typeface="Courier"/>
               </a:rPr>
-              <a:t> fd[</a:t>
+              <a:t> fd</a:t>
+            </a:r>
+            <a:br/>
+            <a:r>
+              <a:rPr>
+                <a:latin typeface="Courier"/>
+              </a:rPr>
+              <a:t>fd2[short_row,</a:t>
             </a:r>
             <a:r>
               <a:rPr>
@@ -38603,13 +37811,37 @@
                 </a:solidFill>
                 <a:latin typeface="Courier"/>
               </a:rPr>
-              <a:t>-</a:t>
-            </a:r>
-            <a:r>
-              <a:rPr>
-                <a:latin typeface="Courier"/>
-              </a:rPr>
-              <a:t>short_row, ]</a:t>
+              <a:t>"ht"</a:t>
+            </a:r>
+            <a:r>
+              <a:rPr>
+                <a:latin typeface="Courier"/>
+              </a:rPr>
+              <a:t>] </a:t>
+            </a:r>
+            <a:r>
+              <a:rPr>
+                <a:solidFill>
+                  <a:srgbClr val="007020"/>
+                </a:solidFill>
+                <a:latin typeface="Courier"/>
+              </a:rPr>
+              <a:t>&lt;-</a:t>
+            </a:r>
+            <a:r>
+              <a:rPr>
+                <a:latin typeface="Courier"/>
+              </a:rPr>
+              <a:t> </a:t>
+            </a:r>
+            <a:r>
+              <a:rPr>
+                <a:solidFill>
+                  <a:srgbClr val="880000"/>
+                </a:solidFill>
+                <a:latin typeface="Courier"/>
+              </a:rPr>
+              <a:t>NA</a:t>
             </a:r>
             <a:br/>
             <a:r>
@@ -38625,7 +37857,7 @@
               <a:rPr>
                 <a:latin typeface="Courier"/>
               </a:rPr>
-              <a:t>(fd1</a:t>
+              <a:t>(fd2</a:t>
             </a:r>
             <a:r>
               <a:rPr>
@@ -38651,10 +37883,12 @@
               <a:rPr>
                 <a:latin typeface="Courier"/>
               </a:rPr>
-              <a:t>##    Min. 1st Qu.  Median    Mean 3rd Qu. 
-##   64.00   68.25   70.00   70.31   72.25 
-##    Max. 
-##   77.75</a:t>
+              <a:t>##    Min. 1st Qu.  Median 
+##   64.00   68.25   70.00 
+##    Mean 3rd Qu.    Max. 
+##   70.31   72.25   77.75 
+##    NA's 
+##       1</a:t>
             </a:r>
           </a:p>
         </p:txBody>
@@ -38701,23 +37935,15 @@
             </a:pPr>
             <a:r>
               <a:rPr/>
-              <a:t>Set</a:t>
-            </a:r>
-            <a:r>
-              <a:rPr/>
-              <a:t> </a:t>
-            </a:r>
-            <a:r>
-              <a:rPr/>
-              <a:t>to</a:t>
-            </a:r>
-            <a:r>
-              <a:rPr/>
-              <a:t> </a:t>
-            </a:r>
-            <a:r>
-              <a:rPr/>
-              <a:t>missing</a:t>
+              <a:t>Break</a:t>
+            </a:r>
+            <a:r>
+              <a:rPr/>
+              <a:t> </a:t>
+            </a:r>
+            <a:r>
+              <a:rPr/>
+              <a:t>#3</a:t>
             </a:r>
           </a:p>
         </p:txBody>
@@ -38737,120 +37963,52 @@
           <a:bodyPr/>
           <a:lstStyle/>
           <a:p>
-            <a:pPr lvl="0" indent="0">
-              <a:buNone/>
-            </a:pPr>
-            <a:r>
-              <a:rPr>
-                <a:latin typeface="Courier"/>
-              </a:rPr>
-              <a:t>fd2 </a:t>
-            </a:r>
-            <a:r>
-              <a:rPr>
-                <a:solidFill>
-                  <a:srgbClr val="007020"/>
-                </a:solidFill>
-                <a:latin typeface="Courier"/>
-              </a:rPr>
-              <a:t>&lt;-</a:t>
-            </a:r>
-            <a:r>
-              <a:rPr>
-                <a:latin typeface="Courier"/>
-              </a:rPr>
-              <a:t> fd</a:t>
-            </a:r>
-            <a:br/>
-            <a:r>
-              <a:rPr>
-                <a:latin typeface="Courier"/>
-              </a:rPr>
-              <a:t>fd2[short_row,</a:t>
-            </a:r>
-            <a:r>
-              <a:rPr>
-                <a:solidFill>
-                  <a:srgbClr val="4070A0"/>
-                </a:solidFill>
-                <a:latin typeface="Courier"/>
-              </a:rPr>
-              <a:t>"ht"</a:t>
-            </a:r>
-            <a:r>
-              <a:rPr>
-                <a:latin typeface="Courier"/>
-              </a:rPr>
-              <a:t>] </a:t>
-            </a:r>
-            <a:r>
-              <a:rPr>
-                <a:solidFill>
-                  <a:srgbClr val="007020"/>
-                </a:solidFill>
-                <a:latin typeface="Courier"/>
-              </a:rPr>
-              <a:t>&lt;-</a:t>
-            </a:r>
-            <a:r>
-              <a:rPr>
-                <a:latin typeface="Courier"/>
-              </a:rPr>
-              <a:t> </a:t>
-            </a:r>
-            <a:r>
-              <a:rPr>
-                <a:solidFill>
-                  <a:srgbClr val="880000"/>
-                </a:solidFill>
-                <a:latin typeface="Courier"/>
-              </a:rPr>
-              <a:t>NA</a:t>
-            </a:r>
-            <a:br/>
-            <a:r>
-              <a:rPr>
-                <a:solidFill>
-                  <a:srgbClr val="06287E"/>
-                </a:solidFill>
-                <a:latin typeface="Courier"/>
-              </a:rPr>
-              <a:t>summary</a:t>
-            </a:r>
-            <a:r>
-              <a:rPr>
-                <a:latin typeface="Courier"/>
-              </a:rPr>
-              <a:t>(fd2</a:t>
-            </a:r>
-            <a:r>
-              <a:rPr>
-                <a:solidFill>
-                  <a:srgbClr val="4070A0"/>
-                </a:solidFill>
-                <a:latin typeface="Courier"/>
-              </a:rPr>
-              <a:t>$</a:t>
-            </a:r>
-            <a:r>
-              <a:rPr>
-                <a:latin typeface="Courier"/>
-              </a:rPr>
-              <a:t>ht)</a:t>
-            </a:r>
-          </a:p>
-          <a:p>
-            <a:pPr lvl="0" indent="0">
-              <a:buNone/>
-            </a:pPr>
-            <a:r>
-              <a:rPr>
-                <a:latin typeface="Courier"/>
-              </a:rPr>
-              <a:t>##    Min. 1st Qu.  Median    Mean 3rd Qu. 
-##   64.00   68.25   70.00   70.31   72.25 
-##    Max.    NA's 
-##   77.75       1</a:t>
+            <a:pPr lvl="1"/>
+            <a:r>
+              <a:rPr/>
+              <a:t>What have you learned</a:t>
+            </a:r>
+          </a:p>
+          <a:p>
+            <a:pPr lvl="2"/>
+            <a:r>
+              <a:rPr/>
+              <a:t>Definitions of categorical and continuous data</a:t>
+            </a:r>
+          </a:p>
+          <a:p>
+            <a:pPr lvl="2"/>
+            <a:r>
+              <a:rPr/>
+              <a:t>The “fat” data set</a:t>
+            </a:r>
+          </a:p>
+          <a:p>
+            <a:pPr lvl="2"/>
+            <a:r>
+              <a:rPr/>
+              <a:t>Outliers and missing values</a:t>
+            </a:r>
+          </a:p>
+          <a:p>
+            <a:pPr lvl="1"/>
+            <a:r>
+              <a:rPr/>
+              <a:t>What is coming next</a:t>
+            </a:r>
+          </a:p>
+          <a:p>
+            <a:pPr lvl="2"/>
+            <a:r>
+              <a:rPr/>
+              <a:t>Tracking missing values</a:t>
+            </a:r>
+          </a:p>
+          <a:p>
+            <a:pPr lvl="2"/>
+            <a:r>
+              <a:rPr/>
+              <a:t>Histograms</a:t>
             </a:r>
           </a:p>
         </p:txBody>
@@ -38897,15 +38055,39 @@
             </a:pPr>
             <a:r>
               <a:rPr/>
-              <a:t>Break</a:t>
-            </a:r>
-            <a:r>
-              <a:rPr/>
-              <a:t> </a:t>
-            </a:r>
-            <a:r>
-              <a:rPr/>
-              <a:t>#3</a:t>
+              <a:t>You</a:t>
+            </a:r>
+            <a:r>
+              <a:rPr/>
+              <a:t> </a:t>
+            </a:r>
+            <a:r>
+              <a:rPr/>
+              <a:t>cannot</a:t>
+            </a:r>
+            <a:r>
+              <a:rPr/>
+              <a:t> </a:t>
+            </a:r>
+            <a:r>
+              <a:rPr/>
+              <a:t>test</a:t>
+            </a:r>
+            <a:r>
+              <a:rPr/>
+              <a:t> </a:t>
+            </a:r>
+            <a:r>
+              <a:rPr/>
+              <a:t>missingness</a:t>
+            </a:r>
+            <a:r>
+              <a:rPr/>
+              <a:t> </a:t>
+            </a:r>
+            <a:r>
+              <a:rPr/>
+              <a:t>directly</a:t>
             </a:r>
           </a:p>
         </p:txBody>
@@ -38925,52 +38107,73 @@
           <a:bodyPr/>
           <a:lstStyle/>
           <a:p>
-            <a:pPr lvl="1"/>
-            <a:r>
-              <a:rPr/>
-              <a:t>What have you learned</a:t>
-            </a:r>
-          </a:p>
-          <a:p>
-            <a:pPr lvl="2"/>
-            <a:r>
-              <a:rPr/>
-              <a:t>Definitions of categorical and continuous data</a:t>
-            </a:r>
-          </a:p>
-          <a:p>
-            <a:pPr lvl="2"/>
-            <a:r>
-              <a:rPr/>
-              <a:t>The “fat” data set</a:t>
-            </a:r>
-          </a:p>
-          <a:p>
-            <a:pPr lvl="2"/>
-            <a:r>
-              <a:rPr/>
-              <a:t>Outliers and missing values</a:t>
-            </a:r>
-          </a:p>
-          <a:p>
-            <a:pPr lvl="1"/>
-            <a:r>
-              <a:rPr/>
-              <a:t>What is coming next</a:t>
-            </a:r>
-          </a:p>
-          <a:p>
-            <a:pPr lvl="2"/>
-            <a:r>
-              <a:rPr/>
-              <a:t>Tracking missing values</a:t>
-            </a:r>
-          </a:p>
-          <a:p>
-            <a:pPr lvl="2"/>
-            <a:r>
-              <a:rPr/>
-              <a:t>Histograms</a:t>
+            <a:pPr lvl="0" indent="0">
+              <a:buNone/>
+            </a:pPr>
+            <a:r>
+              <a:rPr>
+                <a:solidFill>
+                  <a:srgbClr val="06287E"/>
+                </a:solidFill>
+                <a:latin typeface="Courier"/>
+              </a:rPr>
+              <a:t>which</a:t>
+            </a:r>
+            <a:r>
+              <a:rPr>
+                <a:latin typeface="Courier"/>
+              </a:rPr>
+              <a:t>(fd2</a:t>
+            </a:r>
+            <a:r>
+              <a:rPr>
+                <a:solidFill>
+                  <a:srgbClr val="4070A0"/>
+                </a:solidFill>
+                <a:latin typeface="Courier"/>
+              </a:rPr>
+              <a:t>$</a:t>
+            </a:r>
+            <a:r>
+              <a:rPr>
+                <a:latin typeface="Courier"/>
+              </a:rPr>
+              <a:t>ht</a:t>
+            </a:r>
+            <a:r>
+              <a:rPr>
+                <a:solidFill>
+                  <a:srgbClr val="4070A0"/>
+                </a:solidFill>
+                <a:latin typeface="Courier"/>
+              </a:rPr>
+              <a:t>==</a:t>
+            </a:r>
+            <a:r>
+              <a:rPr>
+                <a:solidFill>
+                  <a:srgbClr val="880000"/>
+                </a:solidFill>
+                <a:latin typeface="Courier"/>
+              </a:rPr>
+              <a:t>NA</a:t>
+            </a:r>
+            <a:r>
+              <a:rPr>
+                <a:latin typeface="Courier"/>
+              </a:rPr>
+              <a:t>)</a:t>
+            </a:r>
+          </a:p>
+          <a:p>
+            <a:pPr lvl="0" indent="0">
+              <a:buNone/>
+            </a:pPr>
+            <a:r>
+              <a:rPr>
+                <a:latin typeface="Courier"/>
+              </a:rPr>
+              <a:t>## integer(0)</a:t>
             </a:r>
           </a:p>
         </p:txBody>
@@ -39017,15 +38220,23 @@
             </a:pPr>
             <a:r>
               <a:rPr/>
-              <a:t>You</a:t>
-            </a:r>
-            <a:r>
-              <a:rPr/>
-              <a:t> </a:t>
-            </a:r>
-            <a:r>
-              <a:rPr/>
-              <a:t>cannot</a:t>
+              <a:t>Use</a:t>
+            </a:r>
+            <a:r>
+              <a:rPr/>
+              <a:t> </a:t>
+            </a:r>
+            <a:r>
+              <a:rPr/>
+              <a:t>is.na</a:t>
+            </a:r>
+            <a:r>
+              <a:rPr/>
+              <a:t> </a:t>
+            </a:r>
+            <a:r>
+              <a:rPr/>
+              <a:t>to</a:t>
             </a:r>
             <a:r>
               <a:rPr/>
@@ -39042,14 +38253,6 @@
             <a:r>
               <a:rPr/>
               <a:t>missingness</a:t>
-            </a:r>
-            <a:r>
-              <a:rPr/>
-              <a:t> </a:t>
-            </a:r>
-            <a:r>
-              <a:rPr/>
-              <a:t>directly</a:t>
             </a:r>
           </a:p>
         </p:txBody>
@@ -39085,6 +38288,21 @@
               <a:rPr>
                 <a:latin typeface="Courier"/>
               </a:rPr>
+              <a:t>(</a:t>
+            </a:r>
+            <a:r>
+              <a:rPr>
+                <a:solidFill>
+                  <a:srgbClr val="06287E"/>
+                </a:solidFill>
+                <a:latin typeface="Courier"/>
+              </a:rPr>
+              <a:t>is.na</a:t>
+            </a:r>
+            <a:r>
+              <a:rPr>
+                <a:latin typeface="Courier"/>
+              </a:rPr>
               <a:t>(fd2</a:t>
             </a:r>
             <a:r>
@@ -39100,7 +38318,38 @@
               <a:rPr>
                 <a:latin typeface="Courier"/>
               </a:rPr>
-              <a:t>ht</a:t>
+              <a:t>ht))</a:t>
+            </a:r>
+          </a:p>
+          <a:p>
+            <a:pPr lvl="0" indent="0">
+              <a:buNone/>
+            </a:pPr>
+            <a:r>
+              <a:rPr>
+                <a:latin typeface="Courier"/>
+              </a:rPr>
+              <a:t>## [1] 42</a:t>
+            </a:r>
+          </a:p>
+          <a:p>
+            <a:pPr lvl="0" indent="0">
+              <a:buNone/>
+            </a:pPr>
+            <a:r>
+              <a:rPr>
+                <a:solidFill>
+                  <a:srgbClr val="06287E"/>
+                </a:solidFill>
+                <a:latin typeface="Courier"/>
+              </a:rPr>
+              <a:t>mean</a:t>
+            </a:r>
+            <a:r>
+              <a:rPr>
+                <a:latin typeface="Courier"/>
+              </a:rPr>
+              <a:t>(fd2</a:t>
             </a:r>
             <a:r>
               <a:rPr>
@@ -39109,22 +38358,13 @@
                 </a:solidFill>
                 <a:latin typeface="Courier"/>
               </a:rPr>
-              <a:t>==</a:t>
-            </a:r>
-            <a:r>
-              <a:rPr>
-                <a:solidFill>
-                  <a:srgbClr val="880000"/>
-                </a:solidFill>
-                <a:latin typeface="Courier"/>
-              </a:rPr>
-              <a:t>NA</a:t>
-            </a:r>
-            <a:r>
-              <a:rPr>
-                <a:latin typeface="Courier"/>
-              </a:rPr>
-              <a:t>)</a:t>
+              <a:t>$</a:t>
+            </a:r>
+            <a:r>
+              <a:rPr>
+                <a:latin typeface="Courier"/>
+              </a:rPr>
+              <a:t>ht)</a:t>
             </a:r>
           </a:p>
           <a:p>
@@ -39135,7 +38375,53 @@
               <a:rPr>
                 <a:latin typeface="Courier"/>
               </a:rPr>
-              <a:t>## integer(0)</a:t>
+              <a:t>## [1] NA</a:t>
+            </a:r>
+          </a:p>
+          <a:p>
+            <a:pPr lvl="0" indent="0">
+              <a:buNone/>
+            </a:pPr>
+            <a:r>
+              <a:rPr>
+                <a:solidFill>
+                  <a:srgbClr val="06287E"/>
+                </a:solidFill>
+                <a:latin typeface="Courier"/>
+              </a:rPr>
+              <a:t>sd</a:t>
+            </a:r>
+            <a:r>
+              <a:rPr>
+                <a:latin typeface="Courier"/>
+              </a:rPr>
+              <a:t>(fd2</a:t>
+            </a:r>
+            <a:r>
+              <a:rPr>
+                <a:solidFill>
+                  <a:srgbClr val="4070A0"/>
+                </a:solidFill>
+                <a:latin typeface="Courier"/>
+              </a:rPr>
+              <a:t>$</a:t>
+            </a:r>
+            <a:r>
+              <a:rPr>
+                <a:latin typeface="Courier"/>
+              </a:rPr>
+              <a:t>ht)</a:t>
+            </a:r>
+          </a:p>
+          <a:p>
+            <a:pPr lvl="0" indent="0">
+              <a:buNone/>
+            </a:pPr>
+            <a:r>
+              <a:rPr>
+                <a:latin typeface="Courier"/>
+              </a:rPr>
+              <a:t>## [1] NA</a:t>
             </a:r>
           </a:p>
         </p:txBody>
@@ -39182,39 +38468,7 @@
             </a:pPr>
             <a:r>
               <a:rPr/>
-              <a:t>Use</a:t>
-            </a:r>
-            <a:r>
-              <a:rPr/>
-              <a:t> </a:t>
-            </a:r>
-            <a:r>
-              <a:rPr/>
-              <a:t>is.na</a:t>
-            </a:r>
-            <a:r>
-              <a:rPr/>
-              <a:t> </a:t>
-            </a:r>
-            <a:r>
-              <a:rPr/>
-              <a:t>to</a:t>
-            </a:r>
-            <a:r>
-              <a:rPr/>
-              <a:t> </a:t>
-            </a:r>
-            <a:r>
-              <a:rPr/>
-              <a:t>test</a:t>
-            </a:r>
-            <a:r>
-              <a:rPr/>
-              <a:t> </a:t>
-            </a:r>
-            <a:r>
-              <a:rPr/>
-              <a:t>missingness</a:t>
+              <a:t>na.rm</a:t>
             </a:r>
           </a:p>
         </p:txBody>
@@ -39244,14 +38498,69 @@
                 </a:solidFill>
                 <a:latin typeface="Courier"/>
               </a:rPr>
-              <a:t>which</a:t>
-            </a:r>
-            <a:r>
-              <a:rPr>
-                <a:latin typeface="Courier"/>
-              </a:rPr>
-              <a:t>(</a:t>
-            </a:r>
+              <a:t>mean</a:t>
+            </a:r>
+            <a:r>
+              <a:rPr>
+                <a:latin typeface="Courier"/>
+              </a:rPr>
+              <a:t>(fd2</a:t>
+            </a:r>
+            <a:r>
+              <a:rPr>
+                <a:solidFill>
+                  <a:srgbClr val="4070A0"/>
+                </a:solidFill>
+                <a:latin typeface="Courier"/>
+              </a:rPr>
+              <a:t>$</a:t>
+            </a:r>
+            <a:r>
+              <a:rPr>
+                <a:latin typeface="Courier"/>
+              </a:rPr>
+              <a:t>ht,</a:t>
+            </a:r>
+            <a:r>
+              <a:rPr>
+                <a:solidFill>
+                  <a:srgbClr val="7D9029"/>
+                </a:solidFill>
+                <a:latin typeface="Courier"/>
+              </a:rPr>
+              <a:t>na.rm=</a:t>
+            </a:r>
+            <a:r>
+              <a:rPr>
+                <a:solidFill>
+                  <a:srgbClr val="880000"/>
+                </a:solidFill>
+                <a:latin typeface="Courier"/>
+              </a:rPr>
+              <a:t>TRUE</a:t>
+            </a:r>
+            <a:r>
+              <a:rPr>
+                <a:latin typeface="Courier"/>
+              </a:rPr>
+              <a:t>)</a:t>
+            </a:r>
+          </a:p>
+          <a:p>
+            <a:pPr lvl="0" indent="0">
+              <a:buNone/>
+            </a:pPr>
+            <a:r>
+              <a:rPr>
+                <a:latin typeface="Courier"/>
+              </a:rPr>
+              <a:t>## [1] 70.31076</a:t>
+            </a:r>
+          </a:p>
+          <a:p>
+            <a:pPr lvl="0" indent="0">
+              <a:buNone/>
+            </a:pPr>
             <a:r>
               <a:rPr>
                 <a:solidFill>
@@ -39259,7 +38568,7 @@
                 </a:solidFill>
                 <a:latin typeface="Courier"/>
               </a:rPr>
-              <a:t>is.na</a:t>
+              <a:t>sd</a:t>
             </a:r>
             <a:r>
               <a:rPr>
@@ -39280,7 +38589,31 @@
               <a:rPr>
                 <a:latin typeface="Courier"/>
               </a:rPr>
-              <a:t>ht))</a:t>
+              <a:t>ht,</a:t>
+            </a:r>
+            <a:r>
+              <a:rPr>
+                <a:solidFill>
+                  <a:srgbClr val="7D9029"/>
+                </a:solidFill>
+                <a:latin typeface="Courier"/>
+              </a:rPr>
+              <a:t>na.rm=</a:t>
+            </a:r>
+            <a:r>
+              <a:rPr>
+                <a:solidFill>
+                  <a:srgbClr val="880000"/>
+                </a:solidFill>
+                <a:latin typeface="Courier"/>
+              </a:rPr>
+              <a:t>TRUE</a:t>
+            </a:r>
+            <a:r>
+              <a:rPr>
+                <a:latin typeface="Courier"/>
+              </a:rPr>
+              <a:t>)</a:t>
             </a:r>
           </a:p>
           <a:p>
@@ -39291,99 +38624,7 @@
               <a:rPr>
                 <a:latin typeface="Courier"/>
               </a:rPr>
-              <a:t>## [1] 42</a:t>
-            </a:r>
-          </a:p>
-          <a:p>
-            <a:pPr lvl="0" indent="0">
-              <a:buNone/>
-            </a:pPr>
-            <a:r>
-              <a:rPr>
-                <a:solidFill>
-                  <a:srgbClr val="06287E"/>
-                </a:solidFill>
-                <a:latin typeface="Courier"/>
-              </a:rPr>
-              <a:t>mean</a:t>
-            </a:r>
-            <a:r>
-              <a:rPr>
-                <a:latin typeface="Courier"/>
-              </a:rPr>
-              <a:t>(fd2</a:t>
-            </a:r>
-            <a:r>
-              <a:rPr>
-                <a:solidFill>
-                  <a:srgbClr val="4070A0"/>
-                </a:solidFill>
-                <a:latin typeface="Courier"/>
-              </a:rPr>
-              <a:t>$</a:t>
-            </a:r>
-            <a:r>
-              <a:rPr>
-                <a:latin typeface="Courier"/>
-              </a:rPr>
-              <a:t>ht)</a:t>
-            </a:r>
-          </a:p>
-          <a:p>
-            <a:pPr lvl="0" indent="0">
-              <a:buNone/>
-            </a:pPr>
-            <a:r>
-              <a:rPr>
-                <a:latin typeface="Courier"/>
-              </a:rPr>
-              <a:t>## [1] NA</a:t>
-            </a:r>
-          </a:p>
-          <a:p>
-            <a:pPr lvl="0" indent="0">
-              <a:buNone/>
-            </a:pPr>
-            <a:r>
-              <a:rPr>
-                <a:solidFill>
-                  <a:srgbClr val="06287E"/>
-                </a:solidFill>
-                <a:latin typeface="Courier"/>
-              </a:rPr>
-              <a:t>sd</a:t>
-            </a:r>
-            <a:r>
-              <a:rPr>
-                <a:latin typeface="Courier"/>
-              </a:rPr>
-              <a:t>(fd2</a:t>
-            </a:r>
-            <a:r>
-              <a:rPr>
-                <a:solidFill>
-                  <a:srgbClr val="4070A0"/>
-                </a:solidFill>
-                <a:latin typeface="Courier"/>
-              </a:rPr>
-              <a:t>$</a:t>
-            </a:r>
-            <a:r>
-              <a:rPr>
-                <a:latin typeface="Courier"/>
-              </a:rPr>
-              <a:t>ht)</a:t>
-            </a:r>
-          </a:p>
-          <a:p>
-            <a:pPr lvl="0" indent="0">
-              <a:buNone/>
-            </a:pPr>
-            <a:r>
-              <a:rPr>
-                <a:latin typeface="Courier"/>
-              </a:rPr>
-              <a:t>## [1] NA</a:t>
+              <a:t>## [1] 2.614296</a:t>
             </a:r>
           </a:p>
         </p:txBody>
@@ -39430,7 +38671,7 @@
             </a:pPr>
             <a:r>
               <a:rPr/>
-              <a:t>na.rm</a:t>
+              <a:t>Histogram</a:t>
             </a:r>
           </a:p>
         </p:txBody>
@@ -39460,13 +38701,80 @@
                 </a:solidFill>
                 <a:latin typeface="Courier"/>
               </a:rPr>
-              <a:t>mean</a:t>
-            </a:r>
-            <a:r>
-              <a:rPr>
-                <a:latin typeface="Courier"/>
-              </a:rPr>
-              <a:t>(fd2</a:t>
+              <a:t>library</a:t>
+            </a:r>
+            <a:r>
+              <a:rPr>
+                <a:latin typeface="Courier"/>
+              </a:rPr>
+              <a:t>(ggplot2)</a:t>
+            </a:r>
+            <a:br/>
+            <a:r>
+              <a:rPr>
+                <a:latin typeface="Courier"/>
+              </a:rPr>
+              <a:t>histogram_default </a:t>
+            </a:r>
+            <a:r>
+              <a:rPr>
+                <a:solidFill>
+                  <a:srgbClr val="007020"/>
+                </a:solidFill>
+                <a:latin typeface="Courier"/>
+              </a:rPr>
+              <a:t>&lt;-</a:t>
+            </a:r>
+            <a:r>
+              <a:rPr>
+                <a:latin typeface="Courier"/>
+              </a:rPr>
+              <a:t> </a:t>
+            </a:r>
+            <a:r>
+              <a:rPr>
+                <a:solidFill>
+                  <a:srgbClr val="06287E"/>
+                </a:solidFill>
+                <a:latin typeface="Courier"/>
+              </a:rPr>
+              <a:t>ggplot</a:t>
+            </a:r>
+            <a:r>
+              <a:rPr>
+                <a:latin typeface="Courier"/>
+              </a:rPr>
+              <a:t>(fd2, </a:t>
+            </a:r>
+            <a:r>
+              <a:rPr>
+                <a:solidFill>
+                  <a:srgbClr val="06287E"/>
+                </a:solidFill>
+                <a:latin typeface="Courier"/>
+              </a:rPr>
+              <a:t>aes</a:t>
+            </a:r>
+            <a:r>
+              <a:rPr>
+                <a:latin typeface="Courier"/>
+              </a:rPr>
+              <a:t>(</a:t>
+            </a:r>
+            <a:r>
+              <a:rPr>
+                <a:solidFill>
+                  <a:srgbClr val="7D9029"/>
+                </a:solidFill>
+                <a:latin typeface="Courier"/>
+              </a:rPr>
+              <a:t>x=</a:t>
+            </a:r>
+            <a:r>
+              <a:rPr>
+                <a:latin typeface="Courier"/>
+              </a:rPr>
+              <a:t>ht)) </a:t>
             </a:r>
             <a:r>
               <a:rPr>
@@ -39475,13 +38783,35 @@
                 </a:solidFill>
                 <a:latin typeface="Courier"/>
               </a:rPr>
-              <a:t>$</a:t>
-            </a:r>
-            <a:r>
-              <a:rPr>
-                <a:latin typeface="Courier"/>
-              </a:rPr>
-              <a:t>ht,</a:t>
+              <a:t>+</a:t>
+            </a:r>
+            <a:r>
+              <a:rPr>
+                <a:latin typeface="Courier"/>
+              </a:rPr>
+              <a:t> </a:t>
+            </a:r>
+            <a:br/>
+            <a:r>
+              <a:rPr>
+                <a:latin typeface="Courier"/>
+              </a:rPr>
+              <a:t>  </a:t>
+            </a:r>
+            <a:r>
+              <a:rPr>
+                <a:solidFill>
+                  <a:srgbClr val="06287E"/>
+                </a:solidFill>
+                <a:latin typeface="Courier"/>
+              </a:rPr>
+              <a:t>geom_histogram</a:t>
+            </a:r>
+            <a:r>
+              <a:rPr>
+                <a:latin typeface="Courier"/>
+              </a:rPr>
+              <a:t>(</a:t>
             </a:r>
             <a:r>
               <a:rPr>
@@ -39490,22 +38820,84 @@
                 </a:solidFill>
                 <a:latin typeface="Courier"/>
               </a:rPr>
-              <a:t>na.rm=</a:t>
+              <a:t>fill=</a:t>
             </a:r>
             <a:r>
               <a:rPr>
                 <a:solidFill>
-                  <a:srgbClr val="880000"/>
+                  <a:srgbClr val="4070A0"/>
                 </a:solidFill>
                 <a:latin typeface="Courier"/>
               </a:rPr>
-              <a:t>TRUE</a:t>
+              <a:t>"white"</a:t>
+            </a:r>
+            <a:r>
+              <a:rPr>
+                <a:latin typeface="Courier"/>
+              </a:rPr>
+              <a:t>, </a:t>
+            </a:r>
+            <a:r>
+              <a:rPr>
+                <a:solidFill>
+                  <a:srgbClr val="7D9029"/>
+                </a:solidFill>
+                <a:latin typeface="Courier"/>
+              </a:rPr>
+              <a:t>color=</a:t>
+            </a:r>
+            <a:r>
+              <a:rPr>
+                <a:solidFill>
+                  <a:srgbClr val="4070A0"/>
+                </a:solidFill>
+                <a:latin typeface="Courier"/>
+              </a:rPr>
+              <a:t>"black"</a:t>
             </a:r>
             <a:r>
               <a:rPr>
                 <a:latin typeface="Courier"/>
               </a:rPr>
               <a:t>)</a:t>
+            </a:r>
+            <a:br/>
+            <a:r>
+              <a:rPr>
+                <a:solidFill>
+                  <a:srgbClr val="06287E"/>
+                </a:solidFill>
+                <a:latin typeface="Courier"/>
+              </a:rPr>
+              <a:t>png</a:t>
+            </a:r>
+            <a:r>
+              <a:rPr>
+                <a:latin typeface="Courier"/>
+              </a:rPr>
+              <a:t>(</a:t>
+            </a:r>
+            <a:r>
+              <a:rPr>
+                <a:solidFill>
+                  <a:srgbClr val="4070A0"/>
+                </a:solidFill>
+                <a:latin typeface="Courier"/>
+              </a:rPr>
+              <a:t>"../images/histogram01.png"</a:t>
+            </a:r>
+            <a:r>
+              <a:rPr>
+                <a:latin typeface="Courier"/>
+              </a:rPr>
+              <a:t>)</a:t>
+            </a:r>
+            <a:br/>
+            <a:r>
+              <a:rPr>
+                <a:latin typeface="Courier"/>
+              </a:rPr>
+              <a:t>histogram_default</a:t>
             </a:r>
           </a:p>
           <a:p>
@@ -39516,7 +38908,9 @@
               <a:rPr>
                 <a:latin typeface="Courier"/>
               </a:rPr>
-              <a:t>## [1] 70.31076</a:t>
+              <a:t>## `stat_bin()` using `bins =
+## 30`. Pick better value
+## with `binwidth`.</a:t>
             </a:r>
           </a:p>
           <a:p>
@@ -39525,57 +38919,31 @@
             </a:pPr>
             <a:r>
               <a:rPr>
+                <a:latin typeface="Courier"/>
+              </a:rPr>
+              <a:t>## Warning: Removed 1 rows containing
+## non-finite values
+## (stat_bin).</a:t>
+            </a:r>
+          </a:p>
+          <a:p>
+            <a:pPr lvl="0" indent="0">
+              <a:buNone/>
+            </a:pPr>
+            <a:r>
+              <a:rPr>
                 <a:solidFill>
                   <a:srgbClr val="06287E"/>
                 </a:solidFill>
                 <a:latin typeface="Courier"/>
               </a:rPr>
-              <a:t>sd</a:t>
-            </a:r>
-            <a:r>
-              <a:rPr>
-                <a:latin typeface="Courier"/>
-              </a:rPr>
-              <a:t>(fd2</a:t>
-            </a:r>
-            <a:r>
-              <a:rPr>
-                <a:solidFill>
-                  <a:srgbClr val="4070A0"/>
-                </a:solidFill>
-                <a:latin typeface="Courier"/>
-              </a:rPr>
-              <a:t>$</a:t>
-            </a:r>
-            <a:r>
-              <a:rPr>
-                <a:latin typeface="Courier"/>
-              </a:rPr>
-              <a:t>ht,</a:t>
-            </a:r>
-            <a:r>
-              <a:rPr>
-                <a:solidFill>
-                  <a:srgbClr val="7D9029"/>
-                </a:solidFill>
-                <a:latin typeface="Courier"/>
-              </a:rPr>
-              <a:t>na.rm=</a:t>
-            </a:r>
-            <a:r>
-              <a:rPr>
-                <a:solidFill>
-                  <a:srgbClr val="880000"/>
-                </a:solidFill>
-                <a:latin typeface="Courier"/>
-              </a:rPr>
-              <a:t>TRUE</a:t>
-            </a:r>
-            <a:r>
-              <a:rPr>
-                <a:latin typeface="Courier"/>
-              </a:rPr>
-              <a:t>)</a:t>
+              <a:t>dev.off</a:t>
+            </a:r>
+            <a:r>
+              <a:rPr>
+                <a:latin typeface="Courier"/>
+              </a:rPr>
+              <a:t>()</a:t>
             </a:r>
           </a:p>
           <a:p>
@@ -39586,7 +38954,8 @@
               <a:rPr>
                 <a:latin typeface="Courier"/>
               </a:rPr>
-              <a:t>## [1] 2.614296</a:t>
+              <a:t>## png 
+##   2</a:t>
             </a:r>
           </a:p>
         </p:txBody>
@@ -39638,335 +39007,6 @@
           </a:p>
         </p:txBody>
       </p:sp>
-      <p:sp>
-        <p:nvSpPr>
-          <p:cNvPr id="3" name="Content Placeholder 2"/>
-          <p:cNvSpPr>
-            <a:spLocks noGrp="1"/>
-          </p:cNvSpPr>
-          <p:nvPr>
-            <p:ph idx="1"/>
-          </p:nvPr>
-        </p:nvSpPr>
-        <p:spPr/>
-        <p:txBody>
-          <a:bodyPr/>
-          <a:lstStyle/>
-          <a:p>
-            <a:pPr lvl="0" indent="0">
-              <a:buNone/>
-            </a:pPr>
-            <a:r>
-              <a:rPr>
-                <a:solidFill>
-                  <a:srgbClr val="06287E"/>
-                </a:solidFill>
-                <a:latin typeface="Courier"/>
-              </a:rPr>
-              <a:t>library</a:t>
-            </a:r>
-            <a:r>
-              <a:rPr>
-                <a:latin typeface="Courier"/>
-              </a:rPr>
-              <a:t>(ggplot2)</a:t>
-            </a:r>
-            <a:br/>
-            <a:r>
-              <a:rPr>
-                <a:latin typeface="Courier"/>
-              </a:rPr>
-              <a:t>histogram_default </a:t>
-            </a:r>
-            <a:r>
-              <a:rPr>
-                <a:solidFill>
-                  <a:srgbClr val="007020"/>
-                </a:solidFill>
-                <a:latin typeface="Courier"/>
-              </a:rPr>
-              <a:t>&lt;-</a:t>
-            </a:r>
-            <a:r>
-              <a:rPr>
-                <a:latin typeface="Courier"/>
-              </a:rPr>
-              <a:t> </a:t>
-            </a:r>
-            <a:r>
-              <a:rPr>
-                <a:solidFill>
-                  <a:srgbClr val="06287E"/>
-                </a:solidFill>
-                <a:latin typeface="Courier"/>
-              </a:rPr>
-              <a:t>ggplot</a:t>
-            </a:r>
-            <a:r>
-              <a:rPr>
-                <a:latin typeface="Courier"/>
-              </a:rPr>
-              <a:t>(fd2, </a:t>
-            </a:r>
-            <a:r>
-              <a:rPr>
-                <a:solidFill>
-                  <a:srgbClr val="06287E"/>
-                </a:solidFill>
-                <a:latin typeface="Courier"/>
-              </a:rPr>
-              <a:t>aes</a:t>
-            </a:r>
-            <a:r>
-              <a:rPr>
-                <a:latin typeface="Courier"/>
-              </a:rPr>
-              <a:t>(</a:t>
-            </a:r>
-            <a:r>
-              <a:rPr>
-                <a:solidFill>
-                  <a:srgbClr val="7D9029"/>
-                </a:solidFill>
-                <a:latin typeface="Courier"/>
-              </a:rPr>
-              <a:t>x=</a:t>
-            </a:r>
-            <a:r>
-              <a:rPr>
-                <a:latin typeface="Courier"/>
-              </a:rPr>
-              <a:t>ht)) </a:t>
-            </a:r>
-            <a:r>
-              <a:rPr>
-                <a:solidFill>
-                  <a:srgbClr val="4070A0"/>
-                </a:solidFill>
-                <a:latin typeface="Courier"/>
-              </a:rPr>
-              <a:t>+</a:t>
-            </a:r>
-            <a:r>
-              <a:rPr>
-                <a:latin typeface="Courier"/>
-              </a:rPr>
-              <a:t> </a:t>
-            </a:r>
-            <a:br/>
-            <a:r>
-              <a:rPr>
-                <a:latin typeface="Courier"/>
-              </a:rPr>
-              <a:t>  </a:t>
-            </a:r>
-            <a:r>
-              <a:rPr>
-                <a:solidFill>
-                  <a:srgbClr val="06287E"/>
-                </a:solidFill>
-                <a:latin typeface="Courier"/>
-              </a:rPr>
-              <a:t>geom_histogram</a:t>
-            </a:r>
-            <a:r>
-              <a:rPr>
-                <a:latin typeface="Courier"/>
-              </a:rPr>
-              <a:t>(</a:t>
-            </a:r>
-            <a:r>
-              <a:rPr>
-                <a:solidFill>
-                  <a:srgbClr val="7D9029"/>
-                </a:solidFill>
-                <a:latin typeface="Courier"/>
-              </a:rPr>
-              <a:t>fill=</a:t>
-            </a:r>
-            <a:r>
-              <a:rPr>
-                <a:solidFill>
-                  <a:srgbClr val="4070A0"/>
-                </a:solidFill>
-                <a:latin typeface="Courier"/>
-              </a:rPr>
-              <a:t>"white"</a:t>
-            </a:r>
-            <a:r>
-              <a:rPr>
-                <a:latin typeface="Courier"/>
-              </a:rPr>
-              <a:t>, </a:t>
-            </a:r>
-            <a:r>
-              <a:rPr>
-                <a:solidFill>
-                  <a:srgbClr val="7D9029"/>
-                </a:solidFill>
-                <a:latin typeface="Courier"/>
-              </a:rPr>
-              <a:t>color=</a:t>
-            </a:r>
-            <a:r>
-              <a:rPr>
-                <a:solidFill>
-                  <a:srgbClr val="4070A0"/>
-                </a:solidFill>
-                <a:latin typeface="Courier"/>
-              </a:rPr>
-              <a:t>"black"</a:t>
-            </a:r>
-            <a:r>
-              <a:rPr>
-                <a:latin typeface="Courier"/>
-              </a:rPr>
-              <a:t>)</a:t>
-            </a:r>
-            <a:br/>
-            <a:r>
-              <a:rPr>
-                <a:solidFill>
-                  <a:srgbClr val="06287E"/>
-                </a:solidFill>
-                <a:latin typeface="Courier"/>
-              </a:rPr>
-              <a:t>png</a:t>
-            </a:r>
-            <a:r>
-              <a:rPr>
-                <a:latin typeface="Courier"/>
-              </a:rPr>
-              <a:t>(</a:t>
-            </a:r>
-            <a:r>
-              <a:rPr>
-                <a:solidFill>
-                  <a:srgbClr val="4070A0"/>
-                </a:solidFill>
-                <a:latin typeface="Courier"/>
-              </a:rPr>
-              <a:t>"../images/histogram01.png"</a:t>
-            </a:r>
-            <a:r>
-              <a:rPr>
-                <a:latin typeface="Courier"/>
-              </a:rPr>
-              <a:t>)</a:t>
-            </a:r>
-            <a:br/>
-            <a:r>
-              <a:rPr>
-                <a:latin typeface="Courier"/>
-              </a:rPr>
-              <a:t>histogram_default</a:t>
-            </a:r>
-          </a:p>
-          <a:p>
-            <a:pPr lvl="0" indent="0">
-              <a:buNone/>
-            </a:pPr>
-            <a:r>
-              <a:rPr>
-                <a:latin typeface="Courier"/>
-              </a:rPr>
-              <a:t>## `stat_bin()` using `bins = 30`. Pick
-## better value with `binwidth`.</a:t>
-            </a:r>
-          </a:p>
-          <a:p>
-            <a:pPr lvl="0" indent="0">
-              <a:buNone/>
-            </a:pPr>
-            <a:r>
-              <a:rPr>
-                <a:latin typeface="Courier"/>
-              </a:rPr>
-              <a:t>## Warning: Removed 1 rows containing non-finite
-## values (stat_bin).</a:t>
-            </a:r>
-          </a:p>
-          <a:p>
-            <a:pPr lvl="0" indent="0">
-              <a:buNone/>
-            </a:pPr>
-            <a:r>
-              <a:rPr>
-                <a:solidFill>
-                  <a:srgbClr val="06287E"/>
-                </a:solidFill>
-                <a:latin typeface="Courier"/>
-              </a:rPr>
-              <a:t>dev.off</a:t>
-            </a:r>
-            <a:r>
-              <a:rPr>
-                <a:latin typeface="Courier"/>
-              </a:rPr>
-              <a:t>()</a:t>
-            </a:r>
-          </a:p>
-          <a:p>
-            <a:pPr lvl="0" indent="0">
-              <a:buNone/>
-            </a:pPr>
-            <a:r>
-              <a:rPr>
-                <a:latin typeface="Courier"/>
-              </a:rPr>
-              <a:t>## png 
-##   2</a:t>
-            </a:r>
-          </a:p>
-        </p:txBody>
-      </p:sp>
-    </p:spTree>
-  </p:cSld>
-</p:sld>
-</file>
-
-<file path=ppt/slides/slide47.xml><?xml version="1.0" encoding="utf-8"?>
-<p:sld xmlns:a="http://schemas.openxmlformats.org/drawingml/2006/main" xmlns:r="http://schemas.openxmlformats.org/officeDocument/2006/relationships" xmlns:p="http://schemas.openxmlformats.org/presentationml/2006/main">
-  <p:cSld>
-    <p:spTree>
-      <p:nvGrpSpPr>
-        <p:cNvPr id="1" name=""/>
-        <p:cNvGrpSpPr/>
-        <p:nvPr/>
-      </p:nvGrpSpPr>
-      <p:grpSpPr>
-        <a:xfrm>
-          <a:off x="0" y="0"/>
-          <a:ext cx="0" cy="0"/>
-          <a:chOff x="0" y="0"/>
-          <a:chExt cx="0" cy="0"/>
-        </a:xfrm>
-      </p:grpSpPr>
-      <p:sp>
-        <p:nvSpPr>
-          <p:cNvPr id="2" name="Title 1"/>
-          <p:cNvSpPr>
-            <a:spLocks noGrp="1"/>
-          </p:cNvSpPr>
-          <p:nvPr>
-            <p:ph type="title"/>
-          </p:nvPr>
-        </p:nvSpPr>
-        <p:spPr/>
-        <p:txBody>
-          <a:bodyPr/>
-          <a:lstStyle/>
-          <a:p>
-            <a:pPr lvl="0" marL="0" indent="0">
-              <a:buNone/>
-            </a:pPr>
-            <a:r>
-              <a:rPr/>
-              <a:t>Histogram</a:t>
-            </a:r>
-          </a:p>
-        </p:txBody>
-      </p:sp>
       <p:pic>
         <p:nvPicPr>
           <p:cNvPr descr="../images/histogram01.png" id="0" name="Picture 1"/>
@@ -40002,7 +39042,7 @@
 </p:sld>
 </file>
 
-<file path=ppt/slides/slide48.xml><?xml version="1.0" encoding="utf-8"?>
+<file path=ppt/slides/slide47.xml><?xml version="1.0" encoding="utf-8"?>
 <p:sld xmlns:a="http://schemas.openxmlformats.org/drawingml/2006/main" xmlns:r="http://schemas.openxmlformats.org/officeDocument/2006/relationships" xmlns:p="http://schemas.openxmlformats.org/presentationml/2006/main">
   <p:cSld>
     <p:spTree>
@@ -40645,6 +39685,83 @@
           </a:p>
         </p:txBody>
       </p:sp>
+    </p:spTree>
+  </p:cSld>
+</p:sld>
+</file>
+
+<file path=ppt/slides/slide48.xml><?xml version="1.0" encoding="utf-8"?>
+<p:sld xmlns:a="http://schemas.openxmlformats.org/drawingml/2006/main" xmlns:r="http://schemas.openxmlformats.org/officeDocument/2006/relationships" xmlns:p="http://schemas.openxmlformats.org/presentationml/2006/main">
+  <p:cSld>
+    <p:spTree>
+      <p:nvGrpSpPr>
+        <p:cNvPr id="1" name=""/>
+        <p:cNvGrpSpPr/>
+        <p:nvPr/>
+      </p:nvGrpSpPr>
+      <p:grpSpPr>
+        <a:xfrm>
+          <a:off x="0" y="0"/>
+          <a:ext cx="0" cy="0"/>
+          <a:chOff x="0" y="0"/>
+          <a:chExt cx="0" cy="0"/>
+        </a:xfrm>
+      </p:grpSpPr>
+      <p:sp>
+        <p:nvSpPr>
+          <p:cNvPr id="2" name="Title 1"/>
+          <p:cNvSpPr>
+            <a:spLocks noGrp="1"/>
+          </p:cNvSpPr>
+          <p:nvPr>
+            <p:ph type="title"/>
+          </p:nvPr>
+        </p:nvSpPr>
+        <p:spPr/>
+        <p:txBody>
+          <a:bodyPr/>
+          <a:lstStyle/>
+          <a:p>
+            <a:pPr lvl="0" marL="0" indent="0">
+              <a:buNone/>
+            </a:pPr>
+            <a:r>
+              <a:rPr/>
+              <a:t>Histogram</a:t>
+            </a:r>
+          </a:p>
+        </p:txBody>
+      </p:sp>
+      <p:pic>
+        <p:nvPicPr>
+          <p:cNvPr descr="../images/histogram02.png" id="0" name="Picture 1"/>
+          <p:cNvPicPr>
+            <a:picLocks noGrp="1" noChangeAspect="1"/>
+          </p:cNvPicPr>
+          <p:nvPr/>
+        </p:nvPicPr>
+        <p:blipFill>
+          <a:blip r:embed="rId3"/>
+          <a:stretch>
+            <a:fillRect/>
+          </a:stretch>
+        </p:blipFill>
+        <p:spPr bwMode="auto">
+          <a:xfrm>
+            <a:off x="2311400" y="1600200"/>
+            <a:ext cx="4521200" cy="4521200"/>
+          </a:xfrm>
+          <a:prstGeom prst="rect">
+            <a:avLst/>
+          </a:prstGeom>
+          <a:noFill/>
+          <a:ln w="9525">
+            <a:noFill/>
+            <a:headEnd/>
+            <a:tailEnd/>
+          </a:ln>
+        </p:spPr>
+      </p:pic>
     </p:spTree>
   </p:cSld>
 </p:sld>
@@ -40687,41 +39804,77 @@
             </a:pPr>
             <a:r>
               <a:rPr/>
-              <a:t>Histogram</a:t>
+              <a:t>Break</a:t>
+            </a:r>
+            <a:r>
+              <a:rPr/>
+              <a:t> </a:t>
+            </a:r>
+            <a:r>
+              <a:rPr/>
+              <a:t>#4</a:t>
             </a:r>
           </a:p>
         </p:txBody>
       </p:sp>
-      <p:pic>
-        <p:nvPicPr>
-          <p:cNvPr descr="../images/histogram02.png" id="0" name="Picture 1"/>
-          <p:cNvPicPr>
-            <a:picLocks noGrp="1" noChangeAspect="1"/>
-          </p:cNvPicPr>
-          <p:nvPr/>
-        </p:nvPicPr>
-        <p:blipFill>
-          <a:blip r:embed="rId3"/>
-          <a:stretch>
-            <a:fillRect/>
-          </a:stretch>
-        </p:blipFill>
-        <p:spPr bwMode="auto">
-          <a:xfrm>
-            <a:off x="2311400" y="1600200"/>
-            <a:ext cx="4521200" cy="4521200"/>
-          </a:xfrm>
-          <a:prstGeom prst="rect">
-            <a:avLst/>
-          </a:prstGeom>
-          <a:noFill/>
-          <a:ln w="9525">
-            <a:noFill/>
-            <a:headEnd/>
-            <a:tailEnd/>
-          </a:ln>
-        </p:spPr>
-      </p:pic>
+      <p:sp>
+        <p:nvSpPr>
+          <p:cNvPr id="3" name="Content Placeholder 2"/>
+          <p:cNvSpPr>
+            <a:spLocks noGrp="1"/>
+          </p:cNvSpPr>
+          <p:nvPr>
+            <p:ph idx="1"/>
+          </p:nvPr>
+        </p:nvSpPr>
+        <p:spPr/>
+        <p:txBody>
+          <a:bodyPr/>
+          <a:lstStyle/>
+          <a:p>
+            <a:pPr lvl="1"/>
+            <a:r>
+              <a:rPr/>
+              <a:t>What have you learned</a:t>
+            </a:r>
+          </a:p>
+          <a:p>
+            <a:pPr lvl="2"/>
+            <a:r>
+              <a:rPr/>
+              <a:t>Tracking missing values</a:t>
+            </a:r>
+          </a:p>
+          <a:p>
+            <a:pPr lvl="2"/>
+            <a:r>
+              <a:rPr/>
+              <a:t>Histograms</a:t>
+            </a:r>
+          </a:p>
+          <a:p>
+            <a:pPr lvl="1"/>
+            <a:r>
+              <a:rPr/>
+              <a:t>What is coming next</a:t>
+            </a:r>
+          </a:p>
+          <a:p>
+            <a:pPr lvl="2"/>
+            <a:r>
+              <a:rPr/>
+              <a:t>Correlations</a:t>
+            </a:r>
+          </a:p>
+          <a:p>
+            <a:pPr lvl="2"/>
+            <a:r>
+              <a:rPr/>
+              <a:t>Scatterplots</a:t>
+            </a:r>
+          </a:p>
+        </p:txBody>
+      </p:sp>
     </p:spTree>
   </p:cSld>
 </p:sld>
@@ -40895,15 +40048,15 @@
             </a:pPr>
             <a:r>
               <a:rPr/>
-              <a:t>Break</a:t>
-            </a:r>
-            <a:r>
-              <a:rPr/>
-              <a:t> </a:t>
-            </a:r>
-            <a:r>
-              <a:rPr/>
-              <a:t>#4</a:t>
+              <a:t>Correlation</a:t>
+            </a:r>
+            <a:r>
+              <a:rPr/>
+              <a:t> </a:t>
+            </a:r>
+            <a:r>
+              <a:rPr/>
+              <a:t>coefficients</a:t>
             </a:r>
           </a:p>
         </p:txBody>
@@ -40926,42 +40079,49 @@
             <a:pPr lvl="1"/>
             <a:r>
               <a:rPr/>
-              <a:t>What have you learned</a:t>
+              <a:t>Correlation</a:t>
             </a:r>
           </a:p>
           <a:p>
             <a:pPr lvl="2"/>
             <a:r>
               <a:rPr/>
-              <a:t>Tracking missing values</a:t>
+              <a:t>Always between -1 and 1</a:t>
             </a:r>
           </a:p>
           <a:p>
             <a:pPr lvl="2"/>
             <a:r>
               <a:rPr/>
-              <a:t>Histograms</a:t>
-            </a:r>
-          </a:p>
-          <a:p>
-            <a:pPr lvl="1"/>
-            <a:r>
-              <a:rPr/>
-              <a:t>What is coming next</a:t>
+              <a:t>Strong positive if &gt; 0.7</a:t>
             </a:r>
           </a:p>
           <a:p>
             <a:pPr lvl="2"/>
             <a:r>
               <a:rPr/>
-              <a:t>Correlations</a:t>
+              <a:t>Strong negative if &lt; -0.7</a:t>
             </a:r>
           </a:p>
           <a:p>
             <a:pPr lvl="2"/>
             <a:r>
               <a:rPr/>
-              <a:t>Scatterplots</a:t>
+              <a:t>Weak positive if between 0.3 and 0.7</a:t>
+            </a:r>
+          </a:p>
+          <a:p>
+            <a:pPr lvl="2"/>
+            <a:r>
+              <a:rPr/>
+              <a:t>Weak negative if between -0.3 and -0.7</a:t>
+            </a:r>
+          </a:p>
+          <a:p>
+            <a:pPr lvl="2"/>
+            <a:r>
+              <a:rPr/>
+              <a:t>No relationship if between -0.3 and 0.3</a:t>
             </a:r>
           </a:p>
         </p:txBody>
@@ -41016,7 +40176,7 @@
             </a:r>
             <a:r>
               <a:rPr/>
-              <a:t>coefficients</a:t>
+              <a:t>coefficient</a:t>
             </a:r>
           </a:p>
         </p:txBody>
@@ -41036,52 +40196,64 @@
           <a:bodyPr/>
           <a:lstStyle/>
           <a:p>
-            <a:pPr lvl="1"/>
-            <a:r>
-              <a:rPr/>
-              <a:t>Correlation</a:t>
-            </a:r>
-          </a:p>
-          <a:p>
-            <a:pPr lvl="2"/>
-            <a:r>
-              <a:rPr/>
-              <a:t>Always between -1 and 1</a:t>
-            </a:r>
-          </a:p>
-          <a:p>
-            <a:pPr lvl="2"/>
-            <a:r>
-              <a:rPr/>
-              <a:t>Strong positive if &gt; 0.7</a:t>
-            </a:r>
-          </a:p>
-          <a:p>
-            <a:pPr lvl="2"/>
-            <a:r>
-              <a:rPr/>
-              <a:t>Strong negative if &lt; -0.7</a:t>
-            </a:r>
-          </a:p>
-          <a:p>
-            <a:pPr lvl="2"/>
-            <a:r>
-              <a:rPr/>
-              <a:t>Weak positive if between 0.3 and 0.7</a:t>
-            </a:r>
-          </a:p>
-          <a:p>
-            <a:pPr lvl="2"/>
-            <a:r>
-              <a:rPr/>
-              <a:t>Weak negative if between -0.3 and -0.7</a:t>
-            </a:r>
-          </a:p>
-          <a:p>
-            <a:pPr lvl="2"/>
-            <a:r>
-              <a:rPr/>
-              <a:t>No relationship if between -0.3 and 0.3</a:t>
+            <a:pPr lvl="0" indent="0">
+              <a:buNone/>
+            </a:pPr>
+            <a:r>
+              <a:rPr>
+                <a:solidFill>
+                  <a:srgbClr val="06287E"/>
+                </a:solidFill>
+                <a:latin typeface="Courier"/>
+              </a:rPr>
+              <a:t>cor</a:t>
+            </a:r>
+            <a:r>
+              <a:rPr>
+                <a:latin typeface="Courier"/>
+              </a:rPr>
+              <a:t>(fd2</a:t>
+            </a:r>
+            <a:r>
+              <a:rPr>
+                <a:solidFill>
+                  <a:srgbClr val="4070A0"/>
+                </a:solidFill>
+                <a:latin typeface="Courier"/>
+              </a:rPr>
+              <a:t>$</a:t>
+            </a:r>
+            <a:r>
+              <a:rPr>
+                <a:latin typeface="Courier"/>
+              </a:rPr>
+              <a:t>fat_b,fd2</a:t>
+            </a:r>
+            <a:r>
+              <a:rPr>
+                <a:solidFill>
+                  <a:srgbClr val="4070A0"/>
+                </a:solidFill>
+                <a:latin typeface="Courier"/>
+              </a:rPr>
+              <a:t>$</a:t>
+            </a:r>
+            <a:r>
+              <a:rPr>
+                <a:latin typeface="Courier"/>
+              </a:rPr>
+              <a:t>age)</a:t>
+            </a:r>
+          </a:p>
+          <a:p>
+            <a:pPr lvl="0" indent="0">
+              <a:buNone/>
+            </a:pPr>
+            <a:r>
+              <a:rPr>
+                <a:latin typeface="Courier"/>
+              </a:rPr>
+              <a:t>## [1] 0.2891735</a:t>
             </a:r>
           </a:p>
         </p:txBody>
@@ -41136,7 +40308,7 @@
             </a:r>
             <a:r>
               <a:rPr/>
-              <a:t>coefficient</a:t>
+              <a:t>matrix</a:t>
             </a:r>
           </a:p>
         </p:txBody>
@@ -41161,6 +40333,27 @@
             </a:pPr>
             <a:r>
               <a:rPr>
+                <a:latin typeface="Courier"/>
+              </a:rPr>
+              <a:t>correlation_matrix </a:t>
+            </a:r>
+            <a:r>
+              <a:rPr>
+                <a:solidFill>
+                  <a:srgbClr val="007020"/>
+                </a:solidFill>
+                <a:latin typeface="Courier"/>
+              </a:rPr>
+              <a:t>&lt;-</a:t>
+            </a:r>
+            <a:r>
+              <a:rPr>
+                <a:latin typeface="Courier"/>
+              </a:rPr>
+              <a:t> </a:t>
+            </a:r>
+            <a:r>
+              <a:rPr>
                 <a:solidFill>
                   <a:srgbClr val="06287E"/>
                 </a:solidFill>
@@ -41172,7 +40365,7 @@
               <a:rPr>
                 <a:latin typeface="Courier"/>
               </a:rPr>
-              <a:t>(fd2</a:t>
+              <a:t>(fd2[ ,</a:t>
             </a:r>
             <a:r>
               <a:rPr>
@@ -41181,13 +40374,69 @@
                 </a:solidFill>
                 <a:latin typeface="Courier"/>
               </a:rPr>
-              <a:t>$</a:t>
-            </a:r>
-            <a:r>
-              <a:rPr>
-                <a:latin typeface="Courier"/>
-              </a:rPr>
-              <a:t>fat_b,fd2</a:t>
+              <a:t>-</a:t>
+            </a:r>
+            <a:r>
+              <a:rPr>
+                <a:solidFill>
+                  <a:srgbClr val="40A070"/>
+                </a:solidFill>
+                <a:latin typeface="Courier"/>
+              </a:rPr>
+              <a:t>1</a:t>
+            </a:r>
+            <a:r>
+              <a:rPr>
+                <a:latin typeface="Courier"/>
+              </a:rPr>
+              <a:t>])</a:t>
+            </a:r>
+            <a:br/>
+            <a:r>
+              <a:rPr>
+                <a:solidFill>
+                  <a:srgbClr val="06287E"/>
+                </a:solidFill>
+                <a:latin typeface="Courier"/>
+              </a:rPr>
+              <a:t>dim</a:t>
+            </a:r>
+            <a:r>
+              <a:rPr>
+                <a:latin typeface="Courier"/>
+              </a:rPr>
+              <a:t>(correlation_matrix)</a:t>
+            </a:r>
+          </a:p>
+          <a:p>
+            <a:pPr lvl="0" indent="0">
+              <a:buNone/>
+            </a:pPr>
+            <a:r>
+              <a:rPr>
+                <a:latin typeface="Courier"/>
+              </a:rPr>
+              <a:t>## [1] 18 18</a:t>
+            </a:r>
+          </a:p>
+          <a:p>
+            <a:pPr lvl="0" indent="0">
+              <a:buNone/>
+            </a:pPr>
+            <a:r>
+              <a:rPr>
+                <a:latin typeface="Courier"/>
+              </a:rPr>
+              <a:t>correlation_matrix[</a:t>
+            </a:r>
+            <a:r>
+              <a:rPr>
+                <a:solidFill>
+                  <a:srgbClr val="40A070"/>
+                </a:solidFill>
+                <a:latin typeface="Courier"/>
+              </a:rPr>
+              <a:t>1</a:t>
             </a:r>
             <a:r>
               <a:rPr>
@@ -41196,13 +40445,55 @@
                 </a:solidFill>
                 <a:latin typeface="Courier"/>
               </a:rPr>
-              <a:t>$</a:t>
-            </a:r>
-            <a:r>
-              <a:rPr>
-                <a:latin typeface="Courier"/>
-              </a:rPr>
-              <a:t>age)</a:t>
+              <a:t>:</a:t>
+            </a:r>
+            <a:r>
+              <a:rPr>
+                <a:solidFill>
+                  <a:srgbClr val="40A070"/>
+                </a:solidFill>
+                <a:latin typeface="Courier"/>
+              </a:rPr>
+              <a:t>8</a:t>
+            </a:r>
+            <a:r>
+              <a:rPr>
+                <a:latin typeface="Courier"/>
+              </a:rPr>
+              <a:t>, </a:t>
+            </a:r>
+            <a:r>
+              <a:rPr>
+                <a:solidFill>
+                  <a:srgbClr val="40A070"/>
+                </a:solidFill>
+                <a:latin typeface="Courier"/>
+              </a:rPr>
+              <a:t>1</a:t>
+            </a:r>
+            <a:r>
+              <a:rPr>
+                <a:solidFill>
+                  <a:srgbClr val="4070A0"/>
+                </a:solidFill>
+                <a:latin typeface="Courier"/>
+              </a:rPr>
+              <a:t>:</a:t>
+            </a:r>
+            <a:r>
+              <a:rPr>
+                <a:solidFill>
+                  <a:srgbClr val="40A070"/>
+                </a:solidFill>
+                <a:latin typeface="Courier"/>
+              </a:rPr>
+              <a:t>2</a:t>
+            </a:r>
+            <a:r>
+              <a:rPr>
+                <a:latin typeface="Courier"/>
+              </a:rPr>
+              <a:t>]</a:t>
             </a:r>
           </a:p>
           <a:p>
@@ -41213,7 +40504,24 @@
               <a:rPr>
                 <a:latin typeface="Courier"/>
               </a:rPr>
-              <a:t>## [1] 0.2891735</a:t>
+              <a:t>##               fat_b
+## fat_b    1.00000000
+## fat_s    0.99974434
+## density -0.98808673
+## age      0.28917352
+## wt       0.61315611
+## ht               NA
+## bmi      0.72799418
+## ffw      0.02013209
+##               fat_s
+## fat_b    0.99974434
+## fat_s    1.00000000
+## density -0.98778240
+## age      0.29145844
+## wt       0.61241400
+## ht               NA
+## bmi      0.72748388
+## ffw      0.01937491</a:t>
             </a:r>
           </a:p>
         </p:txBody>
@@ -41260,265 +40568,6 @@
             </a:pPr>
             <a:r>
               <a:rPr/>
-              <a:t>Correlation</a:t>
-            </a:r>
-            <a:r>
-              <a:rPr/>
-              <a:t> </a:t>
-            </a:r>
-            <a:r>
-              <a:rPr/>
-              <a:t>matrix</a:t>
-            </a:r>
-          </a:p>
-        </p:txBody>
-      </p:sp>
-      <p:sp>
-        <p:nvSpPr>
-          <p:cNvPr id="3" name="Content Placeholder 2"/>
-          <p:cNvSpPr>
-            <a:spLocks noGrp="1"/>
-          </p:cNvSpPr>
-          <p:nvPr>
-            <p:ph idx="1"/>
-          </p:nvPr>
-        </p:nvSpPr>
-        <p:spPr/>
-        <p:txBody>
-          <a:bodyPr/>
-          <a:lstStyle/>
-          <a:p>
-            <a:pPr lvl="0" indent="0">
-              <a:buNone/>
-            </a:pPr>
-            <a:r>
-              <a:rPr>
-                <a:latin typeface="Courier"/>
-              </a:rPr>
-              <a:t>correlation_matrix </a:t>
-            </a:r>
-            <a:r>
-              <a:rPr>
-                <a:solidFill>
-                  <a:srgbClr val="007020"/>
-                </a:solidFill>
-                <a:latin typeface="Courier"/>
-              </a:rPr>
-              <a:t>&lt;-</a:t>
-            </a:r>
-            <a:r>
-              <a:rPr>
-                <a:latin typeface="Courier"/>
-              </a:rPr>
-              <a:t> </a:t>
-            </a:r>
-            <a:r>
-              <a:rPr>
-                <a:solidFill>
-                  <a:srgbClr val="06287E"/>
-                </a:solidFill>
-                <a:latin typeface="Courier"/>
-              </a:rPr>
-              <a:t>cor</a:t>
-            </a:r>
-            <a:r>
-              <a:rPr>
-                <a:latin typeface="Courier"/>
-              </a:rPr>
-              <a:t>(fd2[ ,</a:t>
-            </a:r>
-            <a:r>
-              <a:rPr>
-                <a:solidFill>
-                  <a:srgbClr val="4070A0"/>
-                </a:solidFill>
-                <a:latin typeface="Courier"/>
-              </a:rPr>
-              <a:t>-</a:t>
-            </a:r>
-            <a:r>
-              <a:rPr>
-                <a:solidFill>
-                  <a:srgbClr val="40A070"/>
-                </a:solidFill>
-                <a:latin typeface="Courier"/>
-              </a:rPr>
-              <a:t>1</a:t>
-            </a:r>
-            <a:r>
-              <a:rPr>
-                <a:latin typeface="Courier"/>
-              </a:rPr>
-              <a:t>])</a:t>
-            </a:r>
-            <a:br/>
-            <a:r>
-              <a:rPr>
-                <a:solidFill>
-                  <a:srgbClr val="06287E"/>
-                </a:solidFill>
-                <a:latin typeface="Courier"/>
-              </a:rPr>
-              <a:t>dim</a:t>
-            </a:r>
-            <a:r>
-              <a:rPr>
-                <a:latin typeface="Courier"/>
-              </a:rPr>
-              <a:t>(correlation_matrix)</a:t>
-            </a:r>
-          </a:p>
-          <a:p>
-            <a:pPr lvl="0" indent="0">
-              <a:buNone/>
-            </a:pPr>
-            <a:r>
-              <a:rPr>
-                <a:latin typeface="Courier"/>
-              </a:rPr>
-              <a:t>## [1] 18 18</a:t>
-            </a:r>
-          </a:p>
-          <a:p>
-            <a:pPr lvl="0" indent="0">
-              <a:buNone/>
-            </a:pPr>
-            <a:r>
-              <a:rPr>
-                <a:latin typeface="Courier"/>
-              </a:rPr>
-              <a:t>correlation_matrix[</a:t>
-            </a:r>
-            <a:r>
-              <a:rPr>
-                <a:solidFill>
-                  <a:srgbClr val="40A070"/>
-                </a:solidFill>
-                <a:latin typeface="Courier"/>
-              </a:rPr>
-              <a:t>1</a:t>
-            </a:r>
-            <a:r>
-              <a:rPr>
-                <a:solidFill>
-                  <a:srgbClr val="4070A0"/>
-                </a:solidFill>
-                <a:latin typeface="Courier"/>
-              </a:rPr>
-              <a:t>:</a:t>
-            </a:r>
-            <a:r>
-              <a:rPr>
-                <a:solidFill>
-                  <a:srgbClr val="40A070"/>
-                </a:solidFill>
-                <a:latin typeface="Courier"/>
-              </a:rPr>
-              <a:t>8</a:t>
-            </a:r>
-            <a:r>
-              <a:rPr>
-                <a:latin typeface="Courier"/>
-              </a:rPr>
-              <a:t>, </a:t>
-            </a:r>
-            <a:r>
-              <a:rPr>
-                <a:solidFill>
-                  <a:srgbClr val="40A070"/>
-                </a:solidFill>
-                <a:latin typeface="Courier"/>
-              </a:rPr>
-              <a:t>1</a:t>
-            </a:r>
-            <a:r>
-              <a:rPr>
-                <a:solidFill>
-                  <a:srgbClr val="4070A0"/>
-                </a:solidFill>
-                <a:latin typeface="Courier"/>
-              </a:rPr>
-              <a:t>:</a:t>
-            </a:r>
-            <a:r>
-              <a:rPr>
-                <a:solidFill>
-                  <a:srgbClr val="40A070"/>
-                </a:solidFill>
-                <a:latin typeface="Courier"/>
-              </a:rPr>
-              <a:t>2</a:t>
-            </a:r>
-            <a:r>
-              <a:rPr>
-                <a:latin typeface="Courier"/>
-              </a:rPr>
-              <a:t>]</a:t>
-            </a:r>
-          </a:p>
-          <a:p>
-            <a:pPr lvl="0" indent="0">
-              <a:buNone/>
-            </a:pPr>
-            <a:r>
-              <a:rPr>
-                <a:latin typeface="Courier"/>
-              </a:rPr>
-              <a:t>##               fat_b       fat_s
-## fat_b    1.00000000  0.99974434
-## fat_s    0.99974434  1.00000000
-## density -0.98808673 -0.98778240
-## age      0.28917352  0.29145844
-## wt       0.61315611  0.61241400
-## ht               NA          NA
-## bmi      0.72799418  0.72748388
-## ffw      0.02013209  0.01937491</a:t>
-            </a:r>
-          </a:p>
-        </p:txBody>
-      </p:sp>
-    </p:spTree>
-  </p:cSld>
-</p:sld>
-</file>
-
-<file path=ppt/slides/slide54.xml><?xml version="1.0" encoding="utf-8"?>
-<p:sld xmlns:a="http://schemas.openxmlformats.org/drawingml/2006/main" xmlns:r="http://schemas.openxmlformats.org/officeDocument/2006/relationships" xmlns:p="http://schemas.openxmlformats.org/presentationml/2006/main">
-  <p:cSld>
-    <p:spTree>
-      <p:nvGrpSpPr>
-        <p:cNvPr id="1" name=""/>
-        <p:cNvGrpSpPr/>
-        <p:nvPr/>
-      </p:nvGrpSpPr>
-      <p:grpSpPr>
-        <a:xfrm>
-          <a:off x="0" y="0"/>
-          <a:ext cx="0" cy="0"/>
-          <a:chOff x="0" y="0"/>
-          <a:chExt cx="0" cy="0"/>
-        </a:xfrm>
-      </p:grpSpPr>
-      <p:sp>
-        <p:nvSpPr>
-          <p:cNvPr id="2" name="Title 1"/>
-          <p:cNvSpPr>
-            <a:spLocks noGrp="1"/>
-          </p:cNvSpPr>
-          <p:nvPr>
-            <p:ph type="title"/>
-          </p:nvPr>
-        </p:nvSpPr>
-        <p:spPr/>
-        <p:txBody>
-          <a:bodyPr/>
-          <a:lstStyle/>
-          <a:p>
-            <a:pPr lvl="0" marL="0" indent="0">
-              <a:buNone/>
-            </a:pPr>
-            <a:r>
-              <a:rPr/>
               <a:t>Excerpt</a:t>
             </a:r>
             <a:r>
@@ -41591,6 +40640,314 @@
 </p:sld>
 </file>
 
+<file path=ppt/slides/slide54.xml><?xml version="1.0" encoding="utf-8"?>
+<p:sld xmlns:a="http://schemas.openxmlformats.org/drawingml/2006/main" xmlns:r="http://schemas.openxmlformats.org/officeDocument/2006/relationships" xmlns:p="http://schemas.openxmlformats.org/presentationml/2006/main">
+  <p:cSld>
+    <p:spTree>
+      <p:nvGrpSpPr>
+        <p:cNvPr id="1" name=""/>
+        <p:cNvGrpSpPr/>
+        <p:nvPr/>
+      </p:nvGrpSpPr>
+      <p:grpSpPr>
+        <a:xfrm>
+          <a:off x="0" y="0"/>
+          <a:ext cx="0" cy="0"/>
+          <a:chOff x="0" y="0"/>
+          <a:chExt cx="0" cy="0"/>
+        </a:xfrm>
+      </p:grpSpPr>
+      <p:sp>
+        <p:nvSpPr>
+          <p:cNvPr id="2" name="Title 1"/>
+          <p:cNvSpPr>
+            <a:spLocks noGrp="1"/>
+          </p:cNvSpPr>
+          <p:nvPr>
+            <p:ph type="title"/>
+          </p:nvPr>
+        </p:nvSpPr>
+        <p:spPr/>
+        <p:txBody>
+          <a:bodyPr/>
+          <a:lstStyle/>
+          <a:p>
+            <a:pPr lvl="0" marL="0" indent="0">
+              <a:buNone/>
+            </a:pPr>
+            <a:r>
+              <a:rPr/>
+              <a:t>Correlation</a:t>
+            </a:r>
+            <a:r>
+              <a:rPr/>
+              <a:t> </a:t>
+            </a:r>
+            <a:r>
+              <a:rPr/>
+              <a:t>with</a:t>
+            </a:r>
+            <a:r>
+              <a:rPr/>
+              <a:t> </a:t>
+            </a:r>
+            <a:r>
+              <a:rPr/>
+              <a:t>pairwise</a:t>
+            </a:r>
+            <a:r>
+              <a:rPr/>
+              <a:t> </a:t>
+            </a:r>
+            <a:r>
+              <a:rPr/>
+              <a:t>deletion</a:t>
+            </a:r>
+          </a:p>
+        </p:txBody>
+      </p:sp>
+      <p:sp>
+        <p:nvSpPr>
+          <p:cNvPr id="3" name="Content Placeholder 2"/>
+          <p:cNvSpPr>
+            <a:spLocks noGrp="1"/>
+          </p:cNvSpPr>
+          <p:nvPr>
+            <p:ph idx="1"/>
+          </p:nvPr>
+        </p:nvSpPr>
+        <p:spPr/>
+        <p:txBody>
+          <a:bodyPr/>
+          <a:lstStyle/>
+          <a:p>
+            <a:pPr lvl="0" indent="0">
+              <a:buNone/>
+            </a:pPr>
+            <a:r>
+              <a:rPr>
+                <a:latin typeface="Courier"/>
+              </a:rPr>
+              <a:t>correlation_matrix </a:t>
+            </a:r>
+            <a:r>
+              <a:rPr>
+                <a:solidFill>
+                  <a:srgbClr val="007020"/>
+                </a:solidFill>
+                <a:latin typeface="Courier"/>
+              </a:rPr>
+              <a:t>&lt;-</a:t>
+            </a:r>
+            <a:r>
+              <a:rPr>
+                <a:latin typeface="Courier"/>
+              </a:rPr>
+              <a:t> </a:t>
+            </a:r>
+            <a:r>
+              <a:rPr>
+                <a:solidFill>
+                  <a:srgbClr val="06287E"/>
+                </a:solidFill>
+                <a:latin typeface="Courier"/>
+              </a:rPr>
+              <a:t>cor</a:t>
+            </a:r>
+            <a:r>
+              <a:rPr>
+                <a:latin typeface="Courier"/>
+              </a:rPr>
+              <a:t>(fd2[ ,</a:t>
+            </a:r>
+            <a:r>
+              <a:rPr>
+                <a:solidFill>
+                  <a:srgbClr val="4070A0"/>
+                </a:solidFill>
+                <a:latin typeface="Courier"/>
+              </a:rPr>
+              <a:t>-</a:t>
+            </a:r>
+            <a:r>
+              <a:rPr>
+                <a:solidFill>
+                  <a:srgbClr val="40A070"/>
+                </a:solidFill>
+                <a:latin typeface="Courier"/>
+              </a:rPr>
+              <a:t>1</a:t>
+            </a:r>
+            <a:r>
+              <a:rPr>
+                <a:latin typeface="Courier"/>
+              </a:rPr>
+              <a:t>], </a:t>
+            </a:r>
+            <a:r>
+              <a:rPr>
+                <a:solidFill>
+                  <a:srgbClr val="7D9029"/>
+                </a:solidFill>
+                <a:latin typeface="Courier"/>
+              </a:rPr>
+              <a:t>use=</a:t>
+            </a:r>
+            <a:r>
+              <a:rPr>
+                <a:solidFill>
+                  <a:srgbClr val="4070A0"/>
+                </a:solidFill>
+                <a:latin typeface="Courier"/>
+              </a:rPr>
+              <a:t>"pairwise"</a:t>
+            </a:r>
+            <a:r>
+              <a:rPr>
+                <a:latin typeface="Courier"/>
+              </a:rPr>
+              <a:t>)</a:t>
+            </a:r>
+            <a:br/>
+            <a:r>
+              <a:rPr>
+                <a:solidFill>
+                  <a:srgbClr val="06287E"/>
+                </a:solidFill>
+                <a:latin typeface="Courier"/>
+              </a:rPr>
+              <a:t>dim</a:t>
+            </a:r>
+            <a:r>
+              <a:rPr>
+                <a:latin typeface="Courier"/>
+              </a:rPr>
+              <a:t>(correlation_matrix)</a:t>
+            </a:r>
+          </a:p>
+          <a:p>
+            <a:pPr lvl="0" indent="0">
+              <a:buNone/>
+            </a:pPr>
+            <a:r>
+              <a:rPr>
+                <a:latin typeface="Courier"/>
+              </a:rPr>
+              <a:t>## [1] 18 18</a:t>
+            </a:r>
+          </a:p>
+          <a:p>
+            <a:pPr lvl="0" indent="0">
+              <a:buNone/>
+            </a:pPr>
+            <a:r>
+              <a:rPr>
+                <a:latin typeface="Courier"/>
+              </a:rPr>
+              <a:t>correlation_matrix[</a:t>
+            </a:r>
+            <a:r>
+              <a:rPr>
+                <a:solidFill>
+                  <a:srgbClr val="40A070"/>
+                </a:solidFill>
+                <a:latin typeface="Courier"/>
+              </a:rPr>
+              <a:t>1</a:t>
+            </a:r>
+            <a:r>
+              <a:rPr>
+                <a:solidFill>
+                  <a:srgbClr val="4070A0"/>
+                </a:solidFill>
+                <a:latin typeface="Courier"/>
+              </a:rPr>
+              <a:t>:</a:t>
+            </a:r>
+            <a:r>
+              <a:rPr>
+                <a:solidFill>
+                  <a:srgbClr val="40A070"/>
+                </a:solidFill>
+                <a:latin typeface="Courier"/>
+              </a:rPr>
+              <a:t>8</a:t>
+            </a:r>
+            <a:r>
+              <a:rPr>
+                <a:latin typeface="Courier"/>
+              </a:rPr>
+              <a:t>, </a:t>
+            </a:r>
+            <a:r>
+              <a:rPr>
+                <a:solidFill>
+                  <a:srgbClr val="40A070"/>
+                </a:solidFill>
+                <a:latin typeface="Courier"/>
+              </a:rPr>
+              <a:t>1</a:t>
+            </a:r>
+            <a:r>
+              <a:rPr>
+                <a:solidFill>
+                  <a:srgbClr val="4070A0"/>
+                </a:solidFill>
+                <a:latin typeface="Courier"/>
+              </a:rPr>
+              <a:t>:</a:t>
+            </a:r>
+            <a:r>
+              <a:rPr>
+                <a:solidFill>
+                  <a:srgbClr val="40A070"/>
+                </a:solidFill>
+                <a:latin typeface="Courier"/>
+              </a:rPr>
+              <a:t>2</a:t>
+            </a:r>
+            <a:r>
+              <a:rPr>
+                <a:latin typeface="Courier"/>
+              </a:rPr>
+              <a:t>]</a:t>
+            </a:r>
+          </a:p>
+          <a:p>
+            <a:pPr lvl="0" indent="0">
+              <a:buNone/>
+            </a:pPr>
+            <a:r>
+              <a:rPr>
+                <a:latin typeface="Courier"/>
+              </a:rPr>
+              <a:t>##               fat_b
+## fat_b    1.00000000
+## fat_s    0.99974434
+## density -0.98808673
+## age      0.28917352
+## wt       0.61315611
+## ht      -0.02261395
+## bmi      0.72799418
+## ffw      0.02013209
+##               fat_s
+## fat_b    0.99974434
+## fat_s    1.00000000
+## density -0.98778240
+## age      0.29145844
+## wt       0.61241400
+## ht      -0.02338427
+## bmi      0.72748388
+## ffw      0.01937491</a:t>
+            </a:r>
+          </a:p>
+        </p:txBody>
+      </p:sp>
+    </p:spTree>
+  </p:cSld>
+</p:sld>
+</file>
+
 <file path=ppt/slides/slide55.xml><?xml version="1.0" encoding="utf-8"?>
 <p:sld xmlns:a="http://schemas.openxmlformats.org/drawingml/2006/main" xmlns:r="http://schemas.openxmlformats.org/officeDocument/2006/relationships" xmlns:p="http://schemas.openxmlformats.org/presentationml/2006/main">
   <p:cSld>
@@ -41628,31 +40985,31 @@
             </a:pPr>
             <a:r>
               <a:rPr/>
-              <a:t>Correlation</a:t>
-            </a:r>
-            <a:r>
-              <a:rPr/>
-              <a:t> </a:t>
-            </a:r>
-            <a:r>
-              <a:rPr/>
-              <a:t>with</a:t>
-            </a:r>
-            <a:r>
-              <a:rPr/>
-              <a:t> </a:t>
-            </a:r>
-            <a:r>
-              <a:rPr/>
-              <a:t>pairwise</a:t>
-            </a:r>
-            <a:r>
-              <a:rPr/>
-              <a:t> </a:t>
-            </a:r>
-            <a:r>
-              <a:rPr/>
-              <a:t>deletion</a:t>
+              <a:t>Rounding</a:t>
+            </a:r>
+            <a:r>
+              <a:rPr/>
+              <a:t> </a:t>
+            </a:r>
+            <a:r>
+              <a:rPr/>
+              <a:t>a</a:t>
+            </a:r>
+            <a:r>
+              <a:rPr/>
+              <a:t> </a:t>
+            </a:r>
+            <a:r>
+              <a:rPr/>
+              <a:t>correlation</a:t>
+            </a:r>
+            <a:r>
+              <a:rPr/>
+              <a:t> </a:t>
+            </a:r>
+            <a:r>
+              <a:rPr/>
+              <a:t>matrix</a:t>
             </a:r>
           </a:p>
         </p:txBody>
@@ -41677,39 +41034,27 @@
             </a:pPr>
             <a:r>
               <a:rPr>
-                <a:latin typeface="Courier"/>
-              </a:rPr>
-              <a:t>correlation_matrix </a:t>
-            </a:r>
-            <a:r>
-              <a:rPr>
-                <a:solidFill>
-                  <a:srgbClr val="007020"/>
-                </a:solidFill>
-                <a:latin typeface="Courier"/>
-              </a:rPr>
-              <a:t>&lt;-</a:t>
-            </a:r>
-            <a:r>
-              <a:rPr>
-                <a:latin typeface="Courier"/>
-              </a:rPr>
-              <a:t> </a:t>
-            </a:r>
-            <a:r>
-              <a:rPr>
                 <a:solidFill>
                   <a:srgbClr val="06287E"/>
                 </a:solidFill>
                 <a:latin typeface="Courier"/>
               </a:rPr>
-              <a:t>cor</a:t>
-            </a:r>
-            <a:r>
-              <a:rPr>
-                <a:latin typeface="Courier"/>
-              </a:rPr>
-              <a:t>(fd2[ ,</a:t>
+              <a:t>round</a:t>
+            </a:r>
+            <a:r>
+              <a:rPr>
+                <a:latin typeface="Courier"/>
+              </a:rPr>
+              <a:t>(</a:t>
+            </a:r>
+            <a:r>
+              <a:rPr>
+                <a:solidFill>
+                  <a:srgbClr val="40A070"/>
+                </a:solidFill>
+                <a:latin typeface="Courier"/>
+              </a:rPr>
+              <a:t>100</a:t>
             </a:r>
             <a:r>
               <a:rPr>
@@ -41718,7 +41063,13 @@
                 </a:solidFill>
                 <a:latin typeface="Courier"/>
               </a:rPr>
-              <a:t>-</a:t>
+              <a:t>*</a:t>
+            </a:r>
+            <a:r>
+              <a:rPr>
+                <a:latin typeface="Courier"/>
+              </a:rPr>
+              <a:t>correlation_matrix[</a:t>
             </a:r>
             <a:r>
               <a:rPr>
@@ -41727,22 +41078,7 @@
                 </a:solidFill>
                 <a:latin typeface="Courier"/>
               </a:rPr>
-              <a:t>1</a:t>
-            </a:r>
-            <a:r>
-              <a:rPr>
-                <a:latin typeface="Courier"/>
-              </a:rPr>
-              <a:t>], </a:t>
-            </a:r>
-            <a:r>
-              <a:rPr>
-                <a:solidFill>
-                  <a:srgbClr val="7D9029"/>
-                </a:solidFill>
-                <a:latin typeface="Courier"/>
-              </a:rPr>
-              <a:t>use=</a:t>
+              <a:t>9</a:t>
             </a:r>
             <a:r>
               <a:rPr>
@@ -41751,29 +41087,55 @@
                 </a:solidFill>
                 <a:latin typeface="Courier"/>
               </a:rPr>
-              <a:t>"pairwise"</a:t>
-            </a:r>
-            <a:r>
-              <a:rPr>
-                <a:latin typeface="Courier"/>
-              </a:rPr>
-              <a:t>)</a:t>
-            </a:r>
-            <a:br/>
+              <a:t>:</a:t>
+            </a:r>
             <a:r>
               <a:rPr>
                 <a:solidFill>
-                  <a:srgbClr val="06287E"/>
+                  <a:srgbClr val="40A070"/>
                 </a:solidFill>
                 <a:latin typeface="Courier"/>
               </a:rPr>
-              <a:t>dim</a:t>
-            </a:r>
-            <a:r>
-              <a:rPr>
-                <a:latin typeface="Courier"/>
-              </a:rPr>
-              <a:t>(correlation_matrix)</a:t>
+              <a:t>18</a:t>
+            </a:r>
+            <a:r>
+              <a:rPr>
+                <a:latin typeface="Courier"/>
+              </a:rPr>
+              <a:t>, </a:t>
+            </a:r>
+            <a:r>
+              <a:rPr>
+                <a:solidFill>
+                  <a:srgbClr val="40A070"/>
+                </a:solidFill>
+                <a:latin typeface="Courier"/>
+              </a:rPr>
+              <a:t>1</a:t>
+            </a:r>
+            <a:r>
+              <a:rPr>
+                <a:solidFill>
+                  <a:srgbClr val="4070A0"/>
+                </a:solidFill>
+                <a:latin typeface="Courier"/>
+              </a:rPr>
+              <a:t>:</a:t>
+            </a:r>
+            <a:r>
+              <a:rPr>
+                <a:solidFill>
+                  <a:srgbClr val="40A070"/>
+                </a:solidFill>
+                <a:latin typeface="Courier"/>
+              </a:rPr>
+              <a:t>2</a:t>
+            </a:r>
+            <a:r>
+              <a:rPr>
+                <a:latin typeface="Courier"/>
+              </a:rPr>
+              <a:t>])</a:t>
             </a:r>
           </a:p>
           <a:p>
@@ -41784,103 +41146,17 @@
               <a:rPr>
                 <a:latin typeface="Courier"/>
               </a:rPr>
-              <a:t>## [1] 18 18</a:t>
-            </a:r>
-          </a:p>
-          <a:p>
-            <a:pPr lvl="0" indent="0">
-              <a:buNone/>
-            </a:pPr>
-            <a:r>
-              <a:rPr>
-                <a:latin typeface="Courier"/>
-              </a:rPr>
-              <a:t>correlation_matrix[</a:t>
-            </a:r>
-            <a:r>
-              <a:rPr>
-                <a:solidFill>
-                  <a:srgbClr val="40A070"/>
-                </a:solidFill>
-                <a:latin typeface="Courier"/>
-              </a:rPr>
-              <a:t>1</a:t>
-            </a:r>
-            <a:r>
-              <a:rPr>
-                <a:solidFill>
-                  <a:srgbClr val="4070A0"/>
-                </a:solidFill>
-                <a:latin typeface="Courier"/>
-              </a:rPr>
-              <a:t>:</a:t>
-            </a:r>
-            <a:r>
-              <a:rPr>
-                <a:solidFill>
-                  <a:srgbClr val="40A070"/>
-                </a:solidFill>
-                <a:latin typeface="Courier"/>
-              </a:rPr>
-              <a:t>8</a:t>
-            </a:r>
-            <a:r>
-              <a:rPr>
-                <a:latin typeface="Courier"/>
-              </a:rPr>
-              <a:t>, </a:t>
-            </a:r>
-            <a:r>
-              <a:rPr>
-                <a:solidFill>
-                  <a:srgbClr val="40A070"/>
-                </a:solidFill>
-                <a:latin typeface="Courier"/>
-              </a:rPr>
-              <a:t>1</a:t>
-            </a:r>
-            <a:r>
-              <a:rPr>
-                <a:solidFill>
-                  <a:srgbClr val="4070A0"/>
-                </a:solidFill>
-                <a:latin typeface="Courier"/>
-              </a:rPr>
-              <a:t>:</a:t>
-            </a:r>
-            <a:r>
-              <a:rPr>
-                <a:solidFill>
-                  <a:srgbClr val="40A070"/>
-                </a:solidFill>
-                <a:latin typeface="Courier"/>
-              </a:rPr>
-              <a:t>2</a:t>
-            </a:r>
-            <a:r>
-              <a:rPr>
-                <a:latin typeface="Courier"/>
-              </a:rPr>
-              <a:t>]</a:t>
-            </a:r>
-          </a:p>
-          <a:p>
-            <a:pPr lvl="0" indent="0">
-              <a:buNone/>
-            </a:pPr>
-            <a:r>
-              <a:rPr>
-                <a:latin typeface="Courier"/>
-              </a:rPr>
-              <a:t>##               fat_b       fat_s
-## fat_b    1.00000000  0.99974434
-## fat_s    0.99974434  1.00000000
-## density -0.98808673 -0.98778240
-## age      0.28917352  0.29145844
-## wt       0.61315611  0.61241400
-## ht      -0.02261395 -0.02338427
-## bmi      0.72799418  0.72748388
-## ffw      0.02013209  0.01937491</a:t>
+              <a:t>##         fat_b fat_s
+## neck       49    49
+## chest      70    70
+## abdomen    81    81
+## hip        63    63
+## thigh      56    56
+## knee       51    51
+## ankle      27    27
+## biceps     49    49
+## forearm    36    36
+## wrist      35    35</a:t>
             </a:r>
           </a:p>
         </p:txBody>
@@ -41927,31 +41203,39 @@
             </a:pPr>
             <a:r>
               <a:rPr/>
-              <a:t>Rounding</a:t>
-            </a:r>
-            <a:r>
-              <a:rPr/>
-              <a:t> </a:t>
-            </a:r>
-            <a:r>
-              <a:rPr/>
-              <a:t>a</a:t>
-            </a:r>
-            <a:r>
-              <a:rPr/>
-              <a:t> </a:t>
-            </a:r>
-            <a:r>
-              <a:rPr/>
-              <a:t>correlation</a:t>
-            </a:r>
-            <a:r>
-              <a:rPr/>
-              <a:t> </a:t>
-            </a:r>
-            <a:r>
-              <a:rPr/>
-              <a:t>matrix</a:t>
+              <a:t>Another</a:t>
+            </a:r>
+            <a:r>
+              <a:rPr/>
+              <a:t> </a:t>
+            </a:r>
+            <a:r>
+              <a:rPr/>
+              <a:t>interesting</a:t>
+            </a:r>
+            <a:r>
+              <a:rPr/>
+              <a:t> </a:t>
+            </a:r>
+            <a:r>
+              <a:rPr/>
+              <a:t>set</a:t>
+            </a:r>
+            <a:r>
+              <a:rPr/>
+              <a:t> </a:t>
+            </a:r>
+            <a:r>
+              <a:rPr/>
+              <a:t>of</a:t>
+            </a:r>
+            <a:r>
+              <a:rPr/>
+              <a:t> </a:t>
+            </a:r>
+            <a:r>
+              <a:rPr/>
+              <a:t>correlations</a:t>
             </a:r>
           </a:p>
         </p:txBody>
@@ -41976,11 +41260,190 @@
             </a:pPr>
             <a:r>
               <a:rPr>
+                <a:latin typeface="Courier"/>
+              </a:rPr>
+              <a:t>leg.measures </a:t>
+            </a:r>
+            <a:r>
+              <a:rPr>
+                <a:solidFill>
+                  <a:srgbClr val="007020"/>
+                </a:solidFill>
+                <a:latin typeface="Courier"/>
+              </a:rPr>
+              <a:t>&lt;-</a:t>
+            </a:r>
+            <a:r>
+              <a:rPr>
+                <a:latin typeface="Courier"/>
+              </a:rPr>
+              <a:t> </a:t>
+            </a:r>
+            <a:r>
+              <a:rPr>
                 <a:solidFill>
                   <a:srgbClr val="06287E"/>
                 </a:solidFill>
                 <a:latin typeface="Courier"/>
               </a:rPr>
+              <a:t>c</a:t>
+            </a:r>
+            <a:r>
+              <a:rPr>
+                <a:latin typeface="Courier"/>
+              </a:rPr>
+              <a:t>(</a:t>
+            </a:r>
+            <a:r>
+              <a:rPr>
+                <a:solidFill>
+                  <a:srgbClr val="4070A0"/>
+                </a:solidFill>
+                <a:latin typeface="Courier"/>
+              </a:rPr>
+              <a:t>"hip"</a:t>
+            </a:r>
+            <a:r>
+              <a:rPr>
+                <a:latin typeface="Courier"/>
+              </a:rPr>
+              <a:t>,</a:t>
+            </a:r>
+            <a:r>
+              <a:rPr>
+                <a:solidFill>
+                  <a:srgbClr val="4070A0"/>
+                </a:solidFill>
+                <a:latin typeface="Courier"/>
+              </a:rPr>
+              <a:t>"thigh"</a:t>
+            </a:r>
+            <a:r>
+              <a:rPr>
+                <a:latin typeface="Courier"/>
+              </a:rPr>
+              <a:t>,</a:t>
+            </a:r>
+            <a:r>
+              <a:rPr>
+                <a:solidFill>
+                  <a:srgbClr val="4070A0"/>
+                </a:solidFill>
+                <a:latin typeface="Courier"/>
+              </a:rPr>
+              <a:t>"knee"</a:t>
+            </a:r>
+            <a:r>
+              <a:rPr>
+                <a:latin typeface="Courier"/>
+              </a:rPr>
+              <a:t>,</a:t>
+            </a:r>
+            <a:r>
+              <a:rPr>
+                <a:solidFill>
+                  <a:srgbClr val="4070A0"/>
+                </a:solidFill>
+                <a:latin typeface="Courier"/>
+              </a:rPr>
+              <a:t>"ankle"</a:t>
+            </a:r>
+            <a:r>
+              <a:rPr>
+                <a:latin typeface="Courier"/>
+              </a:rPr>
+              <a:t>)</a:t>
+            </a:r>
+            <a:br/>
+            <a:r>
+              <a:rPr>
+                <a:latin typeface="Courier"/>
+              </a:rPr>
+              <a:t>arm.measures </a:t>
+            </a:r>
+            <a:r>
+              <a:rPr>
+                <a:solidFill>
+                  <a:srgbClr val="007020"/>
+                </a:solidFill>
+                <a:latin typeface="Courier"/>
+              </a:rPr>
+              <a:t>&lt;-</a:t>
+            </a:r>
+            <a:r>
+              <a:rPr>
+                <a:latin typeface="Courier"/>
+              </a:rPr>
+              <a:t> </a:t>
+            </a:r>
+            <a:r>
+              <a:rPr>
+                <a:solidFill>
+                  <a:srgbClr val="06287E"/>
+                </a:solidFill>
+                <a:latin typeface="Courier"/>
+              </a:rPr>
+              <a:t>c</a:t>
+            </a:r>
+            <a:r>
+              <a:rPr>
+                <a:latin typeface="Courier"/>
+              </a:rPr>
+              <a:t>(</a:t>
+            </a:r>
+            <a:r>
+              <a:rPr>
+                <a:solidFill>
+                  <a:srgbClr val="4070A0"/>
+                </a:solidFill>
+                <a:latin typeface="Courier"/>
+              </a:rPr>
+              <a:t>"biceps"</a:t>
+            </a:r>
+            <a:r>
+              <a:rPr>
+                <a:latin typeface="Courier"/>
+              </a:rPr>
+              <a:t>,</a:t>
+            </a:r>
+            <a:r>
+              <a:rPr>
+                <a:solidFill>
+                  <a:srgbClr val="4070A0"/>
+                </a:solidFill>
+                <a:latin typeface="Courier"/>
+              </a:rPr>
+              <a:t>"forearm"</a:t>
+            </a:r>
+            <a:r>
+              <a:rPr>
+                <a:latin typeface="Courier"/>
+              </a:rPr>
+              <a:t>,</a:t>
+            </a:r>
+            <a:r>
+              <a:rPr>
+                <a:solidFill>
+                  <a:srgbClr val="4070A0"/>
+                </a:solidFill>
+                <a:latin typeface="Courier"/>
+              </a:rPr>
+              <a:t>"wrist"</a:t>
+            </a:r>
+            <a:r>
+              <a:rPr>
+                <a:latin typeface="Courier"/>
+              </a:rPr>
+              <a:t>)</a:t>
+            </a:r>
+            <a:br/>
+            <a:r>
+              <a:rPr>
+                <a:solidFill>
+                  <a:srgbClr val="06287E"/>
+                </a:solidFill>
+                <a:latin typeface="Courier"/>
+              </a:rPr>
               <a:t>round</a:t>
             </a:r>
             <a:r>
@@ -42009,75 +41472,18 @@
             </a:r>
             <a:r>
               <a:rPr>
-                <a:latin typeface="Courier"/>
-              </a:rPr>
-              <a:t>correlation_matrix[</a:t>
-            </a:r>
-            <a:r>
-              <a:rPr>
                 <a:solidFill>
-                  <a:srgbClr val="40A070"/>
+                  <a:srgbClr val="06287E"/>
                 </a:solidFill>
                 <a:latin typeface="Courier"/>
               </a:rPr>
-              <a:t>9</a:t>
-            </a:r>
-            <a:r>
-              <a:rPr>
-                <a:solidFill>
-                  <a:srgbClr val="4070A0"/>
-                </a:solidFill>
-                <a:latin typeface="Courier"/>
-              </a:rPr>
-              <a:t>:</a:t>
-            </a:r>
-            <a:r>
-              <a:rPr>
-                <a:solidFill>
-                  <a:srgbClr val="40A070"/>
-                </a:solidFill>
-                <a:latin typeface="Courier"/>
-              </a:rPr>
-              <a:t>18</a:t>
-            </a:r>
-            <a:r>
-              <a:rPr>
-                <a:latin typeface="Courier"/>
-              </a:rPr>
-              <a:t>, </a:t>
-            </a:r>
-            <a:r>
-              <a:rPr>
-                <a:solidFill>
-                  <a:srgbClr val="40A070"/>
-                </a:solidFill>
-                <a:latin typeface="Courier"/>
-              </a:rPr>
-              <a:t>1</a:t>
-            </a:r>
-            <a:r>
-              <a:rPr>
-                <a:solidFill>
-                  <a:srgbClr val="4070A0"/>
-                </a:solidFill>
-                <a:latin typeface="Courier"/>
-              </a:rPr>
-              <a:t>:</a:t>
-            </a:r>
-            <a:r>
-              <a:rPr>
-                <a:solidFill>
-                  <a:srgbClr val="40A070"/>
-                </a:solidFill>
-                <a:latin typeface="Courier"/>
-              </a:rPr>
-              <a:t>2</a:t>
-            </a:r>
-            <a:r>
-              <a:rPr>
-                <a:latin typeface="Courier"/>
-              </a:rPr>
-              <a:t>])</a:t>
+              <a:t>cor</a:t>
+            </a:r>
+            <a:r>
+              <a:rPr>
+                <a:latin typeface="Courier"/>
+              </a:rPr>
+              <a:t>(fd2[,leg.measures],fd2[,arm.measures]))</a:t>
             </a:r>
           </a:p>
           <a:p>
@@ -42088,17 +41494,11 @@
               <a:rPr>
                 <a:latin typeface="Courier"/>
               </a:rPr>
-              <a:t>##         fat_b fat_s
-## neck       49    49
-## chest      70    70
-## abdomen    81    81
-## hip        63    63
-## thigh      56    56
-## knee       51    51
-## ankle      27    27
-## biceps     49    49
-## forearm    36    36
-## wrist      35    35</a:t>
+              <a:t>##       biceps forearm wrist
+## hip       74      55    63
+## thigh     76      57    56
+## knee      68      56    66
+## ankle     48      42    57</a:t>
             </a:r>
           </a:p>
         </p:txBody>
@@ -42145,39 +41545,7 @@
             </a:pPr>
             <a:r>
               <a:rPr/>
-              <a:t>Another</a:t>
-            </a:r>
-            <a:r>
-              <a:rPr/>
-              <a:t> </a:t>
-            </a:r>
-            <a:r>
-              <a:rPr/>
-              <a:t>interesting</a:t>
-            </a:r>
-            <a:r>
-              <a:rPr/>
-              <a:t> </a:t>
-            </a:r>
-            <a:r>
-              <a:rPr/>
-              <a:t>set</a:t>
-            </a:r>
-            <a:r>
-              <a:rPr/>
-              <a:t> </a:t>
-            </a:r>
-            <a:r>
-              <a:rPr/>
-              <a:t>of</a:t>
-            </a:r>
-            <a:r>
-              <a:rPr/>
-              <a:t> </a:t>
-            </a:r>
-            <a:r>
-              <a:rPr/>
-              <a:t>correlations</a:t>
+              <a:t>Scatterplot</a:t>
             </a:r>
           </a:p>
         </p:txBody>
@@ -42204,7 +41572,7 @@
               <a:rPr>
                 <a:latin typeface="Courier"/>
               </a:rPr>
-              <a:t>leg.measures </a:t>
+              <a:t>scatterplot_default </a:t>
             </a:r>
             <a:r>
               <a:rPr>
@@ -42228,13 +41596,65 @@
                 </a:solidFill>
                 <a:latin typeface="Courier"/>
               </a:rPr>
-              <a:t>c</a:t>
+              <a:t>ggplot</a:t>
+            </a:r>
+            <a:r>
+              <a:rPr>
+                <a:latin typeface="Courier"/>
+              </a:rPr>
+              <a:t>(fd2,</a:t>
+            </a:r>
+            <a:br/>
+            <a:r>
+              <a:rPr>
+                <a:latin typeface="Courier"/>
+              </a:rPr>
+              <a:t>    </a:t>
+            </a:r>
+            <a:r>
+              <a:rPr>
+                <a:solidFill>
+                  <a:srgbClr val="06287E"/>
+                </a:solidFill>
+                <a:latin typeface="Courier"/>
+              </a:rPr>
+              <a:t>aes</a:t>
             </a:r>
             <a:r>
               <a:rPr>
                 <a:latin typeface="Courier"/>
               </a:rPr>
               <a:t>(</a:t>
+            </a:r>
+            <a:r>
+              <a:rPr>
+                <a:solidFill>
+                  <a:srgbClr val="7D9029"/>
+                </a:solidFill>
+                <a:latin typeface="Courier"/>
+              </a:rPr>
+              <a:t>x=</a:t>
+            </a:r>
+            <a:r>
+              <a:rPr>
+                <a:latin typeface="Courier"/>
+              </a:rPr>
+              <a:t>abdomen, </a:t>
+            </a:r>
+            <a:r>
+              <a:rPr>
+                <a:solidFill>
+                  <a:srgbClr val="7D9029"/>
+                </a:solidFill>
+                <a:latin typeface="Courier"/>
+              </a:rPr>
+              <a:t>y=</a:t>
+            </a:r>
+            <a:r>
+              <a:rPr>
+                <a:latin typeface="Courier"/>
+              </a:rPr>
+              <a:t>fat_b)) </a:t>
             </a:r>
             <a:r>
               <a:rPr>
@@ -42243,13 +41663,54 @@
                 </a:solidFill>
                 <a:latin typeface="Courier"/>
               </a:rPr>
-              <a:t>"hip"</a:t>
-            </a:r>
-            <a:r>
-              <a:rPr>
-                <a:latin typeface="Courier"/>
-              </a:rPr>
-              <a:t>,</a:t>
+              <a:t>+</a:t>
+            </a:r>
+            <a:br/>
+            <a:r>
+              <a:rPr>
+                <a:latin typeface="Courier"/>
+              </a:rPr>
+              <a:t>  </a:t>
+            </a:r>
+            <a:r>
+              <a:rPr>
+                <a:solidFill>
+                  <a:srgbClr val="06287E"/>
+                </a:solidFill>
+                <a:latin typeface="Courier"/>
+              </a:rPr>
+              <a:t>geom_point</a:t>
+            </a:r>
+            <a:r>
+              <a:rPr>
+                <a:latin typeface="Courier"/>
+              </a:rPr>
+              <a:t>()</a:t>
+            </a:r>
+            <a:br/>
+            <a:r>
+              <a:rPr>
+                <a:solidFill>
+                  <a:srgbClr val="06287E"/>
+                </a:solidFill>
+                <a:latin typeface="Courier"/>
+              </a:rPr>
+              <a:t>png</a:t>
+            </a:r>
+            <a:r>
+              <a:rPr>
+                <a:latin typeface="Courier"/>
+              </a:rPr>
+              <a:t>(</a:t>
+            </a:r>
+            <a:r>
+              <a:rPr>
+                <a:solidFill>
+                  <a:srgbClr val="7D9029"/>
+                </a:solidFill>
+                <a:latin typeface="Courier"/>
+              </a:rPr>
+              <a:t>filename=</a:t>
             </a:r>
             <a:r>
               <a:rPr>
@@ -42258,37 +41719,7 @@
                 </a:solidFill>
                 <a:latin typeface="Courier"/>
               </a:rPr>
-              <a:t>"thigh"</a:t>
-            </a:r>
-            <a:r>
-              <a:rPr>
-                <a:latin typeface="Courier"/>
-              </a:rPr>
-              <a:t>,</a:t>
-            </a:r>
-            <a:r>
-              <a:rPr>
-                <a:solidFill>
-                  <a:srgbClr val="4070A0"/>
-                </a:solidFill>
-                <a:latin typeface="Courier"/>
-              </a:rPr>
-              <a:t>"knee"</a:t>
-            </a:r>
-            <a:r>
-              <a:rPr>
-                <a:latin typeface="Courier"/>
-              </a:rPr>
-              <a:t>,</a:t>
-            </a:r>
-            <a:r>
-              <a:rPr>
-                <a:solidFill>
-                  <a:srgbClr val="4070A0"/>
-                </a:solidFill>
-                <a:latin typeface="Courier"/>
-              </a:rPr>
-              <a:t>"ankle"</a:t>
+              <a:t>"../images/scatterplot01.png"</a:t>
             </a:r>
             <a:r>
               <a:rPr>
@@ -42301,23 +41732,9 @@
               <a:rPr>
                 <a:latin typeface="Courier"/>
               </a:rPr>
-              <a:t>arm.measures </a:t>
-            </a:r>
-            <a:r>
-              <a:rPr>
-                <a:solidFill>
-                  <a:srgbClr val="007020"/>
-                </a:solidFill>
-                <a:latin typeface="Courier"/>
-              </a:rPr>
-              <a:t>&lt;-</a:t>
-            </a:r>
-            <a:r>
-              <a:rPr>
-                <a:latin typeface="Courier"/>
-              </a:rPr>
-              <a:t> </a:t>
-            </a:r>
+              <a:t>scatterplot_default</a:t>
+            </a:r>
+            <a:br/>
             <a:r>
               <a:rPr>
                 <a:solidFill>
@@ -42325,107 +41742,13 @@
                 </a:solidFill>
                 <a:latin typeface="Courier"/>
               </a:rPr>
-              <a:t>c</a:t>
-            </a:r>
-            <a:r>
-              <a:rPr>
-                <a:latin typeface="Courier"/>
-              </a:rPr>
-              <a:t>(</a:t>
-            </a:r>
-            <a:r>
-              <a:rPr>
-                <a:solidFill>
-                  <a:srgbClr val="4070A0"/>
-                </a:solidFill>
-                <a:latin typeface="Courier"/>
-              </a:rPr>
-              <a:t>"biceps"</a:t>
-            </a:r>
-            <a:r>
-              <a:rPr>
-                <a:latin typeface="Courier"/>
-              </a:rPr>
-              <a:t>,</a:t>
-            </a:r>
-            <a:r>
-              <a:rPr>
-                <a:solidFill>
-                  <a:srgbClr val="4070A0"/>
-                </a:solidFill>
-                <a:latin typeface="Courier"/>
-              </a:rPr>
-              <a:t>"forearm"</a:t>
-            </a:r>
-            <a:r>
-              <a:rPr>
-                <a:latin typeface="Courier"/>
-              </a:rPr>
-              <a:t>,</a:t>
-            </a:r>
-            <a:r>
-              <a:rPr>
-                <a:solidFill>
-                  <a:srgbClr val="4070A0"/>
-                </a:solidFill>
-                <a:latin typeface="Courier"/>
-              </a:rPr>
-              <a:t>"wrist"</a:t>
-            </a:r>
-            <a:r>
-              <a:rPr>
-                <a:latin typeface="Courier"/>
-              </a:rPr>
-              <a:t>)</a:t>
-            </a:r>
-            <a:br/>
-            <a:r>
-              <a:rPr>
-                <a:solidFill>
-                  <a:srgbClr val="06287E"/>
-                </a:solidFill>
-                <a:latin typeface="Courier"/>
-              </a:rPr>
-              <a:t>round</a:t>
-            </a:r>
-            <a:r>
-              <a:rPr>
-                <a:latin typeface="Courier"/>
-              </a:rPr>
-              <a:t>(</a:t>
-            </a:r>
-            <a:r>
-              <a:rPr>
-                <a:solidFill>
-                  <a:srgbClr val="40A070"/>
-                </a:solidFill>
-                <a:latin typeface="Courier"/>
-              </a:rPr>
-              <a:t>100</a:t>
-            </a:r>
-            <a:r>
-              <a:rPr>
-                <a:solidFill>
-                  <a:srgbClr val="4070A0"/>
-                </a:solidFill>
-                <a:latin typeface="Courier"/>
-              </a:rPr>
-              <a:t>*</a:t>
-            </a:r>
-            <a:r>
-              <a:rPr>
-                <a:solidFill>
-                  <a:srgbClr val="06287E"/>
-                </a:solidFill>
-                <a:latin typeface="Courier"/>
-              </a:rPr>
-              <a:t>cor</a:t>
-            </a:r>
-            <a:r>
-              <a:rPr>
-                <a:latin typeface="Courier"/>
-              </a:rPr>
-              <a:t>(fd2[,leg.measures],fd2[,arm.measures]))</a:t>
+              <a:t>dev.off</a:t>
+            </a:r>
+            <a:r>
+              <a:rPr>
+                <a:latin typeface="Courier"/>
+              </a:rPr>
+              <a:t>()</a:t>
             </a:r>
           </a:p>
           <a:p>
@@ -42436,11 +41759,8 @@
               <a:rPr>
                 <a:latin typeface="Courier"/>
               </a:rPr>
-              <a:t>##       biceps forearm wrist
-## hip       74      55    63
-## thigh     76      57    56
-## knee      68      56    66
-## ankle     48      42    57</a:t>
+              <a:t>## png 
+##   2</a:t>
             </a:r>
           </a:p>
         </p:txBody>
@@ -42487,226 +41807,41 @@
             </a:pPr>
             <a:r>
               <a:rPr/>
-              <a:t>Scatterplot</a:t>
+              <a:t>Scaterrplot</a:t>
             </a:r>
           </a:p>
         </p:txBody>
       </p:sp>
-      <p:sp>
-        <p:nvSpPr>
-          <p:cNvPr id="3" name="Content Placeholder 2"/>
-          <p:cNvSpPr>
-            <a:spLocks noGrp="1"/>
-          </p:cNvSpPr>
-          <p:nvPr>
-            <p:ph idx="1"/>
-          </p:nvPr>
-        </p:nvSpPr>
-        <p:spPr/>
-        <p:txBody>
-          <a:bodyPr/>
-          <a:lstStyle/>
-          <a:p>
-            <a:pPr lvl="0" indent="0">
-              <a:buNone/>
-            </a:pPr>
-            <a:r>
-              <a:rPr>
-                <a:latin typeface="Courier"/>
-              </a:rPr>
-              <a:t>scatterplot_default </a:t>
-            </a:r>
-            <a:r>
-              <a:rPr>
-                <a:solidFill>
-                  <a:srgbClr val="007020"/>
-                </a:solidFill>
-                <a:latin typeface="Courier"/>
-              </a:rPr>
-              <a:t>&lt;-</a:t>
-            </a:r>
-            <a:r>
-              <a:rPr>
-                <a:latin typeface="Courier"/>
-              </a:rPr>
-              <a:t> </a:t>
-            </a:r>
-            <a:r>
-              <a:rPr>
-                <a:solidFill>
-                  <a:srgbClr val="06287E"/>
-                </a:solidFill>
-                <a:latin typeface="Courier"/>
-              </a:rPr>
-              <a:t>ggplot</a:t>
-            </a:r>
-            <a:r>
-              <a:rPr>
-                <a:latin typeface="Courier"/>
-              </a:rPr>
-              <a:t>(fd2,</a:t>
-            </a:r>
-            <a:br/>
-            <a:r>
-              <a:rPr>
-                <a:latin typeface="Courier"/>
-              </a:rPr>
-              <a:t>    </a:t>
-            </a:r>
-            <a:r>
-              <a:rPr>
-                <a:solidFill>
-                  <a:srgbClr val="06287E"/>
-                </a:solidFill>
-                <a:latin typeface="Courier"/>
-              </a:rPr>
-              <a:t>aes</a:t>
-            </a:r>
-            <a:r>
-              <a:rPr>
-                <a:latin typeface="Courier"/>
-              </a:rPr>
-              <a:t>(</a:t>
-            </a:r>
-            <a:r>
-              <a:rPr>
-                <a:solidFill>
-                  <a:srgbClr val="7D9029"/>
-                </a:solidFill>
-                <a:latin typeface="Courier"/>
-              </a:rPr>
-              <a:t>x=</a:t>
-            </a:r>
-            <a:r>
-              <a:rPr>
-                <a:latin typeface="Courier"/>
-              </a:rPr>
-              <a:t>abdomen, </a:t>
-            </a:r>
-            <a:r>
-              <a:rPr>
-                <a:solidFill>
-                  <a:srgbClr val="7D9029"/>
-                </a:solidFill>
-                <a:latin typeface="Courier"/>
-              </a:rPr>
-              <a:t>y=</a:t>
-            </a:r>
-            <a:r>
-              <a:rPr>
-                <a:latin typeface="Courier"/>
-              </a:rPr>
-              <a:t>fat_b)) </a:t>
-            </a:r>
-            <a:r>
-              <a:rPr>
-                <a:solidFill>
-                  <a:srgbClr val="4070A0"/>
-                </a:solidFill>
-                <a:latin typeface="Courier"/>
-              </a:rPr>
-              <a:t>+</a:t>
-            </a:r>
-            <a:br/>
-            <a:r>
-              <a:rPr>
-                <a:latin typeface="Courier"/>
-              </a:rPr>
-              <a:t>  </a:t>
-            </a:r>
-            <a:r>
-              <a:rPr>
-                <a:solidFill>
-                  <a:srgbClr val="06287E"/>
-                </a:solidFill>
-                <a:latin typeface="Courier"/>
-              </a:rPr>
-              <a:t>geom_point</a:t>
-            </a:r>
-            <a:r>
-              <a:rPr>
-                <a:latin typeface="Courier"/>
-              </a:rPr>
-              <a:t>()</a:t>
-            </a:r>
-            <a:br/>
-            <a:r>
-              <a:rPr>
-                <a:solidFill>
-                  <a:srgbClr val="06287E"/>
-                </a:solidFill>
-                <a:latin typeface="Courier"/>
-              </a:rPr>
-              <a:t>png</a:t>
-            </a:r>
-            <a:r>
-              <a:rPr>
-                <a:latin typeface="Courier"/>
-              </a:rPr>
-              <a:t>(</a:t>
-            </a:r>
-            <a:r>
-              <a:rPr>
-                <a:solidFill>
-                  <a:srgbClr val="7D9029"/>
-                </a:solidFill>
-                <a:latin typeface="Courier"/>
-              </a:rPr>
-              <a:t>filename=</a:t>
-            </a:r>
-            <a:r>
-              <a:rPr>
-                <a:solidFill>
-                  <a:srgbClr val="4070A0"/>
-                </a:solidFill>
-                <a:latin typeface="Courier"/>
-              </a:rPr>
-              <a:t>"../images/scatterplot01.png"</a:t>
-            </a:r>
-            <a:r>
-              <a:rPr>
-                <a:latin typeface="Courier"/>
-              </a:rPr>
-              <a:t>)</a:t>
-            </a:r>
-            <a:br/>
-            <a:r>
-              <a:rPr>
-                <a:latin typeface="Courier"/>
-              </a:rPr>
-              <a:t>scatterplot_default</a:t>
-            </a:r>
-            <a:br/>
-            <a:r>
-              <a:rPr>
-                <a:solidFill>
-                  <a:srgbClr val="06287E"/>
-                </a:solidFill>
-                <a:latin typeface="Courier"/>
-              </a:rPr>
-              <a:t>dev.off</a:t>
-            </a:r>
-            <a:r>
-              <a:rPr>
-                <a:latin typeface="Courier"/>
-              </a:rPr>
-              <a:t>()</a:t>
-            </a:r>
-          </a:p>
-          <a:p>
-            <a:pPr lvl="0" indent="0">
-              <a:buNone/>
-            </a:pPr>
-            <a:r>
-              <a:rPr>
-                <a:latin typeface="Courier"/>
-              </a:rPr>
-              <a:t>## png 
-##   2</a:t>
-            </a:r>
-          </a:p>
-        </p:txBody>
-      </p:sp>
+      <p:pic>
+        <p:nvPicPr>
+          <p:cNvPr descr="../images/scatterplot01.png" id="0" name="Picture 1"/>
+          <p:cNvPicPr>
+            <a:picLocks noGrp="1" noChangeAspect="1"/>
+          </p:cNvPicPr>
+          <p:nvPr/>
+        </p:nvPicPr>
+        <p:blipFill>
+          <a:blip r:embed="rId3"/>
+          <a:stretch>
+            <a:fillRect/>
+          </a:stretch>
+        </p:blipFill>
+        <p:spPr bwMode="auto">
+          <a:xfrm>
+            <a:off x="2311400" y="1600200"/>
+            <a:ext cx="4521200" cy="4521200"/>
+          </a:xfrm>
+          <a:prstGeom prst="rect">
+            <a:avLst/>
+          </a:prstGeom>
+          <a:noFill/>
+          <a:ln w="9525">
+            <a:noFill/>
+            <a:headEnd/>
+            <a:tailEnd/>
+          </a:ln>
+        </p:spPr>
+      </p:pic>
     </p:spTree>
   </p:cSld>
 </p:sld>
@@ -42749,41 +41884,290 @@
             </a:pPr>
             <a:r>
               <a:rPr/>
-              <a:t>Scaterrplot</a:t>
+              <a:t>Change</a:t>
+            </a:r>
+            <a:r>
+              <a:rPr/>
+              <a:t> </a:t>
+            </a:r>
+            <a:r>
+              <a:rPr/>
+              <a:t>from</a:t>
+            </a:r>
+            <a:r>
+              <a:rPr/>
+              <a:t> </a:t>
+            </a:r>
+            <a:r>
+              <a:rPr/>
+              <a:t>the</a:t>
+            </a:r>
+            <a:r>
+              <a:rPr/>
+              <a:t> </a:t>
+            </a:r>
+            <a:r>
+              <a:rPr/>
+              <a:t>defaults</a:t>
             </a:r>
           </a:p>
         </p:txBody>
       </p:sp>
-      <p:pic>
-        <p:nvPicPr>
-          <p:cNvPr descr="../images/scatterplot01.png" id="0" name="Picture 1"/>
-          <p:cNvPicPr>
-            <a:picLocks noGrp="1" noChangeAspect="1"/>
-          </p:cNvPicPr>
-          <p:nvPr/>
-        </p:nvPicPr>
-        <p:blipFill>
-          <a:blip r:embed="rId3"/>
-          <a:stretch>
-            <a:fillRect/>
-          </a:stretch>
-        </p:blipFill>
-        <p:spPr bwMode="auto">
-          <a:xfrm>
-            <a:off x="2311400" y="1600200"/>
-            <a:ext cx="4521200" cy="4521200"/>
-          </a:xfrm>
-          <a:prstGeom prst="rect">
-            <a:avLst/>
-          </a:prstGeom>
-          <a:noFill/>
-          <a:ln w="9525">
-            <a:noFill/>
-            <a:headEnd/>
-            <a:tailEnd/>
-          </a:ln>
-        </p:spPr>
-      </p:pic>
+      <p:sp>
+        <p:nvSpPr>
+          <p:cNvPr id="3" name="Content Placeholder 2"/>
+          <p:cNvSpPr>
+            <a:spLocks noGrp="1"/>
+          </p:cNvSpPr>
+          <p:nvPr>
+            <p:ph idx="1"/>
+          </p:nvPr>
+        </p:nvSpPr>
+        <p:spPr/>
+        <p:txBody>
+          <a:bodyPr/>
+          <a:lstStyle/>
+          <a:p>
+            <a:pPr lvl="0" indent="0">
+              <a:buNone/>
+            </a:pPr>
+            <a:r>
+              <a:rPr>
+                <a:latin typeface="Courier"/>
+              </a:rPr>
+              <a:t>scatterplot_enhanced </a:t>
+            </a:r>
+            <a:r>
+              <a:rPr>
+                <a:solidFill>
+                  <a:srgbClr val="007020"/>
+                </a:solidFill>
+                <a:latin typeface="Courier"/>
+              </a:rPr>
+              <a:t>&lt;-</a:t>
+            </a:r>
+            <a:r>
+              <a:rPr>
+                <a:latin typeface="Courier"/>
+              </a:rPr>
+              <a:t> scatterplot_default </a:t>
+            </a:r>
+            <a:r>
+              <a:rPr>
+                <a:solidFill>
+                  <a:srgbClr val="4070A0"/>
+                </a:solidFill>
+                <a:latin typeface="Courier"/>
+              </a:rPr>
+              <a:t>+</a:t>
+            </a:r>
+            <a:br/>
+            <a:r>
+              <a:rPr>
+                <a:latin typeface="Courier"/>
+              </a:rPr>
+              <a:t>  </a:t>
+            </a:r>
+            <a:r>
+              <a:rPr>
+                <a:solidFill>
+                  <a:srgbClr val="06287E"/>
+                </a:solidFill>
+                <a:latin typeface="Courier"/>
+              </a:rPr>
+              <a:t>xlab</a:t>
+            </a:r>
+            <a:r>
+              <a:rPr>
+                <a:latin typeface="Courier"/>
+              </a:rPr>
+              <a:t>(</a:t>
+            </a:r>
+            <a:r>
+              <a:rPr>
+                <a:solidFill>
+                  <a:srgbClr val="4070A0"/>
+                </a:solidFill>
+                <a:latin typeface="Courier"/>
+              </a:rPr>
+              <a:t>"Abdomen circumference in inches"</a:t>
+            </a:r>
+            <a:r>
+              <a:rPr>
+                <a:latin typeface="Courier"/>
+              </a:rPr>
+              <a:t>) </a:t>
+            </a:r>
+            <a:r>
+              <a:rPr>
+                <a:solidFill>
+                  <a:srgbClr val="4070A0"/>
+                </a:solidFill>
+                <a:latin typeface="Courier"/>
+              </a:rPr>
+              <a:t>+</a:t>
+            </a:r>
+            <a:br/>
+            <a:r>
+              <a:rPr>
+                <a:latin typeface="Courier"/>
+              </a:rPr>
+              <a:t>  </a:t>
+            </a:r>
+            <a:r>
+              <a:rPr>
+                <a:solidFill>
+                  <a:srgbClr val="06287E"/>
+                </a:solidFill>
+                <a:latin typeface="Courier"/>
+              </a:rPr>
+              <a:t>ylab</a:t>
+            </a:r>
+            <a:r>
+              <a:rPr>
+                <a:latin typeface="Courier"/>
+              </a:rPr>
+              <a:t>(</a:t>
+            </a:r>
+            <a:r>
+              <a:rPr>
+                <a:solidFill>
+                  <a:srgbClr val="4070A0"/>
+                </a:solidFill>
+                <a:latin typeface="Courier"/>
+              </a:rPr>
+              <a:t>"Percentage of body fat"</a:t>
+            </a:r>
+            <a:r>
+              <a:rPr>
+                <a:latin typeface="Courier"/>
+              </a:rPr>
+              <a:t>) </a:t>
+            </a:r>
+            <a:r>
+              <a:rPr>
+                <a:solidFill>
+                  <a:srgbClr val="4070A0"/>
+                </a:solidFill>
+                <a:latin typeface="Courier"/>
+              </a:rPr>
+              <a:t>+</a:t>
+            </a:r>
+            <a:br/>
+            <a:r>
+              <a:rPr>
+                <a:latin typeface="Courier"/>
+              </a:rPr>
+              <a:t>  </a:t>
+            </a:r>
+            <a:r>
+              <a:rPr>
+                <a:solidFill>
+                  <a:srgbClr val="06287E"/>
+                </a:solidFill>
+                <a:latin typeface="Courier"/>
+              </a:rPr>
+              <a:t>ggtitle</a:t>
+            </a:r>
+            <a:r>
+              <a:rPr>
+                <a:latin typeface="Courier"/>
+              </a:rPr>
+              <a:t>(</a:t>
+            </a:r>
+            <a:r>
+              <a:rPr>
+                <a:solidFill>
+                  <a:srgbClr val="4070A0"/>
+                </a:solidFill>
+                <a:latin typeface="Courier"/>
+              </a:rPr>
+              <a:t>"Figure 1. My brilliant graph."</a:t>
+            </a:r>
+            <a:r>
+              <a:rPr>
+                <a:latin typeface="Courier"/>
+              </a:rPr>
+              <a:t>)</a:t>
+            </a:r>
+            <a:br/>
+            <a:r>
+              <a:rPr>
+                <a:solidFill>
+                  <a:srgbClr val="06287E"/>
+                </a:solidFill>
+                <a:latin typeface="Courier"/>
+              </a:rPr>
+              <a:t>png</a:t>
+            </a:r>
+            <a:r>
+              <a:rPr>
+                <a:latin typeface="Courier"/>
+              </a:rPr>
+              <a:t>(</a:t>
+            </a:r>
+            <a:r>
+              <a:rPr>
+                <a:solidFill>
+                  <a:srgbClr val="7D9029"/>
+                </a:solidFill>
+                <a:latin typeface="Courier"/>
+              </a:rPr>
+              <a:t>file=</a:t>
+            </a:r>
+            <a:r>
+              <a:rPr>
+                <a:solidFill>
+                  <a:srgbClr val="4070A0"/>
+                </a:solidFill>
+                <a:latin typeface="Courier"/>
+              </a:rPr>
+              <a:t>"../images/scatterplot02.png"</a:t>
+            </a:r>
+            <a:r>
+              <a:rPr>
+                <a:latin typeface="Courier"/>
+              </a:rPr>
+              <a:t>)</a:t>
+            </a:r>
+            <a:br/>
+            <a:r>
+              <a:rPr>
+                <a:latin typeface="Courier"/>
+              </a:rPr>
+              <a:t>scatterplot_enhanced</a:t>
+            </a:r>
+            <a:br/>
+            <a:r>
+              <a:rPr>
+                <a:solidFill>
+                  <a:srgbClr val="06287E"/>
+                </a:solidFill>
+                <a:latin typeface="Courier"/>
+              </a:rPr>
+              <a:t>dev.off</a:t>
+            </a:r>
+            <a:r>
+              <a:rPr>
+                <a:latin typeface="Courier"/>
+              </a:rPr>
+              <a:t>()</a:t>
+            </a:r>
+          </a:p>
+          <a:p>
+            <a:pPr lvl="0" indent="0">
+              <a:buNone/>
+            </a:pPr>
+            <a:r>
+              <a:rPr>
+                <a:latin typeface="Courier"/>
+              </a:rPr>
+              <a:t>## png 
+##   2</a:t>
+            </a:r>
+          </a:p>
+        </p:txBody>
+      </p:sp>
     </p:spTree>
   </p:cSld>
 </p:sld>
@@ -42957,332 +42341,6 @@
             </a:pPr>
             <a:r>
               <a:rPr/>
-              <a:t>Change</a:t>
-            </a:r>
-            <a:r>
-              <a:rPr/>
-              <a:t> </a:t>
-            </a:r>
-            <a:r>
-              <a:rPr/>
-              <a:t>from</a:t>
-            </a:r>
-            <a:r>
-              <a:rPr/>
-              <a:t> </a:t>
-            </a:r>
-            <a:r>
-              <a:rPr/>
-              <a:t>the</a:t>
-            </a:r>
-            <a:r>
-              <a:rPr/>
-              <a:t> </a:t>
-            </a:r>
-            <a:r>
-              <a:rPr/>
-              <a:t>defaults</a:t>
-            </a:r>
-          </a:p>
-        </p:txBody>
-      </p:sp>
-      <p:sp>
-        <p:nvSpPr>
-          <p:cNvPr id="3" name="Content Placeholder 2"/>
-          <p:cNvSpPr>
-            <a:spLocks noGrp="1"/>
-          </p:cNvSpPr>
-          <p:nvPr>
-            <p:ph idx="1"/>
-          </p:nvPr>
-        </p:nvSpPr>
-        <p:spPr/>
-        <p:txBody>
-          <a:bodyPr/>
-          <a:lstStyle/>
-          <a:p>
-            <a:pPr lvl="0" indent="0">
-              <a:buNone/>
-            </a:pPr>
-            <a:r>
-              <a:rPr>
-                <a:latin typeface="Courier"/>
-              </a:rPr>
-              <a:t>scatterplot_enhanced </a:t>
-            </a:r>
-            <a:r>
-              <a:rPr>
-                <a:solidFill>
-                  <a:srgbClr val="007020"/>
-                </a:solidFill>
-                <a:latin typeface="Courier"/>
-              </a:rPr>
-              <a:t>&lt;-</a:t>
-            </a:r>
-            <a:r>
-              <a:rPr>
-                <a:latin typeface="Courier"/>
-              </a:rPr>
-              <a:t> scatterplot_default </a:t>
-            </a:r>
-            <a:r>
-              <a:rPr>
-                <a:solidFill>
-                  <a:srgbClr val="4070A0"/>
-                </a:solidFill>
-                <a:latin typeface="Courier"/>
-              </a:rPr>
-              <a:t>+</a:t>
-            </a:r>
-            <a:br/>
-            <a:r>
-              <a:rPr>
-                <a:latin typeface="Courier"/>
-              </a:rPr>
-              <a:t>  </a:t>
-            </a:r>
-            <a:r>
-              <a:rPr>
-                <a:solidFill>
-                  <a:srgbClr val="06287E"/>
-                </a:solidFill>
-                <a:latin typeface="Courier"/>
-              </a:rPr>
-              <a:t>xlab</a:t>
-            </a:r>
-            <a:r>
-              <a:rPr>
-                <a:latin typeface="Courier"/>
-              </a:rPr>
-              <a:t>(</a:t>
-            </a:r>
-            <a:r>
-              <a:rPr>
-                <a:solidFill>
-                  <a:srgbClr val="4070A0"/>
-                </a:solidFill>
-                <a:latin typeface="Courier"/>
-              </a:rPr>
-              <a:t>"Abdomen circumference in inches"</a:t>
-            </a:r>
-            <a:r>
-              <a:rPr>
-                <a:latin typeface="Courier"/>
-              </a:rPr>
-              <a:t>) </a:t>
-            </a:r>
-            <a:r>
-              <a:rPr>
-                <a:solidFill>
-                  <a:srgbClr val="4070A0"/>
-                </a:solidFill>
-                <a:latin typeface="Courier"/>
-              </a:rPr>
-              <a:t>+</a:t>
-            </a:r>
-            <a:br/>
-            <a:r>
-              <a:rPr>
-                <a:latin typeface="Courier"/>
-              </a:rPr>
-              <a:t>  </a:t>
-            </a:r>
-            <a:r>
-              <a:rPr>
-                <a:solidFill>
-                  <a:srgbClr val="06287E"/>
-                </a:solidFill>
-                <a:latin typeface="Courier"/>
-              </a:rPr>
-              <a:t>ylab</a:t>
-            </a:r>
-            <a:r>
-              <a:rPr>
-                <a:latin typeface="Courier"/>
-              </a:rPr>
-              <a:t>(</a:t>
-            </a:r>
-            <a:r>
-              <a:rPr>
-                <a:solidFill>
-                  <a:srgbClr val="4070A0"/>
-                </a:solidFill>
-                <a:latin typeface="Courier"/>
-              </a:rPr>
-              <a:t>"Percentage of body fat"</a:t>
-            </a:r>
-            <a:r>
-              <a:rPr>
-                <a:latin typeface="Courier"/>
-              </a:rPr>
-              <a:t>) </a:t>
-            </a:r>
-            <a:r>
-              <a:rPr>
-                <a:solidFill>
-                  <a:srgbClr val="4070A0"/>
-                </a:solidFill>
-                <a:latin typeface="Courier"/>
-              </a:rPr>
-              <a:t>+</a:t>
-            </a:r>
-            <a:br/>
-            <a:r>
-              <a:rPr>
-                <a:latin typeface="Courier"/>
-              </a:rPr>
-              <a:t>  </a:t>
-            </a:r>
-            <a:r>
-              <a:rPr>
-                <a:solidFill>
-                  <a:srgbClr val="06287E"/>
-                </a:solidFill>
-                <a:latin typeface="Courier"/>
-              </a:rPr>
-              <a:t>ggtitle</a:t>
-            </a:r>
-            <a:r>
-              <a:rPr>
-                <a:latin typeface="Courier"/>
-              </a:rPr>
-              <a:t>(</a:t>
-            </a:r>
-            <a:r>
-              <a:rPr>
-                <a:solidFill>
-                  <a:srgbClr val="4070A0"/>
-                </a:solidFill>
-                <a:latin typeface="Courier"/>
-              </a:rPr>
-              <a:t>"Figure 1. My brilliant graph."</a:t>
-            </a:r>
-            <a:r>
-              <a:rPr>
-                <a:latin typeface="Courier"/>
-              </a:rPr>
-              <a:t>)</a:t>
-            </a:r>
-            <a:br/>
-            <a:r>
-              <a:rPr>
-                <a:solidFill>
-                  <a:srgbClr val="06287E"/>
-                </a:solidFill>
-                <a:latin typeface="Courier"/>
-              </a:rPr>
-              <a:t>png</a:t>
-            </a:r>
-            <a:r>
-              <a:rPr>
-                <a:latin typeface="Courier"/>
-              </a:rPr>
-              <a:t>(</a:t>
-            </a:r>
-            <a:r>
-              <a:rPr>
-                <a:solidFill>
-                  <a:srgbClr val="7D9029"/>
-                </a:solidFill>
-                <a:latin typeface="Courier"/>
-              </a:rPr>
-              <a:t>file=</a:t>
-            </a:r>
-            <a:r>
-              <a:rPr>
-                <a:solidFill>
-                  <a:srgbClr val="4070A0"/>
-                </a:solidFill>
-                <a:latin typeface="Courier"/>
-              </a:rPr>
-              <a:t>"../images/scatterplot02.png"</a:t>
-            </a:r>
-            <a:r>
-              <a:rPr>
-                <a:latin typeface="Courier"/>
-              </a:rPr>
-              <a:t>)</a:t>
-            </a:r>
-            <a:br/>
-            <a:r>
-              <a:rPr>
-                <a:latin typeface="Courier"/>
-              </a:rPr>
-              <a:t>scatterplot_enhanced</a:t>
-            </a:r>
-            <a:br/>
-            <a:r>
-              <a:rPr>
-                <a:solidFill>
-                  <a:srgbClr val="06287E"/>
-                </a:solidFill>
-                <a:latin typeface="Courier"/>
-              </a:rPr>
-              <a:t>dev.off</a:t>
-            </a:r>
-            <a:r>
-              <a:rPr>
-                <a:latin typeface="Courier"/>
-              </a:rPr>
-              <a:t>()</a:t>
-            </a:r>
-          </a:p>
-          <a:p>
-            <a:pPr lvl="0" indent="0">
-              <a:buNone/>
-            </a:pPr>
-            <a:r>
-              <a:rPr>
-                <a:latin typeface="Courier"/>
-              </a:rPr>
-              <a:t>## png 
-##   2</a:t>
-            </a:r>
-          </a:p>
-        </p:txBody>
-      </p:sp>
-    </p:spTree>
-  </p:cSld>
-</p:sld>
-</file>
-
-<file path=ppt/slides/slide61.xml><?xml version="1.0" encoding="utf-8"?>
-<p:sld xmlns:a="http://schemas.openxmlformats.org/drawingml/2006/main" xmlns:r="http://schemas.openxmlformats.org/officeDocument/2006/relationships" xmlns:p="http://schemas.openxmlformats.org/presentationml/2006/main">
-  <p:cSld>
-    <p:spTree>
-      <p:nvGrpSpPr>
-        <p:cNvPr id="1" name=""/>
-        <p:cNvGrpSpPr/>
-        <p:nvPr/>
-      </p:nvGrpSpPr>
-      <p:grpSpPr>
-        <a:xfrm>
-          <a:off x="0" y="0"/>
-          <a:ext cx="0" cy="0"/>
-          <a:chOff x="0" y="0"/>
-          <a:chExt cx="0" cy="0"/>
-        </a:xfrm>
-      </p:grpSpPr>
-      <p:sp>
-        <p:nvSpPr>
-          <p:cNvPr id="2" name="Title 1"/>
-          <p:cNvSpPr>
-            <a:spLocks noGrp="1"/>
-          </p:cNvSpPr>
-          <p:nvPr>
-            <p:ph type="title"/>
-          </p:nvPr>
-        </p:nvSpPr>
-        <p:spPr/>
-        <p:txBody>
-          <a:bodyPr/>
-          <a:lstStyle/>
-          <a:p>
-            <a:pPr lvl="0" marL="0" indent="0">
-              <a:buNone/>
-            </a:pPr>
-            <a:r>
-              <a:rPr/>
               <a:t>Scatterplot02</a:t>
             </a:r>
           </a:p>
@@ -43323,7 +42381,7 @@
 </p:sld>
 </file>
 
-<file path=ppt/slides/slide62.xml><?xml version="1.0" encoding="utf-8"?>
+<file path=ppt/slides/slide61.xml><?xml version="1.0" encoding="utf-8"?>
 <p:sld xmlns:a="http://schemas.openxmlformats.org/drawingml/2006/main" xmlns:r="http://schemas.openxmlformats.org/officeDocument/2006/relationships" xmlns:p="http://schemas.openxmlformats.org/presentationml/2006/main">
   <p:cSld>
     <p:spTree>
@@ -43540,7 +42598,7 @@
 </p:sld>
 </file>
 
-<file path=ppt/slides/slide63.xml><?xml version="1.0" encoding="utf-8"?>
+<file path=ppt/slides/slide62.xml><?xml version="1.0" encoding="utf-8"?>
 <p:sld xmlns:a="http://schemas.openxmlformats.org/drawingml/2006/main" xmlns:r="http://schemas.openxmlformats.org/officeDocument/2006/relationships" xmlns:p="http://schemas.openxmlformats.org/presentationml/2006/main">
   <p:cSld>
     <p:spTree>
@@ -43633,6 +42691,112 @@
 </p:sld>
 </file>
 
+<file path=ppt/slides/slide63.xml><?xml version="1.0" encoding="utf-8"?>
+<p:sld xmlns:a="http://schemas.openxmlformats.org/drawingml/2006/main" xmlns:r="http://schemas.openxmlformats.org/officeDocument/2006/relationships" xmlns:p="http://schemas.openxmlformats.org/presentationml/2006/main">
+  <p:cSld>
+    <p:spTree>
+      <p:nvGrpSpPr>
+        <p:cNvPr id="1" name=""/>
+        <p:cNvGrpSpPr/>
+        <p:nvPr/>
+      </p:nvGrpSpPr>
+      <p:grpSpPr>
+        <a:xfrm>
+          <a:off x="0" y="0"/>
+          <a:ext cx="0" cy="0"/>
+          <a:chOff x="0" y="0"/>
+          <a:chExt cx="0" cy="0"/>
+        </a:xfrm>
+      </p:grpSpPr>
+      <p:sp>
+        <p:nvSpPr>
+          <p:cNvPr id="2" name="Title 1"/>
+          <p:cNvSpPr>
+            <a:spLocks noGrp="1"/>
+          </p:cNvSpPr>
+          <p:nvPr>
+            <p:ph type="title"/>
+          </p:nvPr>
+        </p:nvSpPr>
+        <p:spPr/>
+        <p:txBody>
+          <a:bodyPr/>
+          <a:lstStyle/>
+          <a:p>
+            <a:pPr lvl="0" marL="0" indent="0">
+              <a:buNone/>
+            </a:pPr>
+            <a:r>
+              <a:rPr/>
+              <a:t>Break</a:t>
+            </a:r>
+            <a:r>
+              <a:rPr/>
+              <a:t> </a:t>
+            </a:r>
+            <a:r>
+              <a:rPr/>
+              <a:t>#5</a:t>
+            </a:r>
+          </a:p>
+        </p:txBody>
+      </p:sp>
+      <p:sp>
+        <p:nvSpPr>
+          <p:cNvPr id="3" name="Content Placeholder 2"/>
+          <p:cNvSpPr>
+            <a:spLocks noGrp="1"/>
+          </p:cNvSpPr>
+          <p:nvPr>
+            <p:ph idx="1"/>
+          </p:nvPr>
+        </p:nvSpPr>
+        <p:spPr/>
+        <p:txBody>
+          <a:bodyPr/>
+          <a:lstStyle/>
+          <a:p>
+            <a:pPr lvl="1"/>
+            <a:r>
+              <a:rPr/>
+              <a:t>What have you learned</a:t>
+            </a:r>
+          </a:p>
+          <a:p>
+            <a:pPr lvl="2"/>
+            <a:r>
+              <a:rPr/>
+              <a:t>Correlations</a:t>
+            </a:r>
+          </a:p>
+          <a:p>
+            <a:pPr lvl="2"/>
+            <a:r>
+              <a:rPr/>
+              <a:t>Scatterplots</a:t>
+            </a:r>
+          </a:p>
+          <a:p>
+            <a:pPr lvl="1"/>
+            <a:r>
+              <a:rPr/>
+              <a:t>What is coming next</a:t>
+            </a:r>
+          </a:p>
+          <a:p>
+            <a:pPr lvl="2"/>
+            <a:r>
+              <a:rPr/>
+              <a:t>Description of sleep data</a:t>
+            </a:r>
+          </a:p>
+        </p:txBody>
+      </p:sp>
+    </p:spTree>
+  </p:cSld>
+</p:sld>
+</file>
+
 <file path=ppt/slides/slide64.xml><?xml version="1.0" encoding="utf-8"?>
 <p:sld xmlns:a="http://schemas.openxmlformats.org/drawingml/2006/main" xmlns:r="http://schemas.openxmlformats.org/officeDocument/2006/relationships" xmlns:p="http://schemas.openxmlformats.org/presentationml/2006/main">
   <p:cSld>
@@ -43670,15 +42834,39 @@
             </a:pPr>
             <a:r>
               <a:rPr/>
-              <a:t>Break</a:t>
-            </a:r>
-            <a:r>
-              <a:rPr/>
-              <a:t> </a:t>
-            </a:r>
-            <a:r>
-              <a:rPr/>
-              <a:t>#5</a:t>
+              <a:t>From</a:t>
+            </a:r>
+            <a:r>
+              <a:rPr/>
+              <a:t> </a:t>
+            </a:r>
+            <a:r>
+              <a:rPr/>
+              <a:t>the</a:t>
+            </a:r>
+            <a:r>
+              <a:rPr/>
+              <a:t> </a:t>
+            </a:r>
+            <a:r>
+              <a:rPr/>
+              <a:t>sleep</a:t>
+            </a:r>
+            <a:r>
+              <a:rPr/>
+              <a:t> </a:t>
+            </a:r>
+            <a:r>
+              <a:rPr/>
+              <a:t>data</a:t>
+            </a:r>
+            <a:r>
+              <a:rPr/>
+              <a:t> </a:t>
+            </a:r>
+            <a:r>
+              <a:rPr/>
+              <a:t>dictionary</a:t>
             </a:r>
           </a:p>
         </p:txBody>
@@ -43698,38 +42886,12 @@
           <a:bodyPr/>
           <a:lstStyle/>
           <a:p>
-            <a:pPr lvl="1"/>
-            <a:r>
-              <a:rPr/>
-              <a:t>What have you learned</a:t>
-            </a:r>
-          </a:p>
-          <a:p>
-            <a:pPr lvl="2"/>
-            <a:r>
-              <a:rPr/>
-              <a:t>Correlations</a:t>
-            </a:r>
-          </a:p>
-          <a:p>
-            <a:pPr lvl="2"/>
-            <a:r>
-              <a:rPr/>
-              <a:t>Scatterplots</a:t>
-            </a:r>
-          </a:p>
-          <a:p>
-            <a:pPr lvl="1"/>
-            <a:r>
-              <a:rPr/>
-              <a:t>What is coming next</a:t>
-            </a:r>
-          </a:p>
-          <a:p>
-            <a:pPr lvl="2"/>
-            <a:r>
-              <a:rPr/>
-              <a:t>Description of sleep data</a:t>
+            <a:pPr lvl="0" marL="0" indent="0">
+              <a:buNone/>
+            </a:pPr>
+            <a:r>
+              <a:rPr/>
+              <a:t>This dataset has information about sleep patterns in 62 common mammals, along with other information that might help you understand what influences variations in sleep.</a:t>
             </a:r>
           </a:p>
         </p:txBody>
@@ -43776,7 +42938,31 @@
             </a:pPr>
             <a:r>
               <a:rPr/>
-              <a:t>From</a:t>
+              <a:t>A</a:t>
+            </a:r>
+            <a:r>
+              <a:rPr/>
+              <a:t> </a:t>
+            </a:r>
+            <a:r>
+              <a:rPr/>
+              <a:t>quick</a:t>
+            </a:r>
+            <a:r>
+              <a:rPr/>
+              <a:t> </a:t>
+            </a:r>
+            <a:r>
+              <a:rPr/>
+              <a:t>peek</a:t>
+            </a:r>
+            <a:r>
+              <a:rPr/>
+              <a:t> </a:t>
+            </a:r>
+            <a:r>
+              <a:rPr/>
+              <a:t>at</a:t>
             </a:r>
             <a:r>
               <a:rPr/>
@@ -43792,23 +42978,7 @@
             </a:r>
             <a:r>
               <a:rPr/>
-              <a:t>sleep</a:t>
-            </a:r>
-            <a:r>
-              <a:rPr/>
-              <a:t> </a:t>
-            </a:r>
-            <a:r>
-              <a:rPr/>
               <a:t>data</a:t>
-            </a:r>
-            <a:r>
-              <a:rPr/>
-              <a:t> </a:t>
-            </a:r>
-            <a:r>
-              <a:rPr/>
-              <a:t>dictionary</a:t>
             </a:r>
           </a:p>
         </p:txBody>
@@ -43828,118 +42998,6 @@
           <a:bodyPr/>
           <a:lstStyle/>
           <a:p>
-            <a:pPr lvl="0" marL="0" indent="0">
-              <a:buNone/>
-            </a:pPr>
-            <a:r>
-              <a:rPr/>
-              <a:t>This dataset has information about sleep patterns in 62 common mammals, along with other information that might help you understand what influences variations in sleep.</a:t>
-            </a:r>
-          </a:p>
-        </p:txBody>
-      </p:sp>
-    </p:spTree>
-  </p:cSld>
-</p:sld>
-</file>
-
-<file path=ppt/slides/slide66.xml><?xml version="1.0" encoding="utf-8"?>
-<p:sld xmlns:a="http://schemas.openxmlformats.org/drawingml/2006/main" xmlns:r="http://schemas.openxmlformats.org/officeDocument/2006/relationships" xmlns:p="http://schemas.openxmlformats.org/presentationml/2006/main">
-  <p:cSld>
-    <p:spTree>
-      <p:nvGrpSpPr>
-        <p:cNvPr id="1" name=""/>
-        <p:cNvGrpSpPr/>
-        <p:nvPr/>
-      </p:nvGrpSpPr>
-      <p:grpSpPr>
-        <a:xfrm>
-          <a:off x="0" y="0"/>
-          <a:ext cx="0" cy="0"/>
-          <a:chOff x="0" y="0"/>
-          <a:chExt cx="0" cy="0"/>
-        </a:xfrm>
-      </p:grpSpPr>
-      <p:sp>
-        <p:nvSpPr>
-          <p:cNvPr id="2" name="Title 1"/>
-          <p:cNvSpPr>
-            <a:spLocks noGrp="1"/>
-          </p:cNvSpPr>
-          <p:nvPr>
-            <p:ph type="title"/>
-          </p:nvPr>
-        </p:nvSpPr>
-        <p:spPr/>
-        <p:txBody>
-          <a:bodyPr/>
-          <a:lstStyle/>
-          <a:p>
-            <a:pPr lvl="0" marL="0" indent="0">
-              <a:buNone/>
-            </a:pPr>
-            <a:r>
-              <a:rPr/>
-              <a:t>A</a:t>
-            </a:r>
-            <a:r>
-              <a:rPr/>
-              <a:t> </a:t>
-            </a:r>
-            <a:r>
-              <a:rPr/>
-              <a:t>quick</a:t>
-            </a:r>
-            <a:r>
-              <a:rPr/>
-              <a:t> </a:t>
-            </a:r>
-            <a:r>
-              <a:rPr/>
-              <a:t>peek</a:t>
-            </a:r>
-            <a:r>
-              <a:rPr/>
-              <a:t> </a:t>
-            </a:r>
-            <a:r>
-              <a:rPr/>
-              <a:t>at</a:t>
-            </a:r>
-            <a:r>
-              <a:rPr/>
-              <a:t> </a:t>
-            </a:r>
-            <a:r>
-              <a:rPr/>
-              <a:t>the</a:t>
-            </a:r>
-            <a:r>
-              <a:rPr/>
-              <a:t> </a:t>
-            </a:r>
-            <a:r>
-              <a:rPr/>
-              <a:t>data</a:t>
-            </a:r>
-          </a:p>
-        </p:txBody>
-      </p:sp>
-      <p:sp>
-        <p:nvSpPr>
-          <p:cNvPr id="3" name="Content Placeholder 2"/>
-          <p:cNvSpPr>
-            <a:spLocks noGrp="1"/>
-          </p:cNvSpPr>
-          <p:nvPr>
-            <p:ph idx="1"/>
-          </p:nvPr>
-        </p:nvSpPr>
-        <p:spPr/>
-        <p:txBody>
-          <a:bodyPr/>
-          <a:lstStyle/>
-          <a:p>
             <a:pPr lvl="0" indent="0">
               <a:buNone/>
             </a:pPr>
@@ -43947,18 +43005,21 @@
               <a:rPr>
                 <a:latin typeface="Courier"/>
               </a:rPr>
-              <a:t>##                  Species BodyWt BrainWt
-## 1        Africanelephant   6654  5712.0
-## 2 Africangiantpouchedrat      1     6.6
-##   NonDreaming Dreaming TotalSleep
-## 1          NA       NA        3.3
-## 2         6.3        2        8.3
-##   LifeSpan Gestation Predation Exposure
-## 1     38.6       645         3        5
-## 2      4.5        42         3        1
-##   Danger
-## 1      3
-## 2      3</a:t>
+              <a:t>##                  Species
+## 1        Africanelephant
+## 2 Africangiantpouchedrat
+##   BodyWt BrainWt NonDreaming
+## 1   6654  5712.0          NA
+## 2      1     6.6         6.3
+##   Dreaming TotalSleep
+## 1       NA        3.3
+## 2        2        8.3
+##   LifeSpan Gestation
+## 1     38.6       645
+## 2      4.5        42
+##   Predation Exposure Danger
+## 1         3        5      3
+## 2         3        1      3</a:t>
             </a:r>
           </a:p>
         </p:txBody>
